--- a/hecCalc/2023/documentum/logo/logo.pptx
+++ b/hecCalc/2023/documentum/logo/logo.pptx
@@ -7,6 +7,7 @@
   <p:sldIdLst>
     <p:sldId id="256" r:id="rId2"/>
     <p:sldId id="257" r:id="rId3"/>
+    <p:sldId id="258" r:id="rId4"/>
   </p:sldIdLst>
   <p:sldSz cx="12192000" cy="6858000"/>
   <p:notesSz cx="6858000" cy="9144000"/>
@@ -105,6 +106,11 @@
       </a:defRPr>
     </a:lvl9pPr>
   </p:defaultTextStyle>
+  <p:extLst>
+    <p:ext uri="{EFAFB233-063F-42B5-8137-9DF3F51BA10A}">
+      <p15:sldGuideLst xmlns:p15="http://schemas.microsoft.com/office/powerpoint/2012/main"/>
+    </p:ext>
+  </p:extLst>
 </p:presentation>
 </file>
 
@@ -255,7 +261,7 @@
           <a:p>
             <a:fld id="{2BD9FA74-BDC4-474D-9A42-59EE67DE1B02}" type="datetimeFigureOut">
               <a:rPr lang="ko-KR" altLang="en-US" smtClean="0"/>
-              <a:t>2023-10-11</a:t>
+              <a:t>2023-10-25</a:t>
             </a:fld>
             <a:endParaRPr lang="ko-KR" altLang="en-US"/>
           </a:p>
@@ -453,7 +459,7 @@
           <a:p>
             <a:fld id="{2BD9FA74-BDC4-474D-9A42-59EE67DE1B02}" type="datetimeFigureOut">
               <a:rPr lang="ko-KR" altLang="en-US" smtClean="0"/>
-              <a:t>2023-10-11</a:t>
+              <a:t>2023-10-25</a:t>
             </a:fld>
             <a:endParaRPr lang="ko-KR" altLang="en-US"/>
           </a:p>
@@ -661,7 +667,7 @@
           <a:p>
             <a:fld id="{2BD9FA74-BDC4-474D-9A42-59EE67DE1B02}" type="datetimeFigureOut">
               <a:rPr lang="ko-KR" altLang="en-US" smtClean="0"/>
-              <a:t>2023-10-11</a:t>
+              <a:t>2023-10-25</a:t>
             </a:fld>
             <a:endParaRPr lang="ko-KR" altLang="en-US"/>
           </a:p>
@@ -859,7 +865,7 @@
           <a:p>
             <a:fld id="{2BD9FA74-BDC4-474D-9A42-59EE67DE1B02}" type="datetimeFigureOut">
               <a:rPr lang="ko-KR" altLang="en-US" smtClean="0"/>
-              <a:t>2023-10-11</a:t>
+              <a:t>2023-10-25</a:t>
             </a:fld>
             <a:endParaRPr lang="ko-KR" altLang="en-US"/>
           </a:p>
@@ -1134,7 +1140,7 @@
           <a:p>
             <a:fld id="{2BD9FA74-BDC4-474D-9A42-59EE67DE1B02}" type="datetimeFigureOut">
               <a:rPr lang="ko-KR" altLang="en-US" smtClean="0"/>
-              <a:t>2023-10-11</a:t>
+              <a:t>2023-10-25</a:t>
             </a:fld>
             <a:endParaRPr lang="ko-KR" altLang="en-US"/>
           </a:p>
@@ -1399,7 +1405,7 @@
           <a:p>
             <a:fld id="{2BD9FA74-BDC4-474D-9A42-59EE67DE1B02}" type="datetimeFigureOut">
               <a:rPr lang="ko-KR" altLang="en-US" smtClean="0"/>
-              <a:t>2023-10-11</a:t>
+              <a:t>2023-10-25</a:t>
             </a:fld>
             <a:endParaRPr lang="ko-KR" altLang="en-US"/>
           </a:p>
@@ -1811,7 +1817,7 @@
           <a:p>
             <a:fld id="{2BD9FA74-BDC4-474D-9A42-59EE67DE1B02}" type="datetimeFigureOut">
               <a:rPr lang="ko-KR" altLang="en-US" smtClean="0"/>
-              <a:t>2023-10-11</a:t>
+              <a:t>2023-10-25</a:t>
             </a:fld>
             <a:endParaRPr lang="ko-KR" altLang="en-US"/>
           </a:p>
@@ -1952,7 +1958,7 @@
           <a:p>
             <a:fld id="{2BD9FA74-BDC4-474D-9A42-59EE67DE1B02}" type="datetimeFigureOut">
               <a:rPr lang="ko-KR" altLang="en-US" smtClean="0"/>
-              <a:t>2023-10-11</a:t>
+              <a:t>2023-10-25</a:t>
             </a:fld>
             <a:endParaRPr lang="ko-KR" altLang="en-US"/>
           </a:p>
@@ -2065,7 +2071,7 @@
           <a:p>
             <a:fld id="{2BD9FA74-BDC4-474D-9A42-59EE67DE1B02}" type="datetimeFigureOut">
               <a:rPr lang="ko-KR" altLang="en-US" smtClean="0"/>
-              <a:t>2023-10-11</a:t>
+              <a:t>2023-10-25</a:t>
             </a:fld>
             <a:endParaRPr lang="ko-KR" altLang="en-US"/>
           </a:p>
@@ -2376,7 +2382,7 @@
           <a:p>
             <a:fld id="{2BD9FA74-BDC4-474D-9A42-59EE67DE1B02}" type="datetimeFigureOut">
               <a:rPr lang="ko-KR" altLang="en-US" smtClean="0"/>
-              <a:t>2023-10-11</a:t>
+              <a:t>2023-10-25</a:t>
             </a:fld>
             <a:endParaRPr lang="ko-KR" altLang="en-US"/>
           </a:p>
@@ -2664,7 +2670,7 @@
           <a:p>
             <a:fld id="{2BD9FA74-BDC4-474D-9A42-59EE67DE1B02}" type="datetimeFigureOut">
               <a:rPr lang="ko-KR" altLang="en-US" smtClean="0"/>
-              <a:t>2023-10-11</a:t>
+              <a:t>2023-10-25</a:t>
             </a:fld>
             <a:endParaRPr lang="ko-KR" altLang="en-US"/>
           </a:p>
@@ -2905,7 +2911,7 @@
           <a:p>
             <a:fld id="{2BD9FA74-BDC4-474D-9A42-59EE67DE1B02}" type="datetimeFigureOut">
               <a:rPr lang="ko-KR" altLang="en-US" smtClean="0"/>
-              <a:t>2023-10-11</a:t>
+              <a:t>2023-10-25</a:t>
             </a:fld>
             <a:endParaRPr lang="ko-KR" altLang="en-US"/>
           </a:p>
@@ -4466,6 +4472,493 @@
 </p:sld>
 </file>
 
+<file path=ppt/slides/slide3.xml><?xml version="1.0" encoding="utf-8"?>
+<p:sld xmlns:a="http://schemas.openxmlformats.org/drawingml/2006/main" xmlns:r="http://schemas.openxmlformats.org/officeDocument/2006/relationships" xmlns:p="http://schemas.openxmlformats.org/presentationml/2006/main">
+  <p:cSld>
+    <p:spTree>
+      <p:nvGrpSpPr>
+        <p:cNvPr id="1" name=""/>
+        <p:cNvGrpSpPr/>
+        <p:nvPr/>
+      </p:nvGrpSpPr>
+      <p:grpSpPr>
+        <a:xfrm>
+          <a:off x="0" y="0"/>
+          <a:ext cx="0" cy="0"/>
+          <a:chOff x="0" y="0"/>
+          <a:chExt cx="0" cy="0"/>
+        </a:xfrm>
+      </p:grpSpPr>
+      <p:sp>
+        <p:nvSpPr>
+          <p:cNvPr id="11" name="직사각형 10">
+            <a:extLst>
+              <a:ext uri="{FF2B5EF4-FFF2-40B4-BE49-F238E27FC236}">
+                <a16:creationId xmlns:a16="http://schemas.microsoft.com/office/drawing/2014/main" id="{C2C98A8B-27E9-25F4-4698-259144084645}"/>
+              </a:ext>
+            </a:extLst>
+          </p:cNvPr>
+          <p:cNvSpPr/>
+          <p:nvPr/>
+        </p:nvSpPr>
+        <p:spPr>
+          <a:xfrm>
+            <a:off x="3337089" y="707010"/>
+            <a:ext cx="4242062" cy="4242062"/>
+          </a:xfrm>
+          <a:prstGeom prst="rect">
+            <a:avLst/>
+          </a:prstGeom>
+          <a:solidFill>
+            <a:schemeClr val="bg1"/>
+          </a:solidFill>
+          <a:ln>
+            <a:noFill/>
+          </a:ln>
+        </p:spPr>
+        <p:style>
+          <a:lnRef idx="2">
+            <a:schemeClr val="accent1">
+              <a:shade val="15000"/>
+            </a:schemeClr>
+          </a:lnRef>
+          <a:fillRef idx="1">
+            <a:schemeClr val="accent1"/>
+          </a:fillRef>
+          <a:effectRef idx="0">
+            <a:schemeClr val="accent1"/>
+          </a:effectRef>
+          <a:fontRef idx="minor">
+            <a:schemeClr val="lt1"/>
+          </a:fontRef>
+        </p:style>
+        <p:txBody>
+          <a:bodyPr rtlCol="0" anchor="ctr"/>
+          <a:lstStyle/>
+          <a:p>
+            <a:pPr algn="ctr"/>
+            <a:endParaRPr lang="ko-KR" altLang="en-US"/>
+          </a:p>
+        </p:txBody>
+      </p:sp>
+      <p:cxnSp>
+        <p:nvCxnSpPr>
+          <p:cNvPr id="4" name="직선 연결선 3">
+            <a:extLst>
+              <a:ext uri="{FF2B5EF4-FFF2-40B4-BE49-F238E27FC236}">
+                <a16:creationId xmlns:a16="http://schemas.microsoft.com/office/drawing/2014/main" id="{7A0D4ADF-CA1D-00DB-3201-8FB915508F56}"/>
+              </a:ext>
+            </a:extLst>
+          </p:cNvPr>
+          <p:cNvCxnSpPr>
+            <a:cxnSpLocks/>
+          </p:cNvCxnSpPr>
+          <p:nvPr/>
+        </p:nvCxnSpPr>
+        <p:spPr>
+          <a:xfrm>
+            <a:off x="4133941" y="2689074"/>
+            <a:ext cx="2610729" cy="0"/>
+          </a:xfrm>
+          <a:prstGeom prst="line">
+            <a:avLst/>
+          </a:prstGeom>
+          <a:ln w="152400" cap="rnd">
+            <a:solidFill>
+              <a:schemeClr val="tx1">
+                <a:lumMod val="50000"/>
+                <a:lumOff val="50000"/>
+              </a:schemeClr>
+            </a:solidFill>
+          </a:ln>
+        </p:spPr>
+        <p:style>
+          <a:lnRef idx="1">
+            <a:schemeClr val="accent1"/>
+          </a:lnRef>
+          <a:fillRef idx="0">
+            <a:schemeClr val="accent1"/>
+          </a:fillRef>
+          <a:effectRef idx="0">
+            <a:schemeClr val="accent1"/>
+          </a:effectRef>
+          <a:fontRef idx="minor">
+            <a:schemeClr val="tx1"/>
+          </a:fontRef>
+        </p:style>
+      </p:cxnSp>
+      <p:grpSp>
+        <p:nvGrpSpPr>
+          <p:cNvPr id="7" name="그룹 6">
+            <a:extLst>
+              <a:ext uri="{FF2B5EF4-FFF2-40B4-BE49-F238E27FC236}">
+                <a16:creationId xmlns:a16="http://schemas.microsoft.com/office/drawing/2014/main" id="{3B2230FA-F366-115B-B185-F3912295ED88}"/>
+              </a:ext>
+            </a:extLst>
+          </p:cNvPr>
+          <p:cNvGrpSpPr/>
+          <p:nvPr/>
+        </p:nvGrpSpPr>
+        <p:grpSpPr>
+          <a:xfrm>
+            <a:off x="4304417" y="2818771"/>
+            <a:ext cx="2307488" cy="1668386"/>
+            <a:chOff x="4151331" y="2811780"/>
+            <a:chExt cx="2613660" cy="1889758"/>
+          </a:xfrm>
+        </p:grpSpPr>
+        <p:sp>
+          <p:nvSpPr>
+            <p:cNvPr id="5" name="이등변 삼각형 4">
+              <a:extLst>
+                <a:ext uri="{FF2B5EF4-FFF2-40B4-BE49-F238E27FC236}">
+                  <a16:creationId xmlns:a16="http://schemas.microsoft.com/office/drawing/2014/main" id="{E60113AC-CCA7-AE94-182C-680B3AFB5EF0}"/>
+                </a:ext>
+              </a:extLst>
+            </p:cNvPr>
+            <p:cNvSpPr/>
+            <p:nvPr/>
+          </p:nvSpPr>
+          <p:spPr>
+            <a:xfrm rot="10800000">
+              <a:off x="4151331" y="2811780"/>
+              <a:ext cx="2613660" cy="1691638"/>
+            </a:xfrm>
+            <a:prstGeom prst="triangle">
+              <a:avLst/>
+            </a:prstGeom>
+            <a:solidFill>
+              <a:schemeClr val="tx1">
+                <a:lumMod val="50000"/>
+                <a:lumOff val="50000"/>
+              </a:schemeClr>
+            </a:solidFill>
+            <a:ln>
+              <a:noFill/>
+            </a:ln>
+          </p:spPr>
+          <p:style>
+            <a:lnRef idx="2">
+              <a:schemeClr val="accent1">
+                <a:shade val="15000"/>
+              </a:schemeClr>
+            </a:lnRef>
+            <a:fillRef idx="1">
+              <a:schemeClr val="accent1"/>
+            </a:fillRef>
+            <a:effectRef idx="0">
+              <a:schemeClr val="accent1"/>
+            </a:effectRef>
+            <a:fontRef idx="minor">
+              <a:schemeClr val="lt1"/>
+            </a:fontRef>
+          </p:style>
+          <p:txBody>
+            <a:bodyPr rtlCol="0" anchor="ctr"/>
+            <a:lstStyle/>
+            <a:p>
+              <a:pPr algn="ctr"/>
+              <a:endParaRPr lang="ko-KR" altLang="en-US"/>
+            </a:p>
+          </p:txBody>
+        </p:sp>
+        <p:sp>
+          <p:nvSpPr>
+            <p:cNvPr id="6" name="사각형: 둥근 모서리 5">
+              <a:extLst>
+                <a:ext uri="{FF2B5EF4-FFF2-40B4-BE49-F238E27FC236}">
+                  <a16:creationId xmlns:a16="http://schemas.microsoft.com/office/drawing/2014/main" id="{5B573EFC-49CA-8DAA-9EE6-A7AED4C7BBC6}"/>
+                </a:ext>
+              </a:extLst>
+            </p:cNvPr>
+            <p:cNvSpPr/>
+            <p:nvPr/>
+          </p:nvSpPr>
+          <p:spPr>
+            <a:xfrm>
+              <a:off x="5210510" y="4061460"/>
+              <a:ext cx="495300" cy="640078"/>
+            </a:xfrm>
+            <a:prstGeom prst="roundRect">
+              <a:avLst/>
+            </a:prstGeom>
+            <a:solidFill>
+              <a:schemeClr val="tx1">
+                <a:lumMod val="50000"/>
+                <a:lumOff val="50000"/>
+              </a:schemeClr>
+            </a:solidFill>
+            <a:ln>
+              <a:noFill/>
+            </a:ln>
+          </p:spPr>
+          <p:style>
+            <a:lnRef idx="2">
+              <a:schemeClr val="accent1">
+                <a:shade val="15000"/>
+              </a:schemeClr>
+            </a:lnRef>
+            <a:fillRef idx="1">
+              <a:schemeClr val="accent1"/>
+            </a:fillRef>
+            <a:effectRef idx="0">
+              <a:schemeClr val="accent1"/>
+            </a:effectRef>
+            <a:fontRef idx="minor">
+              <a:schemeClr val="lt1"/>
+            </a:fontRef>
+          </p:style>
+          <p:txBody>
+            <a:bodyPr rtlCol="0" anchor="ctr"/>
+            <a:lstStyle/>
+            <a:p>
+              <a:pPr algn="ctr"/>
+              <a:endParaRPr lang="ko-KR" altLang="en-US"/>
+            </a:p>
+          </p:txBody>
+        </p:sp>
+      </p:grpSp>
+      <p:pic>
+        <p:nvPicPr>
+          <p:cNvPr id="1026" name="Picture 2" descr="Beam - Free construction and tools icons">
+            <a:extLst>
+              <a:ext uri="{FF2B5EF4-FFF2-40B4-BE49-F238E27FC236}">
+                <a16:creationId xmlns:a16="http://schemas.microsoft.com/office/drawing/2014/main" id="{60FA9912-DC72-CBAE-B1DA-B527864B3B5E}"/>
+              </a:ext>
+            </a:extLst>
+          </p:cNvPr>
+          <p:cNvPicPr>
+            <a:picLocks noChangeAspect="1" noChangeArrowheads="1"/>
+          </p:cNvPicPr>
+          <p:nvPr/>
+        </p:nvPicPr>
+        <p:blipFill>
+          <a:blip r:embed="rId2">
+            <a:alphaModFix amt="35000"/>
+            <a:extLst>
+              <a:ext uri="{28A0092B-C50C-407E-A947-70E740481C1C}">
+                <a14:useLocalDpi xmlns:a14="http://schemas.microsoft.com/office/drawing/2010/main" val="0"/>
+              </a:ext>
+            </a:extLst>
+          </a:blip>
+          <a:srcRect/>
+          <a:stretch>
+            <a:fillRect/>
+          </a:stretch>
+        </p:blipFill>
+        <p:spPr bwMode="auto">
+          <a:xfrm>
+            <a:off x="4304416" y="1772226"/>
+            <a:ext cx="575615" cy="575615"/>
+          </a:xfrm>
+          <a:prstGeom prst="rect">
+            <a:avLst/>
+          </a:prstGeom>
+          <a:noFill/>
+          <a:extLst>
+            <a:ext uri="{909E8E84-426E-40DD-AFC4-6F175D3DCCD1}">
+              <a14:hiddenFill xmlns:a14="http://schemas.microsoft.com/office/drawing/2010/main">
+                <a:solidFill>
+                  <a:srgbClr val="FFFFFF"/>
+                </a:solidFill>
+              </a14:hiddenFill>
+            </a:ext>
+          </a:extLst>
+        </p:spPr>
+      </p:pic>
+      <p:pic>
+        <p:nvPicPr>
+          <p:cNvPr id="1028" name="Picture 4" descr="530개 이상의 Cladding 일러스트, Royalty-Free 벡터 그래픽 및 클립 아트 - iStock">
+            <a:extLst>
+              <a:ext uri="{FF2B5EF4-FFF2-40B4-BE49-F238E27FC236}">
+                <a16:creationId xmlns:a16="http://schemas.microsoft.com/office/drawing/2014/main" id="{8B1B2607-EC2D-DA84-AEE1-BDC86C1EA19D}"/>
+              </a:ext>
+            </a:extLst>
+          </p:cNvPr>
+          <p:cNvPicPr>
+            <a:picLocks noChangeAspect="1" noChangeArrowheads="1"/>
+          </p:cNvPicPr>
+          <p:nvPr/>
+        </p:nvPicPr>
+        <p:blipFill rotWithShape="1">
+          <a:blip r:embed="rId3">
+            <a:alphaModFix amt="55000"/>
+            <a:extLst>
+              <a:ext uri="{28A0092B-C50C-407E-A947-70E740481C1C}">
+                <a14:useLocalDpi xmlns:a14="http://schemas.microsoft.com/office/drawing/2010/main" val="0"/>
+              </a:ext>
+            </a:extLst>
+          </a:blip>
+          <a:srcRect l="10803" t="9864" r="10819" b="10583"/>
+          <a:stretch/>
+        </p:blipFill>
+        <p:spPr bwMode="auto">
+          <a:xfrm>
+            <a:off x="5146314" y="1379220"/>
+            <a:ext cx="623692" cy="633034"/>
+          </a:xfrm>
+          <a:prstGeom prst="rect">
+            <a:avLst/>
+          </a:prstGeom>
+          <a:noFill/>
+          <a:extLst>
+            <a:ext uri="{909E8E84-426E-40DD-AFC4-6F175D3DCCD1}">
+              <a14:hiddenFill xmlns:a14="http://schemas.microsoft.com/office/drawing/2010/main">
+                <a:solidFill>
+                  <a:srgbClr val="FFFFFF"/>
+                </a:solidFill>
+              </a14:hiddenFill>
+            </a:ext>
+          </a:extLst>
+        </p:spPr>
+      </p:pic>
+      <p:pic>
+        <p:nvPicPr>
+          <p:cNvPr id="1030" name="Picture 6" descr="Reinforced Concrete Icons - Free SVG &amp; PNG Reinforced Concrete Images -  Noun Project">
+            <a:extLst>
+              <a:ext uri="{FF2B5EF4-FFF2-40B4-BE49-F238E27FC236}">
+                <a16:creationId xmlns:a16="http://schemas.microsoft.com/office/drawing/2014/main" id="{19A0092D-B19E-01F8-BA9B-8E83077DAB08}"/>
+              </a:ext>
+            </a:extLst>
+          </p:cNvPr>
+          <p:cNvPicPr>
+            <a:picLocks noChangeAspect="1" noChangeArrowheads="1"/>
+          </p:cNvPicPr>
+          <p:nvPr/>
+        </p:nvPicPr>
+        <p:blipFill>
+          <a:blip r:embed="rId4">
+            <a:alphaModFix amt="50000"/>
+            <a:extLst>
+              <a:ext uri="{28A0092B-C50C-407E-A947-70E740481C1C}">
+                <a14:useLocalDpi xmlns:a14="http://schemas.microsoft.com/office/drawing/2010/main" val="0"/>
+              </a:ext>
+            </a:extLst>
+          </a:blip>
+          <a:srcRect/>
+          <a:stretch>
+            <a:fillRect/>
+          </a:stretch>
+        </p:blipFill>
+        <p:spPr bwMode="auto">
+          <a:xfrm>
+            <a:off x="5887125" y="1697643"/>
+            <a:ext cx="724780" cy="724780"/>
+          </a:xfrm>
+          <a:prstGeom prst="rect">
+            <a:avLst/>
+          </a:prstGeom>
+          <a:noFill/>
+          <a:extLst>
+            <a:ext uri="{909E8E84-426E-40DD-AFC4-6F175D3DCCD1}">
+              <a14:hiddenFill xmlns:a14="http://schemas.microsoft.com/office/drawing/2010/main">
+                <a:solidFill>
+                  <a:srgbClr val="FFFFFF"/>
+                </a:solidFill>
+              </a14:hiddenFill>
+            </a:ext>
+          </a:extLst>
+        </p:spPr>
+      </p:pic>
+      <p:sp>
+        <p:nvSpPr>
+          <p:cNvPr id="9" name="TextBox 8">
+            <a:extLst>
+              <a:ext uri="{FF2B5EF4-FFF2-40B4-BE49-F238E27FC236}">
+                <a16:creationId xmlns:a16="http://schemas.microsoft.com/office/drawing/2014/main" id="{F0F84426-EA85-2EA8-2FFA-5821F3D00356}"/>
+              </a:ext>
+            </a:extLst>
+          </p:cNvPr>
+          <p:cNvSpPr txBox="1"/>
+          <p:nvPr/>
+        </p:nvSpPr>
+        <p:spPr>
+          <a:xfrm>
+            <a:off x="3563332" y="873089"/>
+            <a:ext cx="3751868" cy="769441"/>
+          </a:xfrm>
+          <a:prstGeom prst="rect">
+            <a:avLst/>
+          </a:prstGeom>
+          <a:noFill/>
+        </p:spPr>
+        <p:txBody>
+          <a:bodyPr wrap="square" rtlCol="0">
+            <a:spAutoFit/>
+          </a:bodyPr>
+          <a:lstStyle/>
+          <a:p>
+            <a:pPr algn="ctr"/>
+            <a:r>
+              <a:rPr lang="en-US" altLang="ko-KR" sz="4400" b="1" dirty="0">
+                <a:latin typeface="현대 LOGO" panose="02020603020101020101" pitchFamily="18" charset="-127"/>
+                <a:ea typeface="현대 LOGO" panose="02020603020101020101" pitchFamily="18" charset="-127"/>
+              </a:rPr>
+              <a:t>Elements</a:t>
+            </a:r>
+            <a:endParaRPr lang="ko-KR" altLang="en-US" sz="4400" b="1" dirty="0">
+              <a:latin typeface="현대 LOGO" panose="02020603020101020101" pitchFamily="18" charset="-127"/>
+              <a:ea typeface="현대 LOGO" panose="02020603020101020101" pitchFamily="18" charset="-127"/>
+            </a:endParaRPr>
+          </a:p>
+        </p:txBody>
+      </p:sp>
+      <p:sp>
+        <p:nvSpPr>
+          <p:cNvPr id="10" name="TextBox 9">
+            <a:extLst>
+              <a:ext uri="{FF2B5EF4-FFF2-40B4-BE49-F238E27FC236}">
+                <a16:creationId xmlns:a16="http://schemas.microsoft.com/office/drawing/2014/main" id="{927E51BF-3116-1C3D-4B1F-05D52DDA321D}"/>
+              </a:ext>
+            </a:extLst>
+          </p:cNvPr>
+          <p:cNvSpPr txBox="1"/>
+          <p:nvPr/>
+        </p:nvSpPr>
+        <p:spPr>
+          <a:xfrm>
+            <a:off x="3563332" y="3245540"/>
+            <a:ext cx="3751868" cy="769441"/>
+          </a:xfrm>
+          <a:prstGeom prst="rect">
+            <a:avLst/>
+          </a:prstGeom>
+          <a:noFill/>
+        </p:spPr>
+        <p:txBody>
+          <a:bodyPr wrap="square" rtlCol="0">
+            <a:spAutoFit/>
+          </a:bodyPr>
+          <a:lstStyle/>
+          <a:p>
+            <a:pPr algn="ctr"/>
+            <a:r>
+              <a:rPr lang="en-US" altLang="ko-KR" sz="4400" b="1" dirty="0">
+                <a:latin typeface="현대 LOGO" panose="02020603020101020101" pitchFamily="18" charset="-127"/>
+                <a:ea typeface="현대 LOGO" panose="02020603020101020101" pitchFamily="18" charset="-127"/>
+              </a:rPr>
+              <a:t>Filtering</a:t>
+            </a:r>
+            <a:endParaRPr lang="ko-KR" altLang="en-US" sz="4400" b="1" dirty="0">
+              <a:latin typeface="현대 LOGO" panose="02020603020101020101" pitchFamily="18" charset="-127"/>
+              <a:ea typeface="현대 LOGO" panose="02020603020101020101" pitchFamily="18" charset="-127"/>
+            </a:endParaRPr>
+          </a:p>
+        </p:txBody>
+      </p:sp>
+    </p:spTree>
+    <p:extLst>
+      <p:ext uri="{BB962C8B-B14F-4D97-AF65-F5344CB8AC3E}">
+        <p14:creationId xmlns:p14="http://schemas.microsoft.com/office/powerpoint/2010/main" val="4293554563"/>
+      </p:ext>
+    </p:extLst>
+  </p:cSld>
+  <p:clrMapOvr>
+    <a:masterClrMapping/>
+  </p:clrMapOvr>
+</p:sld>
+</file>
+
 <file path=ppt/theme/theme1.xml><?xml version="1.0" encoding="utf-8"?>
 <a:theme xmlns:a="http://schemas.openxmlformats.org/drawingml/2006/main" name="Office 테마">
   <a:themeElements>

--- a/hecCalc/2023/documentum/logo/logo.pptx
+++ b/hecCalc/2023/documentum/logo/logo.pptx
@@ -6,8 +6,9 @@
   </p:sldMasterIdLst>
   <p:sldIdLst>
     <p:sldId id="256" r:id="rId2"/>
-    <p:sldId id="257" r:id="rId3"/>
-    <p:sldId id="258" r:id="rId4"/>
+    <p:sldId id="259" r:id="rId3"/>
+    <p:sldId id="257" r:id="rId4"/>
+    <p:sldId id="258" r:id="rId5"/>
   </p:sldIdLst>
   <p:sldSz cx="12192000" cy="6858000"/>
   <p:notesSz cx="6858000" cy="9144000"/>
@@ -261,7 +262,7 @@
           <a:p>
             <a:fld id="{2BD9FA74-BDC4-474D-9A42-59EE67DE1B02}" type="datetimeFigureOut">
               <a:rPr lang="ko-KR" altLang="en-US" smtClean="0"/>
-              <a:t>2023-10-25</a:t>
+              <a:t>2023-11-03</a:t>
             </a:fld>
             <a:endParaRPr lang="ko-KR" altLang="en-US"/>
           </a:p>
@@ -459,7 +460,7 @@
           <a:p>
             <a:fld id="{2BD9FA74-BDC4-474D-9A42-59EE67DE1B02}" type="datetimeFigureOut">
               <a:rPr lang="ko-KR" altLang="en-US" smtClean="0"/>
-              <a:t>2023-10-25</a:t>
+              <a:t>2023-11-03</a:t>
             </a:fld>
             <a:endParaRPr lang="ko-KR" altLang="en-US"/>
           </a:p>
@@ -667,7 +668,7 @@
           <a:p>
             <a:fld id="{2BD9FA74-BDC4-474D-9A42-59EE67DE1B02}" type="datetimeFigureOut">
               <a:rPr lang="ko-KR" altLang="en-US" smtClean="0"/>
-              <a:t>2023-10-25</a:t>
+              <a:t>2023-11-03</a:t>
             </a:fld>
             <a:endParaRPr lang="ko-KR" altLang="en-US"/>
           </a:p>
@@ -865,7 +866,7 @@
           <a:p>
             <a:fld id="{2BD9FA74-BDC4-474D-9A42-59EE67DE1B02}" type="datetimeFigureOut">
               <a:rPr lang="ko-KR" altLang="en-US" smtClean="0"/>
-              <a:t>2023-10-25</a:t>
+              <a:t>2023-11-03</a:t>
             </a:fld>
             <a:endParaRPr lang="ko-KR" altLang="en-US"/>
           </a:p>
@@ -1140,7 +1141,7 @@
           <a:p>
             <a:fld id="{2BD9FA74-BDC4-474D-9A42-59EE67DE1B02}" type="datetimeFigureOut">
               <a:rPr lang="ko-KR" altLang="en-US" smtClean="0"/>
-              <a:t>2023-10-25</a:t>
+              <a:t>2023-11-03</a:t>
             </a:fld>
             <a:endParaRPr lang="ko-KR" altLang="en-US"/>
           </a:p>
@@ -1405,7 +1406,7 @@
           <a:p>
             <a:fld id="{2BD9FA74-BDC4-474D-9A42-59EE67DE1B02}" type="datetimeFigureOut">
               <a:rPr lang="ko-KR" altLang="en-US" smtClean="0"/>
-              <a:t>2023-10-25</a:t>
+              <a:t>2023-11-03</a:t>
             </a:fld>
             <a:endParaRPr lang="ko-KR" altLang="en-US"/>
           </a:p>
@@ -1817,7 +1818,7 @@
           <a:p>
             <a:fld id="{2BD9FA74-BDC4-474D-9A42-59EE67DE1B02}" type="datetimeFigureOut">
               <a:rPr lang="ko-KR" altLang="en-US" smtClean="0"/>
-              <a:t>2023-10-25</a:t>
+              <a:t>2023-11-03</a:t>
             </a:fld>
             <a:endParaRPr lang="ko-KR" altLang="en-US"/>
           </a:p>
@@ -1958,7 +1959,7 @@
           <a:p>
             <a:fld id="{2BD9FA74-BDC4-474D-9A42-59EE67DE1B02}" type="datetimeFigureOut">
               <a:rPr lang="ko-KR" altLang="en-US" smtClean="0"/>
-              <a:t>2023-10-25</a:t>
+              <a:t>2023-11-03</a:t>
             </a:fld>
             <a:endParaRPr lang="ko-KR" altLang="en-US"/>
           </a:p>
@@ -2071,7 +2072,7 @@
           <a:p>
             <a:fld id="{2BD9FA74-BDC4-474D-9A42-59EE67DE1B02}" type="datetimeFigureOut">
               <a:rPr lang="ko-KR" altLang="en-US" smtClean="0"/>
-              <a:t>2023-10-25</a:t>
+              <a:t>2023-11-03</a:t>
             </a:fld>
             <a:endParaRPr lang="ko-KR" altLang="en-US"/>
           </a:p>
@@ -2382,7 +2383,7 @@
           <a:p>
             <a:fld id="{2BD9FA74-BDC4-474D-9A42-59EE67DE1B02}" type="datetimeFigureOut">
               <a:rPr lang="ko-KR" altLang="en-US" smtClean="0"/>
-              <a:t>2023-10-25</a:t>
+              <a:t>2023-11-03</a:t>
             </a:fld>
             <a:endParaRPr lang="ko-KR" altLang="en-US"/>
           </a:p>
@@ -2670,7 +2671,7 @@
           <a:p>
             <a:fld id="{2BD9FA74-BDC4-474D-9A42-59EE67DE1B02}" type="datetimeFigureOut">
               <a:rPr lang="ko-KR" altLang="en-US" smtClean="0"/>
-              <a:t>2023-10-25</a:t>
+              <a:t>2023-11-03</a:t>
             </a:fld>
             <a:endParaRPr lang="ko-KR" altLang="en-US"/>
           </a:p>
@@ -2911,7 +2912,7 @@
           <a:p>
             <a:fld id="{2BD9FA74-BDC4-474D-9A42-59EE67DE1B02}" type="datetimeFigureOut">
               <a:rPr lang="ko-KR" altLang="en-US" smtClean="0"/>
-              <a:t>2023-10-25</a:t>
+              <a:t>2023-11-03</a:t>
             </a:fld>
             <a:endParaRPr lang="ko-KR" altLang="en-US"/>
           </a:p>
@@ -3377,48 +3378,6 @@
       </p:pic>
       <p:sp>
         <p:nvSpPr>
-          <p:cNvPr id="4" name="TextBox 3">
-            <a:extLst>
-              <a:ext uri="{FF2B5EF4-FFF2-40B4-BE49-F238E27FC236}">
-                <a16:creationId xmlns:a16="http://schemas.microsoft.com/office/drawing/2014/main" id="{363F5A35-8CB5-D044-373E-C35FE51701A5}"/>
-              </a:ext>
-            </a:extLst>
-          </p:cNvPr>
-          <p:cNvSpPr txBox="1"/>
-          <p:nvPr/>
-        </p:nvSpPr>
-        <p:spPr>
-          <a:xfrm>
-            <a:off x="4144652" y="938337"/>
-            <a:ext cx="1951348" cy="1015663"/>
-          </a:xfrm>
-          <a:prstGeom prst="rect">
-            <a:avLst/>
-          </a:prstGeom>
-          <a:noFill/>
-        </p:spPr>
-        <p:txBody>
-          <a:bodyPr wrap="square" rtlCol="0">
-            <a:spAutoFit/>
-          </a:bodyPr>
-          <a:lstStyle/>
-          <a:p>
-            <a:r>
-              <a:rPr lang="en-US" altLang="ko-KR" sz="6000" b="1" dirty="0">
-                <a:latin typeface="현대 LOGO" panose="02020603020101020101" pitchFamily="18" charset="-127"/>
-                <a:ea typeface="현대 LOGO" panose="02020603020101020101" pitchFamily="18" charset="-127"/>
-              </a:rPr>
-              <a:t>WM</a:t>
-            </a:r>
-            <a:endParaRPr lang="ko-KR" altLang="en-US" sz="6000" b="1" dirty="0">
-              <a:latin typeface="현대 LOGO" panose="02020603020101020101" pitchFamily="18" charset="-127"/>
-              <a:ea typeface="현대 LOGO" panose="02020603020101020101" pitchFamily="18" charset="-127"/>
-            </a:endParaRPr>
-          </a:p>
-        </p:txBody>
-      </p:sp>
-      <p:sp>
-        <p:nvSpPr>
           <p:cNvPr id="5" name="TextBox 4">
             <a:extLst>
               <a:ext uri="{FF2B5EF4-FFF2-40B4-BE49-F238E27FC236}">
@@ -3453,6 +3412,66 @@
               <a:t>injection</a:t>
             </a:r>
             <a:endParaRPr lang="ko-KR" altLang="en-US" sz="4000" b="1" dirty="0">
+              <a:latin typeface="현대 LOGO" panose="02020603020101020101" pitchFamily="18" charset="-127"/>
+              <a:ea typeface="현대 LOGO" panose="02020603020101020101" pitchFamily="18" charset="-127"/>
+            </a:endParaRPr>
+          </a:p>
+        </p:txBody>
+      </p:sp>
+      <p:sp>
+        <p:nvSpPr>
+          <p:cNvPr id="2" name="TextBox 1">
+            <a:extLst>
+              <a:ext uri="{FF2B5EF4-FFF2-40B4-BE49-F238E27FC236}">
+                <a16:creationId xmlns:a16="http://schemas.microsoft.com/office/drawing/2014/main" id="{1CF97CEF-DBD3-C197-4AA5-0C2B0CDA810C}"/>
+              </a:ext>
+            </a:extLst>
+          </p:cNvPr>
+          <p:cNvSpPr txBox="1"/>
+          <p:nvPr/>
+        </p:nvSpPr>
+        <p:spPr>
+          <a:xfrm>
+            <a:off x="4144651" y="1252101"/>
+            <a:ext cx="2529526" cy="1200329"/>
+          </a:xfrm>
+          <a:prstGeom prst="rect">
+            <a:avLst/>
+          </a:prstGeom>
+          <a:noFill/>
+        </p:spPr>
+        <p:txBody>
+          <a:bodyPr wrap="square" rtlCol="0">
+            <a:spAutoFit/>
+          </a:bodyPr>
+          <a:lstStyle/>
+          <a:p>
+            <a:r>
+              <a:rPr lang="en-US" altLang="ko-KR" sz="3600" b="1" dirty="0">
+                <a:solidFill>
+                  <a:srgbClr val="0099CC"/>
+                </a:solidFill>
+                <a:latin typeface="현대 LOGO" panose="02020603020101020101" pitchFamily="18" charset="-127"/>
+                <a:ea typeface="현대 LOGO" panose="02020603020101020101" pitchFamily="18" charset="-127"/>
+              </a:rPr>
+              <a:t>Work</a:t>
+            </a:r>
+          </a:p>
+          <a:p>
+            <a:r>
+              <a:rPr lang="en-US" altLang="ko-KR" sz="3600" b="1" dirty="0">
+                <a:solidFill>
+                  <a:srgbClr val="0099CC"/>
+                </a:solidFill>
+                <a:latin typeface="현대 LOGO" panose="02020603020101020101" pitchFamily="18" charset="-127"/>
+                <a:ea typeface="현대 LOGO" panose="02020603020101020101" pitchFamily="18" charset="-127"/>
+              </a:rPr>
+              <a:t>master</a:t>
+            </a:r>
+            <a:endParaRPr lang="ko-KR" altLang="en-US" sz="3600" b="1" dirty="0">
+              <a:solidFill>
+                <a:srgbClr val="0099CC"/>
+              </a:solidFill>
               <a:latin typeface="현대 LOGO" panose="02020603020101020101" pitchFamily="18" charset="-127"/>
               <a:ea typeface="현대 LOGO" panose="02020603020101020101" pitchFamily="18" charset="-127"/>
             </a:endParaRPr>
@@ -3473,6 +3492,173 @@
 </file>
 
 <file path=ppt/slides/slide2.xml><?xml version="1.0" encoding="utf-8"?>
+<p:sld xmlns:a="http://schemas.openxmlformats.org/drawingml/2006/main" xmlns:r="http://schemas.openxmlformats.org/officeDocument/2006/relationships" xmlns:p="http://schemas.openxmlformats.org/presentationml/2006/main">
+  <p:cSld>
+    <p:spTree>
+      <p:nvGrpSpPr>
+        <p:cNvPr id="1" name=""/>
+        <p:cNvGrpSpPr/>
+        <p:nvPr/>
+      </p:nvGrpSpPr>
+      <p:grpSpPr>
+        <a:xfrm>
+          <a:off x="0" y="0"/>
+          <a:ext cx="0" cy="0"/>
+          <a:chOff x="0" y="0"/>
+          <a:chExt cx="0" cy="0"/>
+        </a:xfrm>
+      </p:grpSpPr>
+      <p:pic>
+        <p:nvPicPr>
+          <p:cNvPr id="1026" name="Picture 2" descr="주사기 아이콘 벡터입니다 의사는 종종 악성 질환을 예방하고 치료하기 위해 주사기를 사용합니다 주사기에 대한 스톡 벡터 아트 및 기타  이미지 - iStock">
+            <a:extLst>
+              <a:ext uri="{FF2B5EF4-FFF2-40B4-BE49-F238E27FC236}">
+                <a16:creationId xmlns:a16="http://schemas.microsoft.com/office/drawing/2014/main" id="{8F0EE40D-0E31-8227-A513-644367244680}"/>
+              </a:ext>
+            </a:extLst>
+          </p:cNvPr>
+          <p:cNvPicPr>
+            <a:picLocks noChangeAspect="1" noChangeArrowheads="1"/>
+          </p:cNvPicPr>
+          <p:nvPr/>
+        </p:nvPicPr>
+        <p:blipFill>
+          <a:blip r:embed="rId2">
+            <a:extLst>
+              <a:ext uri="{28A0092B-C50C-407E-A947-70E740481C1C}">
+                <a14:useLocalDpi xmlns:a14="http://schemas.microsoft.com/office/drawing/2010/main" val="0"/>
+              </a:ext>
+            </a:extLst>
+          </a:blip>
+          <a:srcRect/>
+          <a:stretch>
+            <a:fillRect/>
+          </a:stretch>
+        </p:blipFill>
+        <p:spPr bwMode="auto">
+          <a:xfrm>
+            <a:off x="3024791" y="262460"/>
+            <a:ext cx="5829300" cy="5829300"/>
+          </a:xfrm>
+          <a:prstGeom prst="rect">
+            <a:avLst/>
+          </a:prstGeom>
+          <a:noFill/>
+          <a:extLst>
+            <a:ext uri="{909E8E84-426E-40DD-AFC4-6F175D3DCCD1}">
+              <a14:hiddenFill xmlns:a14="http://schemas.microsoft.com/office/drawing/2010/main">
+                <a:solidFill>
+                  <a:srgbClr val="FFFFFF"/>
+                </a:solidFill>
+              </a14:hiddenFill>
+            </a:ext>
+          </a:extLst>
+        </p:spPr>
+      </p:pic>
+      <p:sp>
+        <p:nvSpPr>
+          <p:cNvPr id="4" name="TextBox 3">
+            <a:extLst>
+              <a:ext uri="{FF2B5EF4-FFF2-40B4-BE49-F238E27FC236}">
+                <a16:creationId xmlns:a16="http://schemas.microsoft.com/office/drawing/2014/main" id="{363F5A35-8CB5-D044-373E-C35FE51701A5}"/>
+              </a:ext>
+            </a:extLst>
+          </p:cNvPr>
+          <p:cNvSpPr txBox="1"/>
+          <p:nvPr/>
+        </p:nvSpPr>
+        <p:spPr>
+          <a:xfrm>
+            <a:off x="4144651" y="1252101"/>
+            <a:ext cx="2124173" cy="1200329"/>
+          </a:xfrm>
+          <a:prstGeom prst="rect">
+            <a:avLst/>
+          </a:prstGeom>
+          <a:noFill/>
+        </p:spPr>
+        <p:txBody>
+          <a:bodyPr wrap="square" rtlCol="0">
+            <a:spAutoFit/>
+          </a:bodyPr>
+          <a:lstStyle/>
+          <a:p>
+            <a:r>
+              <a:rPr lang="en-US" altLang="ko-KR" sz="3600" b="1" dirty="0">
+                <a:solidFill>
+                  <a:srgbClr val="FF00FF"/>
+                </a:solidFill>
+                <a:latin typeface="현대 LOGO" panose="02020603020101020101" pitchFamily="18" charset="-127"/>
+                <a:ea typeface="현대 LOGO" panose="02020603020101020101" pitchFamily="18" charset="-127"/>
+              </a:rPr>
+              <a:t>Finish style</a:t>
+            </a:r>
+            <a:endParaRPr lang="ko-KR" altLang="en-US" sz="3600" b="1" dirty="0">
+              <a:solidFill>
+                <a:srgbClr val="FF00FF"/>
+              </a:solidFill>
+              <a:latin typeface="현대 LOGO" panose="02020603020101020101" pitchFamily="18" charset="-127"/>
+              <a:ea typeface="현대 LOGO" panose="02020603020101020101" pitchFamily="18" charset="-127"/>
+            </a:endParaRPr>
+          </a:p>
+        </p:txBody>
+      </p:sp>
+      <p:sp>
+        <p:nvSpPr>
+          <p:cNvPr id="5" name="TextBox 4">
+            <a:extLst>
+              <a:ext uri="{FF2B5EF4-FFF2-40B4-BE49-F238E27FC236}">
+                <a16:creationId xmlns:a16="http://schemas.microsoft.com/office/drawing/2014/main" id="{458AA166-F391-6DE0-F5CA-10B0915986CE}"/>
+              </a:ext>
+            </a:extLst>
+          </p:cNvPr>
+          <p:cNvSpPr txBox="1"/>
+          <p:nvPr/>
+        </p:nvSpPr>
+        <p:spPr>
+          <a:xfrm>
+            <a:off x="4672367" y="4817329"/>
+            <a:ext cx="3431727" cy="707886"/>
+          </a:xfrm>
+          <a:prstGeom prst="rect">
+            <a:avLst/>
+          </a:prstGeom>
+          <a:noFill/>
+        </p:spPr>
+        <p:txBody>
+          <a:bodyPr wrap="square" rtlCol="0">
+            <a:spAutoFit/>
+          </a:bodyPr>
+          <a:lstStyle/>
+          <a:p>
+            <a:r>
+              <a:rPr lang="en-US" altLang="ko-KR" sz="4000" b="1" dirty="0">
+                <a:latin typeface="현대 LOGO" panose="02020603020101020101" pitchFamily="18" charset="-127"/>
+                <a:ea typeface="현대 LOGO" panose="02020603020101020101" pitchFamily="18" charset="-127"/>
+              </a:rPr>
+              <a:t>injection</a:t>
+            </a:r>
+            <a:endParaRPr lang="ko-KR" altLang="en-US" sz="4000" b="1" dirty="0">
+              <a:latin typeface="현대 LOGO" panose="02020603020101020101" pitchFamily="18" charset="-127"/>
+              <a:ea typeface="현대 LOGO" panose="02020603020101020101" pitchFamily="18" charset="-127"/>
+            </a:endParaRPr>
+          </a:p>
+        </p:txBody>
+      </p:sp>
+    </p:spTree>
+    <p:extLst>
+      <p:ext uri="{BB962C8B-B14F-4D97-AF65-F5344CB8AC3E}">
+        <p14:creationId xmlns:p14="http://schemas.microsoft.com/office/powerpoint/2010/main" val="905023753"/>
+      </p:ext>
+    </p:extLst>
+  </p:cSld>
+  <p:clrMapOvr>
+    <a:masterClrMapping/>
+  </p:clrMapOvr>
+</p:sld>
+</file>
+
+<file path=ppt/slides/slide3.xml><?xml version="1.0" encoding="utf-8"?>
 <p:sld xmlns:a="http://schemas.openxmlformats.org/drawingml/2006/main" xmlns:r="http://schemas.openxmlformats.org/officeDocument/2006/relationships" xmlns:p="http://schemas.openxmlformats.org/presentationml/2006/main">
   <p:cSld>
     <p:spTree>
@@ -4472,7 +4658,7 @@
 </p:sld>
 </file>
 
-<file path=ppt/slides/slide3.xml><?xml version="1.0" encoding="utf-8"?>
+<file path=ppt/slides/slide4.xml><?xml version="1.0" encoding="utf-8"?>
 <p:sld xmlns:a="http://schemas.openxmlformats.org/drawingml/2006/main" xmlns:r="http://schemas.openxmlformats.org/officeDocument/2006/relationships" xmlns:p="http://schemas.openxmlformats.org/presentationml/2006/main">
   <p:cSld>
     <p:spTree>

--- a/hecCalc/2023/documentum/logo/logo.pptx
+++ b/hecCalc/2023/documentum/logo/logo.pptx
@@ -262,7 +262,7 @@
           <a:p>
             <a:fld id="{2BD9FA74-BDC4-474D-9A42-59EE67DE1B02}" type="datetimeFigureOut">
               <a:rPr lang="ko-KR" altLang="en-US" smtClean="0"/>
-              <a:t>2023-11-03</a:t>
+              <a:t>2023-11-09</a:t>
             </a:fld>
             <a:endParaRPr lang="ko-KR" altLang="en-US"/>
           </a:p>
@@ -460,7 +460,7 @@
           <a:p>
             <a:fld id="{2BD9FA74-BDC4-474D-9A42-59EE67DE1B02}" type="datetimeFigureOut">
               <a:rPr lang="ko-KR" altLang="en-US" smtClean="0"/>
-              <a:t>2023-11-03</a:t>
+              <a:t>2023-11-09</a:t>
             </a:fld>
             <a:endParaRPr lang="ko-KR" altLang="en-US"/>
           </a:p>
@@ -668,7 +668,7 @@
           <a:p>
             <a:fld id="{2BD9FA74-BDC4-474D-9A42-59EE67DE1B02}" type="datetimeFigureOut">
               <a:rPr lang="ko-KR" altLang="en-US" smtClean="0"/>
-              <a:t>2023-11-03</a:t>
+              <a:t>2023-11-09</a:t>
             </a:fld>
             <a:endParaRPr lang="ko-KR" altLang="en-US"/>
           </a:p>
@@ -866,7 +866,7 @@
           <a:p>
             <a:fld id="{2BD9FA74-BDC4-474D-9A42-59EE67DE1B02}" type="datetimeFigureOut">
               <a:rPr lang="ko-KR" altLang="en-US" smtClean="0"/>
-              <a:t>2023-11-03</a:t>
+              <a:t>2023-11-09</a:t>
             </a:fld>
             <a:endParaRPr lang="ko-KR" altLang="en-US"/>
           </a:p>
@@ -1141,7 +1141,7 @@
           <a:p>
             <a:fld id="{2BD9FA74-BDC4-474D-9A42-59EE67DE1B02}" type="datetimeFigureOut">
               <a:rPr lang="ko-KR" altLang="en-US" smtClean="0"/>
-              <a:t>2023-11-03</a:t>
+              <a:t>2023-11-09</a:t>
             </a:fld>
             <a:endParaRPr lang="ko-KR" altLang="en-US"/>
           </a:p>
@@ -1406,7 +1406,7 @@
           <a:p>
             <a:fld id="{2BD9FA74-BDC4-474D-9A42-59EE67DE1B02}" type="datetimeFigureOut">
               <a:rPr lang="ko-KR" altLang="en-US" smtClean="0"/>
-              <a:t>2023-11-03</a:t>
+              <a:t>2023-11-09</a:t>
             </a:fld>
             <a:endParaRPr lang="ko-KR" altLang="en-US"/>
           </a:p>
@@ -1818,7 +1818,7 @@
           <a:p>
             <a:fld id="{2BD9FA74-BDC4-474D-9A42-59EE67DE1B02}" type="datetimeFigureOut">
               <a:rPr lang="ko-KR" altLang="en-US" smtClean="0"/>
-              <a:t>2023-11-03</a:t>
+              <a:t>2023-11-09</a:t>
             </a:fld>
             <a:endParaRPr lang="ko-KR" altLang="en-US"/>
           </a:p>
@@ -1959,7 +1959,7 @@
           <a:p>
             <a:fld id="{2BD9FA74-BDC4-474D-9A42-59EE67DE1B02}" type="datetimeFigureOut">
               <a:rPr lang="ko-KR" altLang="en-US" smtClean="0"/>
-              <a:t>2023-11-03</a:t>
+              <a:t>2023-11-09</a:t>
             </a:fld>
             <a:endParaRPr lang="ko-KR" altLang="en-US"/>
           </a:p>
@@ -2072,7 +2072,7 @@
           <a:p>
             <a:fld id="{2BD9FA74-BDC4-474D-9A42-59EE67DE1B02}" type="datetimeFigureOut">
               <a:rPr lang="ko-KR" altLang="en-US" smtClean="0"/>
-              <a:t>2023-11-03</a:t>
+              <a:t>2023-11-09</a:t>
             </a:fld>
             <a:endParaRPr lang="ko-KR" altLang="en-US"/>
           </a:p>
@@ -2383,7 +2383,7 @@
           <a:p>
             <a:fld id="{2BD9FA74-BDC4-474D-9A42-59EE67DE1B02}" type="datetimeFigureOut">
               <a:rPr lang="ko-KR" altLang="en-US" smtClean="0"/>
-              <a:t>2023-11-03</a:t>
+              <a:t>2023-11-09</a:t>
             </a:fld>
             <a:endParaRPr lang="ko-KR" altLang="en-US"/>
           </a:p>
@@ -2671,7 +2671,7 @@
           <a:p>
             <a:fld id="{2BD9FA74-BDC4-474D-9A42-59EE67DE1B02}" type="datetimeFigureOut">
               <a:rPr lang="ko-KR" altLang="en-US" smtClean="0"/>
-              <a:t>2023-11-03</a:t>
+              <a:t>2023-11-09</a:t>
             </a:fld>
             <a:endParaRPr lang="ko-KR" altLang="en-US"/>
           </a:p>
@@ -2912,7 +2912,7 @@
           <a:p>
             <a:fld id="{2BD9FA74-BDC4-474D-9A42-59EE67DE1B02}" type="datetimeFigureOut">
               <a:rPr lang="ko-KR" altLang="en-US" smtClean="0"/>
-              <a:t>2023-11-03</a:t>
+              <a:t>2023-11-09</a:t>
             </a:fld>
             <a:endParaRPr lang="ko-KR" altLang="en-US"/>
           </a:p>
@@ -3689,7 +3689,7 @@
         </p:nvSpPr>
         <p:spPr>
           <a:xfrm>
-            <a:off x="5118755" y="989814"/>
+            <a:off x="4491226" y="1895249"/>
             <a:ext cx="2419743" cy="2639506"/>
           </a:xfrm>
           <a:prstGeom prst="rect">
@@ -3741,7 +3741,7 @@
         </p:nvGrpSpPr>
         <p:grpSpPr>
           <a:xfrm>
-            <a:off x="5399889" y="1148893"/>
+            <a:off x="4772360" y="2054328"/>
             <a:ext cx="1800225" cy="1773417"/>
             <a:chOff x="7153275" y="1714500"/>
             <a:chExt cx="1800225" cy="2200275"/>
@@ -4574,7 +4574,7 @@
         </p:nvSpPr>
         <p:spPr>
           <a:xfrm>
-            <a:off x="5320081" y="1201867"/>
+            <a:off x="4692552" y="2107302"/>
             <a:ext cx="1406096" cy="646331"/>
           </a:xfrm>
           <a:prstGeom prst="rect">
@@ -4590,6 +4590,9 @@
           <a:p>
             <a:r>
               <a:rPr lang="en-US" altLang="ko-KR" sz="3600" b="1" dirty="0">
+                <a:solidFill>
+                  <a:srgbClr val="0000FF"/>
+                </a:solidFill>
                 <a:latin typeface="현대 LOGO" panose="02020603020101020101" pitchFamily="18" charset="-127"/>
                 <a:ea typeface="현대 LOGO" panose="02020603020101020101" pitchFamily="18" charset="-127"/>
               </a:rPr>
@@ -4612,7 +4615,7 @@
         </p:nvSpPr>
         <p:spPr>
           <a:xfrm>
-            <a:off x="5465310" y="2824782"/>
+            <a:off x="4837781" y="3730217"/>
             <a:ext cx="1669381" cy="584775"/>
           </a:xfrm>
           <a:prstGeom prst="rect">
@@ -4638,10 +4641,18 @@
           <a:p>
             <a:pPr algn="dist"/>
             <a:r>
-              <a:rPr lang="en-US" altLang="ko-KR" sz="3200" dirty="0"/>
+              <a:rPr lang="en-US" altLang="ko-KR" sz="3200" dirty="0">
+                <a:solidFill>
+                  <a:srgbClr val="0000FF"/>
+                </a:solidFill>
+              </a:rPr>
               <a:t>Calc</a:t>
             </a:r>
-            <a:endParaRPr lang="ko-KR" altLang="en-US" sz="3200" dirty="0"/>
+            <a:endParaRPr lang="ko-KR" altLang="en-US" sz="3200" dirty="0">
+              <a:solidFill>
+                <a:srgbClr val="0000FF"/>
+              </a:solidFill>
+            </a:endParaRPr>
           </a:p>
         </p:txBody>
       </p:sp>
@@ -5077,12 +5088,48 @@
             <a:pPr algn="ctr"/>
             <a:r>
               <a:rPr lang="en-US" altLang="ko-KR" sz="4400" b="1" dirty="0">
+                <a:solidFill>
+                  <a:srgbClr val="FF0000"/>
+                </a:solidFill>
                 <a:latin typeface="현대 LOGO" panose="02020603020101020101" pitchFamily="18" charset="-127"/>
                 <a:ea typeface="현대 LOGO" panose="02020603020101020101" pitchFamily="18" charset="-127"/>
               </a:rPr>
-              <a:t>Elements</a:t>
+              <a:t>El</a:t>
+            </a:r>
+            <a:r>
+              <a:rPr lang="en-US" altLang="ko-KR" sz="4400" b="1" dirty="0">
+                <a:solidFill>
+                  <a:srgbClr val="FFC000"/>
+                </a:solidFill>
+                <a:latin typeface="현대 LOGO" panose="02020603020101020101" pitchFamily="18" charset="-127"/>
+                <a:ea typeface="현대 LOGO" panose="02020603020101020101" pitchFamily="18" charset="-127"/>
+              </a:rPr>
+              <a:t>em</a:t>
+            </a:r>
+            <a:r>
+              <a:rPr lang="en-US" altLang="ko-KR" sz="4400" b="1" dirty="0">
+                <a:solidFill>
+                  <a:srgbClr val="00B050"/>
+                </a:solidFill>
+                <a:latin typeface="현대 LOGO" panose="02020603020101020101" pitchFamily="18" charset="-127"/>
+                <a:ea typeface="현대 LOGO" panose="02020603020101020101" pitchFamily="18" charset="-127"/>
+              </a:rPr>
+              <a:t>en</a:t>
+            </a:r>
+            <a:r>
+              <a:rPr lang="en-US" altLang="ko-KR" sz="4400" b="1" dirty="0">
+                <a:solidFill>
+                  <a:srgbClr val="FF00FF"/>
+                </a:solidFill>
+                <a:latin typeface="현대 LOGO" panose="02020603020101020101" pitchFamily="18" charset="-127"/>
+                <a:ea typeface="현대 LOGO" panose="02020603020101020101" pitchFamily="18" charset="-127"/>
+              </a:rPr>
+              <a:t>ts</a:t>
             </a:r>
             <a:endParaRPr lang="ko-KR" altLang="en-US" sz="4400" b="1" dirty="0">
+              <a:solidFill>
+                <a:srgbClr val="FF00FF"/>
+              </a:solidFill>
               <a:latin typeface="현대 LOGO" panose="02020603020101020101" pitchFamily="18" charset="-127"/>
               <a:ea typeface="현대 LOGO" panose="02020603020101020101" pitchFamily="18" charset="-127"/>
             </a:endParaRPr>
@@ -5120,12 +5167,18 @@
             <a:pPr algn="ctr"/>
             <a:r>
               <a:rPr lang="en-US" altLang="ko-KR" sz="4400" b="1" dirty="0">
+                <a:solidFill>
+                  <a:srgbClr val="FF00FF"/>
+                </a:solidFill>
                 <a:latin typeface="현대 LOGO" panose="02020603020101020101" pitchFamily="18" charset="-127"/>
                 <a:ea typeface="현대 LOGO" panose="02020603020101020101" pitchFamily="18" charset="-127"/>
               </a:rPr>
               <a:t>Filtering</a:t>
             </a:r>
             <a:endParaRPr lang="ko-KR" altLang="en-US" sz="4400" b="1" dirty="0">
+              <a:solidFill>
+                <a:srgbClr val="FF00FF"/>
+              </a:solidFill>
               <a:latin typeface="현대 LOGO" panose="02020603020101020101" pitchFamily="18" charset="-127"/>
               <a:ea typeface="현대 LOGO" panose="02020603020101020101" pitchFamily="18" charset="-127"/>
             </a:endParaRPr>

--- a/hecCalc/2023/documentum/logo/logo.pptx
+++ b/hecCalc/2023/documentum/logo/logo.pptx
@@ -9,6 +9,9 @@
     <p:sldId id="259" r:id="rId3"/>
     <p:sldId id="257" r:id="rId4"/>
     <p:sldId id="258" r:id="rId5"/>
+    <p:sldId id="260" r:id="rId6"/>
+    <p:sldId id="261" r:id="rId7"/>
+    <p:sldId id="262" r:id="rId8"/>
   </p:sldIdLst>
   <p:sldSz cx="12192000" cy="6858000"/>
   <p:notesSz cx="6858000" cy="9144000"/>
@@ -262,7 +265,7 @@
           <a:p>
             <a:fld id="{2BD9FA74-BDC4-474D-9A42-59EE67DE1B02}" type="datetimeFigureOut">
               <a:rPr lang="ko-KR" altLang="en-US" smtClean="0"/>
-              <a:t>2023-11-09</a:t>
+              <a:t>2023-11-14</a:t>
             </a:fld>
             <a:endParaRPr lang="ko-KR" altLang="en-US"/>
           </a:p>
@@ -460,7 +463,7 @@
           <a:p>
             <a:fld id="{2BD9FA74-BDC4-474D-9A42-59EE67DE1B02}" type="datetimeFigureOut">
               <a:rPr lang="ko-KR" altLang="en-US" smtClean="0"/>
-              <a:t>2023-11-09</a:t>
+              <a:t>2023-11-14</a:t>
             </a:fld>
             <a:endParaRPr lang="ko-KR" altLang="en-US"/>
           </a:p>
@@ -668,7 +671,7 @@
           <a:p>
             <a:fld id="{2BD9FA74-BDC4-474D-9A42-59EE67DE1B02}" type="datetimeFigureOut">
               <a:rPr lang="ko-KR" altLang="en-US" smtClean="0"/>
-              <a:t>2023-11-09</a:t>
+              <a:t>2023-11-14</a:t>
             </a:fld>
             <a:endParaRPr lang="ko-KR" altLang="en-US"/>
           </a:p>
@@ -866,7 +869,7 @@
           <a:p>
             <a:fld id="{2BD9FA74-BDC4-474D-9A42-59EE67DE1B02}" type="datetimeFigureOut">
               <a:rPr lang="ko-KR" altLang="en-US" smtClean="0"/>
-              <a:t>2023-11-09</a:t>
+              <a:t>2023-11-14</a:t>
             </a:fld>
             <a:endParaRPr lang="ko-KR" altLang="en-US"/>
           </a:p>
@@ -1141,7 +1144,7 @@
           <a:p>
             <a:fld id="{2BD9FA74-BDC4-474D-9A42-59EE67DE1B02}" type="datetimeFigureOut">
               <a:rPr lang="ko-KR" altLang="en-US" smtClean="0"/>
-              <a:t>2023-11-09</a:t>
+              <a:t>2023-11-14</a:t>
             </a:fld>
             <a:endParaRPr lang="ko-KR" altLang="en-US"/>
           </a:p>
@@ -1406,7 +1409,7 @@
           <a:p>
             <a:fld id="{2BD9FA74-BDC4-474D-9A42-59EE67DE1B02}" type="datetimeFigureOut">
               <a:rPr lang="ko-KR" altLang="en-US" smtClean="0"/>
-              <a:t>2023-11-09</a:t>
+              <a:t>2023-11-14</a:t>
             </a:fld>
             <a:endParaRPr lang="ko-KR" altLang="en-US"/>
           </a:p>
@@ -1818,7 +1821,7 @@
           <a:p>
             <a:fld id="{2BD9FA74-BDC4-474D-9A42-59EE67DE1B02}" type="datetimeFigureOut">
               <a:rPr lang="ko-KR" altLang="en-US" smtClean="0"/>
-              <a:t>2023-11-09</a:t>
+              <a:t>2023-11-14</a:t>
             </a:fld>
             <a:endParaRPr lang="ko-KR" altLang="en-US"/>
           </a:p>
@@ -1959,7 +1962,7 @@
           <a:p>
             <a:fld id="{2BD9FA74-BDC4-474D-9A42-59EE67DE1B02}" type="datetimeFigureOut">
               <a:rPr lang="ko-KR" altLang="en-US" smtClean="0"/>
-              <a:t>2023-11-09</a:t>
+              <a:t>2023-11-14</a:t>
             </a:fld>
             <a:endParaRPr lang="ko-KR" altLang="en-US"/>
           </a:p>
@@ -2072,7 +2075,7 @@
           <a:p>
             <a:fld id="{2BD9FA74-BDC4-474D-9A42-59EE67DE1B02}" type="datetimeFigureOut">
               <a:rPr lang="ko-KR" altLang="en-US" smtClean="0"/>
-              <a:t>2023-11-09</a:t>
+              <a:t>2023-11-14</a:t>
             </a:fld>
             <a:endParaRPr lang="ko-KR" altLang="en-US"/>
           </a:p>
@@ -2383,7 +2386,7 @@
           <a:p>
             <a:fld id="{2BD9FA74-BDC4-474D-9A42-59EE67DE1B02}" type="datetimeFigureOut">
               <a:rPr lang="ko-KR" altLang="en-US" smtClean="0"/>
-              <a:t>2023-11-09</a:t>
+              <a:t>2023-11-14</a:t>
             </a:fld>
             <a:endParaRPr lang="ko-KR" altLang="en-US"/>
           </a:p>
@@ -2671,7 +2674,7 @@
           <a:p>
             <a:fld id="{2BD9FA74-BDC4-474D-9A42-59EE67DE1B02}" type="datetimeFigureOut">
               <a:rPr lang="ko-KR" altLang="en-US" smtClean="0"/>
-              <a:t>2023-11-09</a:t>
+              <a:t>2023-11-14</a:t>
             </a:fld>
             <a:endParaRPr lang="ko-KR" altLang="en-US"/>
           </a:p>
@@ -2912,7 +2915,7 @@
           <a:p>
             <a:fld id="{2BD9FA74-BDC4-474D-9A42-59EE67DE1B02}" type="datetimeFigureOut">
               <a:rPr lang="ko-KR" altLang="en-US" smtClean="0"/>
-              <a:t>2023-11-09</a:t>
+              <a:t>2023-11-14</a:t>
             </a:fld>
             <a:endParaRPr lang="ko-KR" altLang="en-US"/>
           </a:p>
@@ -5198,6 +5201,1101 @@
 </p:sld>
 </file>
 
+<file path=ppt/slides/slide5.xml><?xml version="1.0" encoding="utf-8"?>
+<p:sld xmlns:a="http://schemas.openxmlformats.org/drawingml/2006/main" xmlns:r="http://schemas.openxmlformats.org/officeDocument/2006/relationships" xmlns:p="http://schemas.openxmlformats.org/presentationml/2006/main">
+  <p:cSld>
+    <p:spTree>
+      <p:nvGrpSpPr>
+        <p:cNvPr id="1" name=""/>
+        <p:cNvGrpSpPr/>
+        <p:nvPr/>
+      </p:nvGrpSpPr>
+      <p:grpSpPr>
+        <a:xfrm>
+          <a:off x="0" y="0"/>
+          <a:ext cx="0" cy="0"/>
+          <a:chOff x="0" y="0"/>
+          <a:chExt cx="0" cy="0"/>
+        </a:xfrm>
+      </p:grpSpPr>
+      <p:sp>
+        <p:nvSpPr>
+          <p:cNvPr id="8" name="직사각형 7">
+            <a:extLst>
+              <a:ext uri="{FF2B5EF4-FFF2-40B4-BE49-F238E27FC236}">
+                <a16:creationId xmlns:a16="http://schemas.microsoft.com/office/drawing/2014/main" id="{E776D692-9761-D103-2AD3-94A7CB7AFBFC}"/>
+              </a:ext>
+            </a:extLst>
+          </p:cNvPr>
+          <p:cNvSpPr/>
+          <p:nvPr/>
+        </p:nvSpPr>
+        <p:spPr>
+          <a:xfrm>
+            <a:off x="2522104" y="5977"/>
+            <a:ext cx="6852023" cy="6852023"/>
+          </a:xfrm>
+          <a:prstGeom prst="rect">
+            <a:avLst/>
+          </a:prstGeom>
+          <a:solidFill>
+            <a:schemeClr val="bg1"/>
+          </a:solidFill>
+          <a:ln>
+            <a:noFill/>
+          </a:ln>
+        </p:spPr>
+        <p:style>
+          <a:lnRef idx="2">
+            <a:schemeClr val="accent1">
+              <a:shade val="15000"/>
+            </a:schemeClr>
+          </a:lnRef>
+          <a:fillRef idx="1">
+            <a:schemeClr val="accent1"/>
+          </a:fillRef>
+          <a:effectRef idx="0">
+            <a:schemeClr val="accent1"/>
+          </a:effectRef>
+          <a:fontRef idx="minor">
+            <a:schemeClr val="lt1"/>
+          </a:fontRef>
+        </p:style>
+        <p:txBody>
+          <a:bodyPr rtlCol="0" anchor="ctr"/>
+          <a:lstStyle/>
+          <a:p>
+            <a:pPr algn="ctr"/>
+            <a:endParaRPr lang="ko-KR" altLang="en-US"/>
+          </a:p>
+        </p:txBody>
+      </p:sp>
+      <p:pic>
+        <p:nvPicPr>
+          <p:cNvPr id="6" name="그림 5">
+            <a:extLst>
+              <a:ext uri="{FF2B5EF4-FFF2-40B4-BE49-F238E27FC236}">
+                <a16:creationId xmlns:a16="http://schemas.microsoft.com/office/drawing/2014/main" id="{648AA57C-E030-B2F9-2008-251038508A1A}"/>
+              </a:ext>
+            </a:extLst>
+          </p:cNvPr>
+          <p:cNvPicPr>
+            <a:picLocks noChangeAspect="1"/>
+          </p:cNvPicPr>
+          <p:nvPr/>
+        </p:nvPicPr>
+        <p:blipFill rotWithShape="1">
+          <a:blip r:embed="rId2"/>
+          <a:srcRect l="18226" r="21499"/>
+          <a:stretch/>
+        </p:blipFill>
+        <p:spPr>
+          <a:xfrm>
+            <a:off x="2817873" y="875943"/>
+            <a:ext cx="6218551" cy="5106113"/>
+          </a:xfrm>
+          <a:prstGeom prst="rect">
+            <a:avLst/>
+          </a:prstGeom>
+        </p:spPr>
+      </p:pic>
+      <p:sp>
+        <p:nvSpPr>
+          <p:cNvPr id="4" name="TextBox 3">
+            <a:extLst>
+              <a:ext uri="{FF2B5EF4-FFF2-40B4-BE49-F238E27FC236}">
+                <a16:creationId xmlns:a16="http://schemas.microsoft.com/office/drawing/2014/main" id="{78C5BC91-612D-68B9-FFBF-76F86BCBA239}"/>
+              </a:ext>
+            </a:extLst>
+          </p:cNvPr>
+          <p:cNvSpPr txBox="1"/>
+          <p:nvPr/>
+        </p:nvSpPr>
+        <p:spPr>
+          <a:xfrm>
+            <a:off x="2817873" y="792191"/>
+            <a:ext cx="4595938" cy="1200329"/>
+          </a:xfrm>
+          <a:prstGeom prst="rect">
+            <a:avLst/>
+          </a:prstGeom>
+          <a:noFill/>
+        </p:spPr>
+        <p:txBody>
+          <a:bodyPr wrap="square" rtlCol="0">
+            <a:spAutoFit/>
+          </a:bodyPr>
+          <a:lstStyle/>
+          <a:p>
+            <a:r>
+              <a:rPr lang="en-US" altLang="ko-KR" sz="3600" b="1" dirty="0">
+                <a:solidFill>
+                  <a:srgbClr val="FF00FF"/>
+                </a:solidFill>
+                <a:latin typeface="현대 LOGO" panose="02020603020101020101" pitchFamily="18" charset="-127"/>
+                <a:ea typeface="현대 LOGO" panose="02020603020101020101" pitchFamily="18" charset="-127"/>
+              </a:rPr>
+              <a:t>Draft</a:t>
+            </a:r>
+          </a:p>
+          <a:p>
+            <a:r>
+              <a:rPr lang="en-US" altLang="ko-KR" sz="3600" b="1" dirty="0">
+                <a:solidFill>
+                  <a:srgbClr val="FF00FF"/>
+                </a:solidFill>
+                <a:latin typeface="현대 LOGO" panose="02020603020101020101" pitchFamily="18" charset="-127"/>
+                <a:ea typeface="현대 LOGO" panose="02020603020101020101" pitchFamily="18" charset="-127"/>
+              </a:rPr>
+              <a:t>bidding model</a:t>
+            </a:r>
+            <a:endParaRPr lang="ko-KR" altLang="en-US" sz="3600" b="1" dirty="0">
+              <a:solidFill>
+                <a:srgbClr val="FF00FF"/>
+              </a:solidFill>
+              <a:latin typeface="현대 LOGO" panose="02020603020101020101" pitchFamily="18" charset="-127"/>
+              <a:ea typeface="현대 LOGO" panose="02020603020101020101" pitchFamily="18" charset="-127"/>
+            </a:endParaRPr>
+          </a:p>
+        </p:txBody>
+      </p:sp>
+      <p:sp>
+        <p:nvSpPr>
+          <p:cNvPr id="7" name="TextBox 6">
+            <a:extLst>
+              <a:ext uri="{FF2B5EF4-FFF2-40B4-BE49-F238E27FC236}">
+                <a16:creationId xmlns:a16="http://schemas.microsoft.com/office/drawing/2014/main" id="{265E5532-E22B-0652-99A4-ABBA6A53088F}"/>
+              </a:ext>
+            </a:extLst>
+          </p:cNvPr>
+          <p:cNvSpPr txBox="1"/>
+          <p:nvPr/>
+        </p:nvSpPr>
+        <p:spPr>
+          <a:xfrm>
+            <a:off x="5209972" y="5288547"/>
+            <a:ext cx="3826452" cy="646331"/>
+          </a:xfrm>
+          <a:prstGeom prst="rect">
+            <a:avLst/>
+          </a:prstGeom>
+          <a:noFill/>
+        </p:spPr>
+        <p:txBody>
+          <a:bodyPr wrap="square" rtlCol="0">
+            <a:spAutoFit/>
+          </a:bodyPr>
+          <a:lstStyle/>
+          <a:p>
+            <a:r>
+              <a:rPr lang="en-US" altLang="ko-KR" sz="3600" b="1" dirty="0">
+                <a:solidFill>
+                  <a:srgbClr val="0000FF"/>
+                </a:solidFill>
+                <a:latin typeface="현대 LOGO" panose="02020603020101020101" pitchFamily="18" charset="-127"/>
+                <a:ea typeface="현대 LOGO" panose="02020603020101020101" pitchFamily="18" charset="-127"/>
+              </a:rPr>
+              <a:t>automation</a:t>
+            </a:r>
+            <a:endParaRPr lang="ko-KR" altLang="en-US" sz="3600" b="1" dirty="0">
+              <a:solidFill>
+                <a:srgbClr val="0000FF"/>
+              </a:solidFill>
+              <a:latin typeface="현대 LOGO" panose="02020603020101020101" pitchFamily="18" charset="-127"/>
+              <a:ea typeface="현대 LOGO" panose="02020603020101020101" pitchFamily="18" charset="-127"/>
+            </a:endParaRPr>
+          </a:p>
+        </p:txBody>
+      </p:sp>
+    </p:spTree>
+    <p:extLst>
+      <p:ext uri="{BB962C8B-B14F-4D97-AF65-F5344CB8AC3E}">
+        <p14:creationId xmlns:p14="http://schemas.microsoft.com/office/powerpoint/2010/main" val="191120382"/>
+      </p:ext>
+    </p:extLst>
+  </p:cSld>
+  <p:clrMapOvr>
+    <a:masterClrMapping/>
+  </p:clrMapOvr>
+</p:sld>
+</file>
+
+<file path=ppt/slides/slide6.xml><?xml version="1.0" encoding="utf-8"?>
+<p:sld xmlns:a="http://schemas.openxmlformats.org/drawingml/2006/main" xmlns:r="http://schemas.openxmlformats.org/officeDocument/2006/relationships" xmlns:p="http://schemas.openxmlformats.org/presentationml/2006/main">
+  <p:cSld>
+    <p:spTree>
+      <p:nvGrpSpPr>
+        <p:cNvPr id="1" name=""/>
+        <p:cNvGrpSpPr/>
+        <p:nvPr/>
+      </p:nvGrpSpPr>
+      <p:grpSpPr>
+        <a:xfrm>
+          <a:off x="0" y="0"/>
+          <a:ext cx="0" cy="0"/>
+          <a:chOff x="0" y="0"/>
+          <a:chExt cx="0" cy="0"/>
+        </a:xfrm>
+      </p:grpSpPr>
+      <p:sp>
+        <p:nvSpPr>
+          <p:cNvPr id="22" name="직사각형 21">
+            <a:extLst>
+              <a:ext uri="{FF2B5EF4-FFF2-40B4-BE49-F238E27FC236}">
+                <a16:creationId xmlns:a16="http://schemas.microsoft.com/office/drawing/2014/main" id="{93018E3C-730C-E2A1-BF64-5A9172C1BAE2}"/>
+              </a:ext>
+            </a:extLst>
+          </p:cNvPr>
+          <p:cNvSpPr/>
+          <p:nvPr/>
+        </p:nvSpPr>
+        <p:spPr>
+          <a:xfrm>
+            <a:off x="2522104" y="5977"/>
+            <a:ext cx="6852023" cy="6852023"/>
+          </a:xfrm>
+          <a:prstGeom prst="rect">
+            <a:avLst/>
+          </a:prstGeom>
+          <a:solidFill>
+            <a:schemeClr val="bg1"/>
+          </a:solidFill>
+          <a:ln>
+            <a:noFill/>
+          </a:ln>
+        </p:spPr>
+        <p:style>
+          <a:lnRef idx="2">
+            <a:schemeClr val="accent1">
+              <a:shade val="15000"/>
+            </a:schemeClr>
+          </a:lnRef>
+          <a:fillRef idx="1">
+            <a:schemeClr val="accent1"/>
+          </a:fillRef>
+          <a:effectRef idx="0">
+            <a:schemeClr val="accent1"/>
+          </a:effectRef>
+          <a:fontRef idx="minor">
+            <a:schemeClr val="lt1"/>
+          </a:fontRef>
+        </p:style>
+        <p:txBody>
+          <a:bodyPr rtlCol="0" anchor="ctr"/>
+          <a:lstStyle/>
+          <a:p>
+            <a:pPr algn="ctr"/>
+            <a:endParaRPr lang="ko-KR" altLang="en-US"/>
+          </a:p>
+        </p:txBody>
+      </p:sp>
+      <p:grpSp>
+        <p:nvGrpSpPr>
+          <p:cNvPr id="19" name="그룹 18">
+            <a:extLst>
+              <a:ext uri="{FF2B5EF4-FFF2-40B4-BE49-F238E27FC236}">
+                <a16:creationId xmlns:a16="http://schemas.microsoft.com/office/drawing/2014/main" id="{FB48A519-4F18-9147-DB73-8232774966FA}"/>
+              </a:ext>
+            </a:extLst>
+          </p:cNvPr>
+          <p:cNvGrpSpPr/>
+          <p:nvPr/>
+        </p:nvGrpSpPr>
+        <p:grpSpPr>
+          <a:xfrm>
+            <a:off x="4432296" y="2102751"/>
+            <a:ext cx="3414906" cy="3480726"/>
+            <a:chOff x="4229100" y="1500414"/>
+            <a:chExt cx="3200400" cy="3262086"/>
+          </a:xfrm>
+        </p:grpSpPr>
+        <p:sp>
+          <p:nvSpPr>
+            <p:cNvPr id="4" name="사각형: 둥근 모서리 3">
+              <a:extLst>
+                <a:ext uri="{FF2B5EF4-FFF2-40B4-BE49-F238E27FC236}">
+                  <a16:creationId xmlns:a16="http://schemas.microsoft.com/office/drawing/2014/main" id="{0F6CAB74-5A1A-86A7-FCAE-636BD40190F1}"/>
+                </a:ext>
+              </a:extLst>
+            </p:cNvPr>
+            <p:cNvSpPr/>
+            <p:nvPr/>
+          </p:nvSpPr>
+          <p:spPr>
+            <a:xfrm>
+              <a:off x="4229100" y="1562100"/>
+              <a:ext cx="3200400" cy="3200400"/>
+            </a:xfrm>
+            <a:prstGeom prst="roundRect">
+              <a:avLst>
+                <a:gd name="adj" fmla="val 6141"/>
+              </a:avLst>
+            </a:prstGeom>
+            <a:noFill/>
+            <a:ln w="180975">
+              <a:solidFill>
+                <a:schemeClr val="tx1"/>
+              </a:solidFill>
+            </a:ln>
+          </p:spPr>
+          <p:style>
+            <a:lnRef idx="2">
+              <a:schemeClr val="accent1">
+                <a:shade val="15000"/>
+              </a:schemeClr>
+            </a:lnRef>
+            <a:fillRef idx="1">
+              <a:schemeClr val="accent1"/>
+            </a:fillRef>
+            <a:effectRef idx="0">
+              <a:schemeClr val="accent1"/>
+            </a:effectRef>
+            <a:fontRef idx="minor">
+              <a:schemeClr val="lt1"/>
+            </a:fontRef>
+          </p:style>
+          <p:txBody>
+            <a:bodyPr rtlCol="0" anchor="ctr"/>
+            <a:lstStyle/>
+            <a:p>
+              <a:pPr algn="ctr"/>
+              <a:endParaRPr lang="ko-KR" altLang="en-US"/>
+            </a:p>
+          </p:txBody>
+        </p:sp>
+        <p:cxnSp>
+          <p:nvCxnSpPr>
+            <p:cNvPr id="6" name="직선 연결선 5">
+              <a:extLst>
+                <a:ext uri="{FF2B5EF4-FFF2-40B4-BE49-F238E27FC236}">
+                  <a16:creationId xmlns:a16="http://schemas.microsoft.com/office/drawing/2014/main" id="{40CB3A82-B386-816A-C14C-6BEEB5A33409}"/>
+                </a:ext>
+              </a:extLst>
+            </p:cNvPr>
+            <p:cNvCxnSpPr/>
+            <p:nvPr/>
+          </p:nvCxnSpPr>
+          <p:spPr>
+            <a:xfrm>
+              <a:off x="4229100" y="2191657"/>
+              <a:ext cx="3200400" cy="0"/>
+            </a:xfrm>
+            <a:prstGeom prst="line">
+              <a:avLst/>
+            </a:prstGeom>
+            <a:noFill/>
+            <a:ln w="180975">
+              <a:solidFill>
+                <a:schemeClr val="tx1"/>
+              </a:solidFill>
+            </a:ln>
+          </p:spPr>
+          <p:style>
+            <a:lnRef idx="2">
+              <a:schemeClr val="accent1">
+                <a:shade val="15000"/>
+              </a:schemeClr>
+            </a:lnRef>
+            <a:fillRef idx="1">
+              <a:schemeClr val="accent1"/>
+            </a:fillRef>
+            <a:effectRef idx="0">
+              <a:schemeClr val="accent1"/>
+            </a:effectRef>
+            <a:fontRef idx="minor">
+              <a:schemeClr val="lt1"/>
+            </a:fontRef>
+          </p:style>
+        </p:cxnSp>
+        <p:cxnSp>
+          <p:nvCxnSpPr>
+            <p:cNvPr id="7" name="직선 연결선 6">
+              <a:extLst>
+                <a:ext uri="{FF2B5EF4-FFF2-40B4-BE49-F238E27FC236}">
+                  <a16:creationId xmlns:a16="http://schemas.microsoft.com/office/drawing/2014/main" id="{B7C68C6B-317D-E73C-1DCC-74EAB08EBD60}"/>
+                </a:ext>
+              </a:extLst>
+            </p:cNvPr>
+            <p:cNvCxnSpPr/>
+            <p:nvPr/>
+          </p:nvCxnSpPr>
+          <p:spPr>
+            <a:xfrm>
+              <a:off x="4229100" y="2815771"/>
+              <a:ext cx="3200400" cy="0"/>
+            </a:xfrm>
+            <a:prstGeom prst="line">
+              <a:avLst/>
+            </a:prstGeom>
+            <a:noFill/>
+            <a:ln w="180975">
+              <a:solidFill>
+                <a:schemeClr val="tx1"/>
+              </a:solidFill>
+            </a:ln>
+          </p:spPr>
+          <p:style>
+            <a:lnRef idx="2">
+              <a:schemeClr val="accent1">
+                <a:shade val="15000"/>
+              </a:schemeClr>
+            </a:lnRef>
+            <a:fillRef idx="1">
+              <a:schemeClr val="accent1"/>
+            </a:fillRef>
+            <a:effectRef idx="0">
+              <a:schemeClr val="accent1"/>
+            </a:effectRef>
+            <a:fontRef idx="minor">
+              <a:schemeClr val="lt1"/>
+            </a:fontRef>
+          </p:style>
+        </p:cxnSp>
+        <p:cxnSp>
+          <p:nvCxnSpPr>
+            <p:cNvPr id="8" name="직선 연결선 7">
+              <a:extLst>
+                <a:ext uri="{FF2B5EF4-FFF2-40B4-BE49-F238E27FC236}">
+                  <a16:creationId xmlns:a16="http://schemas.microsoft.com/office/drawing/2014/main" id="{75541F88-7F81-15CA-3D4B-2C8940158758}"/>
+                </a:ext>
+              </a:extLst>
+            </p:cNvPr>
+            <p:cNvCxnSpPr/>
+            <p:nvPr/>
+          </p:nvCxnSpPr>
+          <p:spPr>
+            <a:xfrm>
+              <a:off x="4229100" y="3429000"/>
+              <a:ext cx="3200400" cy="0"/>
+            </a:xfrm>
+            <a:prstGeom prst="line">
+              <a:avLst/>
+            </a:prstGeom>
+            <a:noFill/>
+            <a:ln w="180975">
+              <a:solidFill>
+                <a:schemeClr val="tx1"/>
+              </a:solidFill>
+            </a:ln>
+          </p:spPr>
+          <p:style>
+            <a:lnRef idx="2">
+              <a:schemeClr val="accent1">
+                <a:shade val="15000"/>
+              </a:schemeClr>
+            </a:lnRef>
+            <a:fillRef idx="1">
+              <a:schemeClr val="accent1"/>
+            </a:fillRef>
+            <a:effectRef idx="0">
+              <a:schemeClr val="accent1"/>
+            </a:effectRef>
+            <a:fontRef idx="minor">
+              <a:schemeClr val="lt1"/>
+            </a:fontRef>
+          </p:style>
+        </p:cxnSp>
+        <p:cxnSp>
+          <p:nvCxnSpPr>
+            <p:cNvPr id="9" name="직선 연결선 8">
+              <a:extLst>
+                <a:ext uri="{FF2B5EF4-FFF2-40B4-BE49-F238E27FC236}">
+                  <a16:creationId xmlns:a16="http://schemas.microsoft.com/office/drawing/2014/main" id="{7C37218C-BD6B-6FCB-8658-0FE9DAD38C31}"/>
+                </a:ext>
+              </a:extLst>
+            </p:cNvPr>
+            <p:cNvCxnSpPr/>
+            <p:nvPr/>
+          </p:nvCxnSpPr>
+          <p:spPr>
+            <a:xfrm>
+              <a:off x="4229100" y="4082143"/>
+              <a:ext cx="3200400" cy="0"/>
+            </a:xfrm>
+            <a:prstGeom prst="line">
+              <a:avLst/>
+            </a:prstGeom>
+            <a:noFill/>
+            <a:ln w="180975">
+              <a:solidFill>
+                <a:schemeClr val="tx1"/>
+              </a:solidFill>
+            </a:ln>
+          </p:spPr>
+          <p:style>
+            <a:lnRef idx="2">
+              <a:schemeClr val="accent1">
+                <a:shade val="15000"/>
+              </a:schemeClr>
+            </a:lnRef>
+            <a:fillRef idx="1">
+              <a:schemeClr val="accent1"/>
+            </a:fillRef>
+            <a:effectRef idx="0">
+              <a:schemeClr val="accent1"/>
+            </a:effectRef>
+            <a:fontRef idx="minor">
+              <a:schemeClr val="lt1"/>
+            </a:fontRef>
+          </p:style>
+        </p:cxnSp>
+        <p:cxnSp>
+          <p:nvCxnSpPr>
+            <p:cNvPr id="10" name="직선 연결선 9">
+              <a:extLst>
+                <a:ext uri="{FF2B5EF4-FFF2-40B4-BE49-F238E27FC236}">
+                  <a16:creationId xmlns:a16="http://schemas.microsoft.com/office/drawing/2014/main" id="{D5C1E81D-E5AF-26ED-8AA7-F4E22960413C}"/>
+                </a:ext>
+              </a:extLst>
+            </p:cNvPr>
+            <p:cNvCxnSpPr>
+              <a:cxnSpLocks/>
+            </p:cNvCxnSpPr>
+            <p:nvPr/>
+          </p:nvCxnSpPr>
+          <p:spPr>
+            <a:xfrm>
+              <a:off x="4795157" y="1500414"/>
+              <a:ext cx="0" cy="3262086"/>
+            </a:xfrm>
+            <a:prstGeom prst="line">
+              <a:avLst/>
+            </a:prstGeom>
+            <a:noFill/>
+            <a:ln w="180975">
+              <a:solidFill>
+                <a:schemeClr val="tx1"/>
+              </a:solidFill>
+            </a:ln>
+          </p:spPr>
+          <p:style>
+            <a:lnRef idx="2">
+              <a:schemeClr val="accent1">
+                <a:shade val="15000"/>
+              </a:schemeClr>
+            </a:lnRef>
+            <a:fillRef idx="1">
+              <a:schemeClr val="accent1"/>
+            </a:fillRef>
+            <a:effectRef idx="0">
+              <a:schemeClr val="accent1"/>
+            </a:effectRef>
+            <a:fontRef idx="minor">
+              <a:schemeClr val="lt1"/>
+            </a:fontRef>
+          </p:style>
+        </p:cxnSp>
+        <p:cxnSp>
+          <p:nvCxnSpPr>
+            <p:cNvPr id="13" name="직선 연결선 12">
+              <a:extLst>
+                <a:ext uri="{FF2B5EF4-FFF2-40B4-BE49-F238E27FC236}">
+                  <a16:creationId xmlns:a16="http://schemas.microsoft.com/office/drawing/2014/main" id="{234829FF-3A6A-BD6C-A890-75BD3CDBD2EB}"/>
+                </a:ext>
+              </a:extLst>
+            </p:cNvPr>
+            <p:cNvCxnSpPr>
+              <a:cxnSpLocks/>
+            </p:cNvCxnSpPr>
+            <p:nvPr/>
+          </p:nvCxnSpPr>
+          <p:spPr>
+            <a:xfrm>
+              <a:off x="5680528" y="1500414"/>
+              <a:ext cx="0" cy="3262086"/>
+            </a:xfrm>
+            <a:prstGeom prst="line">
+              <a:avLst/>
+            </a:prstGeom>
+            <a:noFill/>
+            <a:ln w="180975">
+              <a:solidFill>
+                <a:schemeClr val="tx1"/>
+              </a:solidFill>
+            </a:ln>
+          </p:spPr>
+          <p:style>
+            <a:lnRef idx="2">
+              <a:schemeClr val="accent1">
+                <a:shade val="15000"/>
+              </a:schemeClr>
+            </a:lnRef>
+            <a:fillRef idx="1">
+              <a:schemeClr val="accent1"/>
+            </a:fillRef>
+            <a:effectRef idx="0">
+              <a:schemeClr val="accent1"/>
+            </a:effectRef>
+            <a:fontRef idx="minor">
+              <a:schemeClr val="lt1"/>
+            </a:fontRef>
+          </p:style>
+        </p:cxnSp>
+        <p:cxnSp>
+          <p:nvCxnSpPr>
+            <p:cNvPr id="14" name="직선 연결선 13">
+              <a:extLst>
+                <a:ext uri="{FF2B5EF4-FFF2-40B4-BE49-F238E27FC236}">
+                  <a16:creationId xmlns:a16="http://schemas.microsoft.com/office/drawing/2014/main" id="{8DF8E2AC-B293-021E-F9E0-26CF983E7E34}"/>
+                </a:ext>
+              </a:extLst>
+            </p:cNvPr>
+            <p:cNvCxnSpPr>
+              <a:cxnSpLocks/>
+            </p:cNvCxnSpPr>
+            <p:nvPr/>
+          </p:nvCxnSpPr>
+          <p:spPr>
+            <a:xfrm>
+              <a:off x="6536871" y="1500414"/>
+              <a:ext cx="0" cy="3262086"/>
+            </a:xfrm>
+            <a:prstGeom prst="line">
+              <a:avLst/>
+            </a:prstGeom>
+            <a:noFill/>
+            <a:ln w="180975">
+              <a:solidFill>
+                <a:schemeClr val="tx1"/>
+              </a:solidFill>
+            </a:ln>
+          </p:spPr>
+          <p:style>
+            <a:lnRef idx="2">
+              <a:schemeClr val="accent1">
+                <a:shade val="15000"/>
+              </a:schemeClr>
+            </a:lnRef>
+            <a:fillRef idx="1">
+              <a:schemeClr val="accent1"/>
+            </a:fillRef>
+            <a:effectRef idx="0">
+              <a:schemeClr val="accent1"/>
+            </a:effectRef>
+            <a:fontRef idx="minor">
+              <a:schemeClr val="lt1"/>
+            </a:fontRef>
+          </p:style>
+        </p:cxnSp>
+        <p:sp>
+          <p:nvSpPr>
+            <p:cNvPr id="15" name="자유형: 도형 14">
+              <a:extLst>
+                <a:ext uri="{FF2B5EF4-FFF2-40B4-BE49-F238E27FC236}">
+                  <a16:creationId xmlns:a16="http://schemas.microsoft.com/office/drawing/2014/main" id="{763C5109-3A8F-58DF-5E1E-45949980D3DA}"/>
+                </a:ext>
+              </a:extLst>
+            </p:cNvPr>
+            <p:cNvSpPr/>
+            <p:nvPr/>
+          </p:nvSpPr>
+          <p:spPr>
+            <a:xfrm>
+              <a:off x="4267200" y="1562100"/>
+              <a:ext cx="476250" cy="576263"/>
+            </a:xfrm>
+            <a:custGeom>
+              <a:avLst/>
+              <a:gdLst>
+                <a:gd name="connsiteX0" fmla="*/ 147638 w 476250"/>
+                <a:gd name="connsiteY0" fmla="*/ 0 h 576263"/>
+                <a:gd name="connsiteX1" fmla="*/ 0 w 476250"/>
+                <a:gd name="connsiteY1" fmla="*/ 109538 h 576263"/>
+                <a:gd name="connsiteX2" fmla="*/ 0 w 476250"/>
+                <a:gd name="connsiteY2" fmla="*/ 576263 h 576263"/>
+                <a:gd name="connsiteX3" fmla="*/ 476250 w 476250"/>
+                <a:gd name="connsiteY3" fmla="*/ 576263 h 576263"/>
+                <a:gd name="connsiteX4" fmla="*/ 476250 w 476250"/>
+                <a:gd name="connsiteY4" fmla="*/ 14288 h 576263"/>
+                <a:gd name="connsiteX5" fmla="*/ 147638 w 476250"/>
+                <a:gd name="connsiteY5" fmla="*/ 0 h 576263"/>
+              </a:gdLst>
+              <a:ahLst/>
+              <a:cxnLst>
+                <a:cxn ang="0">
+                  <a:pos x="connsiteX0" y="connsiteY0"/>
+                </a:cxn>
+                <a:cxn ang="0">
+                  <a:pos x="connsiteX1" y="connsiteY1"/>
+                </a:cxn>
+                <a:cxn ang="0">
+                  <a:pos x="connsiteX2" y="connsiteY2"/>
+                </a:cxn>
+                <a:cxn ang="0">
+                  <a:pos x="connsiteX3" y="connsiteY3"/>
+                </a:cxn>
+                <a:cxn ang="0">
+                  <a:pos x="connsiteX4" y="connsiteY4"/>
+                </a:cxn>
+                <a:cxn ang="0">
+                  <a:pos x="connsiteX5" y="connsiteY5"/>
+                </a:cxn>
+              </a:cxnLst>
+              <a:rect l="l" t="t" r="r" b="b"/>
+              <a:pathLst>
+                <a:path w="476250" h="576263">
+                  <a:moveTo>
+                    <a:pt x="147638" y="0"/>
+                  </a:moveTo>
+                  <a:lnTo>
+                    <a:pt x="0" y="109538"/>
+                  </a:lnTo>
+                  <a:lnTo>
+                    <a:pt x="0" y="576263"/>
+                  </a:lnTo>
+                  <a:lnTo>
+                    <a:pt x="476250" y="576263"/>
+                  </a:lnTo>
+                  <a:lnTo>
+                    <a:pt x="476250" y="14288"/>
+                  </a:lnTo>
+                  <a:lnTo>
+                    <a:pt x="147638" y="0"/>
+                  </a:lnTo>
+                  <a:close/>
+                </a:path>
+              </a:pathLst>
+            </a:custGeom>
+            <a:solidFill>
+              <a:schemeClr val="tx1"/>
+            </a:solidFill>
+            <a:ln>
+              <a:noFill/>
+            </a:ln>
+          </p:spPr>
+          <p:style>
+            <a:lnRef idx="2">
+              <a:schemeClr val="accent1">
+                <a:shade val="15000"/>
+              </a:schemeClr>
+            </a:lnRef>
+            <a:fillRef idx="1">
+              <a:schemeClr val="accent1"/>
+            </a:fillRef>
+            <a:effectRef idx="0">
+              <a:schemeClr val="accent1"/>
+            </a:effectRef>
+            <a:fontRef idx="minor">
+              <a:schemeClr val="lt1"/>
+            </a:fontRef>
+          </p:style>
+          <p:txBody>
+            <a:bodyPr rtlCol="0" anchor="ctr"/>
+            <a:lstStyle/>
+            <a:p>
+              <a:pPr algn="ctr"/>
+              <a:endParaRPr lang="ko-KR" altLang="en-US"/>
+            </a:p>
+          </p:txBody>
+        </p:sp>
+        <p:sp>
+          <p:nvSpPr>
+            <p:cNvPr id="16" name="직사각형 15">
+              <a:extLst>
+                <a:ext uri="{FF2B5EF4-FFF2-40B4-BE49-F238E27FC236}">
+                  <a16:creationId xmlns:a16="http://schemas.microsoft.com/office/drawing/2014/main" id="{FCD8E2DC-3096-D9F0-1446-0A0D27C1868D}"/>
+                </a:ext>
+              </a:extLst>
+            </p:cNvPr>
+            <p:cNvSpPr/>
+            <p:nvPr/>
+          </p:nvSpPr>
+          <p:spPr>
+            <a:xfrm>
+              <a:off x="4952618" y="2997724"/>
+              <a:ext cx="599478" cy="254513"/>
+            </a:xfrm>
+            <a:prstGeom prst="rect">
+              <a:avLst/>
+            </a:prstGeom>
+            <a:solidFill>
+              <a:schemeClr val="tx1"/>
+            </a:solidFill>
+            <a:ln>
+              <a:noFill/>
+            </a:ln>
+          </p:spPr>
+          <p:style>
+            <a:lnRef idx="2">
+              <a:schemeClr val="accent1">
+                <a:shade val="15000"/>
+              </a:schemeClr>
+            </a:lnRef>
+            <a:fillRef idx="1">
+              <a:schemeClr val="accent1"/>
+            </a:fillRef>
+            <a:effectRef idx="0">
+              <a:schemeClr val="accent1"/>
+            </a:effectRef>
+            <a:fontRef idx="minor">
+              <a:schemeClr val="lt1"/>
+            </a:fontRef>
+          </p:style>
+          <p:txBody>
+            <a:bodyPr rtlCol="0" anchor="ctr"/>
+            <a:lstStyle/>
+            <a:p>
+              <a:pPr algn="ctr"/>
+              <a:endParaRPr lang="ko-KR" altLang="en-US"/>
+            </a:p>
+          </p:txBody>
+        </p:sp>
+        <p:sp>
+          <p:nvSpPr>
+            <p:cNvPr id="17" name="직사각형 16">
+              <a:extLst>
+                <a:ext uri="{FF2B5EF4-FFF2-40B4-BE49-F238E27FC236}">
+                  <a16:creationId xmlns:a16="http://schemas.microsoft.com/office/drawing/2014/main" id="{F9635CDA-46E5-C9C0-7C29-F56BF1B2BFC1}"/>
+                </a:ext>
+              </a:extLst>
+            </p:cNvPr>
+            <p:cNvSpPr/>
+            <p:nvPr/>
+          </p:nvSpPr>
+          <p:spPr>
+            <a:xfrm>
+              <a:off x="5808960" y="2997724"/>
+              <a:ext cx="599478" cy="254513"/>
+            </a:xfrm>
+            <a:prstGeom prst="rect">
+              <a:avLst/>
+            </a:prstGeom>
+            <a:solidFill>
+              <a:schemeClr val="tx1"/>
+            </a:solidFill>
+            <a:ln>
+              <a:noFill/>
+            </a:ln>
+          </p:spPr>
+          <p:style>
+            <a:lnRef idx="2">
+              <a:schemeClr val="accent1">
+                <a:shade val="15000"/>
+              </a:schemeClr>
+            </a:lnRef>
+            <a:fillRef idx="1">
+              <a:schemeClr val="accent1"/>
+            </a:fillRef>
+            <a:effectRef idx="0">
+              <a:schemeClr val="accent1"/>
+            </a:effectRef>
+            <a:fontRef idx="minor">
+              <a:schemeClr val="lt1"/>
+            </a:fontRef>
+          </p:style>
+          <p:txBody>
+            <a:bodyPr rtlCol="0" anchor="ctr"/>
+            <a:lstStyle/>
+            <a:p>
+              <a:pPr algn="ctr"/>
+              <a:endParaRPr lang="ko-KR" altLang="en-US"/>
+            </a:p>
+          </p:txBody>
+        </p:sp>
+        <p:sp>
+          <p:nvSpPr>
+            <p:cNvPr id="18" name="직사각형 17">
+              <a:extLst>
+                <a:ext uri="{FF2B5EF4-FFF2-40B4-BE49-F238E27FC236}">
+                  <a16:creationId xmlns:a16="http://schemas.microsoft.com/office/drawing/2014/main" id="{10B134B0-FB2A-8E63-957D-A0543B010A6B}"/>
+                </a:ext>
+              </a:extLst>
+            </p:cNvPr>
+            <p:cNvSpPr/>
+            <p:nvPr/>
+          </p:nvSpPr>
+          <p:spPr>
+            <a:xfrm>
+              <a:off x="6681858" y="2997724"/>
+              <a:ext cx="599478" cy="254513"/>
+            </a:xfrm>
+            <a:prstGeom prst="rect">
+              <a:avLst/>
+            </a:prstGeom>
+            <a:solidFill>
+              <a:schemeClr val="tx1"/>
+            </a:solidFill>
+            <a:ln>
+              <a:noFill/>
+            </a:ln>
+          </p:spPr>
+          <p:style>
+            <a:lnRef idx="2">
+              <a:schemeClr val="accent1">
+                <a:shade val="15000"/>
+              </a:schemeClr>
+            </a:lnRef>
+            <a:fillRef idx="1">
+              <a:schemeClr val="accent1"/>
+            </a:fillRef>
+            <a:effectRef idx="0">
+              <a:schemeClr val="accent1"/>
+            </a:effectRef>
+            <a:fontRef idx="minor">
+              <a:schemeClr val="lt1"/>
+            </a:fontRef>
+          </p:style>
+          <p:txBody>
+            <a:bodyPr rtlCol="0" anchor="ctr"/>
+            <a:lstStyle/>
+            <a:p>
+              <a:pPr algn="ctr"/>
+              <a:endParaRPr lang="ko-KR" altLang="en-US"/>
+            </a:p>
+          </p:txBody>
+        </p:sp>
+      </p:grpSp>
+      <p:sp>
+        <p:nvSpPr>
+          <p:cNvPr id="20" name="TextBox 19">
+            <a:extLst>
+              <a:ext uri="{FF2B5EF4-FFF2-40B4-BE49-F238E27FC236}">
+                <a16:creationId xmlns:a16="http://schemas.microsoft.com/office/drawing/2014/main" id="{79726F5E-A92F-5F4A-2326-D8571E41EF9A}"/>
+              </a:ext>
+            </a:extLst>
+          </p:cNvPr>
+          <p:cNvSpPr txBox="1"/>
+          <p:nvPr/>
+        </p:nvSpPr>
+        <p:spPr>
+          <a:xfrm>
+            <a:off x="3089424" y="437800"/>
+            <a:ext cx="4377754" cy="1754326"/>
+          </a:xfrm>
+          <a:prstGeom prst="rect">
+            <a:avLst/>
+          </a:prstGeom>
+          <a:noFill/>
+        </p:spPr>
+        <p:txBody>
+          <a:bodyPr wrap="square" rtlCol="0">
+            <a:spAutoFit/>
+          </a:bodyPr>
+          <a:lstStyle/>
+          <a:p>
+            <a:r>
+              <a:rPr lang="en-US" altLang="ko-KR" sz="3600" b="1" dirty="0">
+                <a:solidFill>
+                  <a:srgbClr val="FF00FF"/>
+                </a:solidFill>
+                <a:latin typeface="현대 LOGO" panose="02020603020101020101" pitchFamily="18" charset="-127"/>
+                <a:ea typeface="현대 LOGO" panose="02020603020101020101" pitchFamily="18" charset="-127"/>
+              </a:rPr>
+              <a:t>Draft</a:t>
+            </a:r>
+          </a:p>
+          <a:p>
+            <a:r>
+              <a:rPr lang="en-US" altLang="ko-KR" sz="3600" b="1" dirty="0">
+                <a:solidFill>
+                  <a:srgbClr val="FF00FF"/>
+                </a:solidFill>
+                <a:latin typeface="현대 LOGO" panose="02020603020101020101" pitchFamily="18" charset="-127"/>
+                <a:ea typeface="현대 LOGO" panose="02020603020101020101" pitchFamily="18" charset="-127"/>
+              </a:rPr>
+              <a:t>bidding Room Schedule</a:t>
+            </a:r>
+            <a:endParaRPr lang="ko-KR" altLang="en-US" sz="3600" b="1" dirty="0">
+              <a:solidFill>
+                <a:srgbClr val="FF00FF"/>
+              </a:solidFill>
+              <a:latin typeface="현대 LOGO" panose="02020603020101020101" pitchFamily="18" charset="-127"/>
+              <a:ea typeface="현대 LOGO" panose="02020603020101020101" pitchFamily="18" charset="-127"/>
+            </a:endParaRPr>
+          </a:p>
+        </p:txBody>
+      </p:sp>
+      <p:sp>
+        <p:nvSpPr>
+          <p:cNvPr id="21" name="TextBox 20">
+            <a:extLst>
+              <a:ext uri="{FF2B5EF4-FFF2-40B4-BE49-F238E27FC236}">
+                <a16:creationId xmlns:a16="http://schemas.microsoft.com/office/drawing/2014/main" id="{601D5D60-C598-88EC-F760-A4C1C88D466F}"/>
+              </a:ext>
+            </a:extLst>
+          </p:cNvPr>
+          <p:cNvSpPr txBox="1"/>
+          <p:nvPr/>
+        </p:nvSpPr>
+        <p:spPr>
+          <a:xfrm>
+            <a:off x="4698408" y="5593283"/>
+            <a:ext cx="3777931" cy="646331"/>
+          </a:xfrm>
+          <a:prstGeom prst="rect">
+            <a:avLst/>
+          </a:prstGeom>
+          <a:noFill/>
+        </p:spPr>
+        <p:txBody>
+          <a:bodyPr wrap="square" rtlCol="0">
+            <a:spAutoFit/>
+          </a:bodyPr>
+          <a:lstStyle/>
+          <a:p>
+            <a:r>
+              <a:rPr lang="en-US" altLang="ko-KR" sz="3600" b="1" dirty="0">
+                <a:solidFill>
+                  <a:srgbClr val="0000FF"/>
+                </a:solidFill>
+                <a:latin typeface="현대 LOGO" panose="02020603020101020101" pitchFamily="18" charset="-127"/>
+                <a:ea typeface="현대 LOGO" panose="02020603020101020101" pitchFamily="18" charset="-127"/>
+              </a:rPr>
+              <a:t>automation</a:t>
+            </a:r>
+            <a:endParaRPr lang="ko-KR" altLang="en-US" sz="3600" b="1" dirty="0">
+              <a:solidFill>
+                <a:srgbClr val="0000FF"/>
+              </a:solidFill>
+              <a:latin typeface="현대 LOGO" panose="02020603020101020101" pitchFamily="18" charset="-127"/>
+              <a:ea typeface="현대 LOGO" panose="02020603020101020101" pitchFamily="18" charset="-127"/>
+            </a:endParaRPr>
+          </a:p>
+        </p:txBody>
+      </p:sp>
+    </p:spTree>
+    <p:extLst>
+      <p:ext uri="{BB962C8B-B14F-4D97-AF65-F5344CB8AC3E}">
+        <p14:creationId xmlns:p14="http://schemas.microsoft.com/office/powerpoint/2010/main" val="4057224778"/>
+      </p:ext>
+    </p:extLst>
+  </p:cSld>
+  <p:clrMapOvr>
+    <a:masterClrMapping/>
+  </p:clrMapOvr>
+</p:sld>
+</file>
+
+<file path=ppt/slides/slide7.xml><?xml version="1.0" encoding="utf-8"?>
+<p:sld xmlns:a="http://schemas.openxmlformats.org/drawingml/2006/main" xmlns:r="http://schemas.openxmlformats.org/officeDocument/2006/relationships" xmlns:p="http://schemas.openxmlformats.org/presentationml/2006/main">
+  <p:cSld>
+    <p:spTree>
+      <p:nvGrpSpPr>
+        <p:cNvPr id="1" name=""/>
+        <p:cNvGrpSpPr/>
+        <p:nvPr/>
+      </p:nvGrpSpPr>
+      <p:grpSpPr>
+        <a:xfrm>
+          <a:off x="0" y="0"/>
+          <a:ext cx="0" cy="0"/>
+          <a:chOff x="0" y="0"/>
+          <a:chExt cx="0" cy="0"/>
+        </a:xfrm>
+      </p:grpSpPr>
+    </p:spTree>
+    <p:extLst>
+      <p:ext uri="{BB962C8B-B14F-4D97-AF65-F5344CB8AC3E}">
+        <p14:creationId xmlns:p14="http://schemas.microsoft.com/office/powerpoint/2010/main" val="2680004437"/>
+      </p:ext>
+    </p:extLst>
+  </p:cSld>
+  <p:clrMapOvr>
+    <a:masterClrMapping/>
+  </p:clrMapOvr>
+</p:sld>
+</file>
+
 <file path=ppt/theme/theme1.xml><?xml version="1.0" encoding="utf-8"?>
 <a:theme xmlns:a="http://schemas.openxmlformats.org/drawingml/2006/main" name="Office 테마">
   <a:themeElements>

--- a/hecCalc/2023/documentum/logo/logo.pptx
+++ b/hecCalc/2023/documentum/logo/logo.pptx
@@ -265,7 +265,7 @@
           <a:p>
             <a:fld id="{2BD9FA74-BDC4-474D-9A42-59EE67DE1B02}" type="datetimeFigureOut">
               <a:rPr lang="ko-KR" altLang="en-US" smtClean="0"/>
-              <a:t>2023-11-14</a:t>
+              <a:t>2024-01-22</a:t>
             </a:fld>
             <a:endParaRPr lang="ko-KR" altLang="en-US"/>
           </a:p>
@@ -463,7 +463,7 @@
           <a:p>
             <a:fld id="{2BD9FA74-BDC4-474D-9A42-59EE67DE1B02}" type="datetimeFigureOut">
               <a:rPr lang="ko-KR" altLang="en-US" smtClean="0"/>
-              <a:t>2023-11-14</a:t>
+              <a:t>2024-01-22</a:t>
             </a:fld>
             <a:endParaRPr lang="ko-KR" altLang="en-US"/>
           </a:p>
@@ -671,7 +671,7 @@
           <a:p>
             <a:fld id="{2BD9FA74-BDC4-474D-9A42-59EE67DE1B02}" type="datetimeFigureOut">
               <a:rPr lang="ko-KR" altLang="en-US" smtClean="0"/>
-              <a:t>2023-11-14</a:t>
+              <a:t>2024-01-22</a:t>
             </a:fld>
             <a:endParaRPr lang="ko-KR" altLang="en-US"/>
           </a:p>
@@ -869,7 +869,7 @@
           <a:p>
             <a:fld id="{2BD9FA74-BDC4-474D-9A42-59EE67DE1B02}" type="datetimeFigureOut">
               <a:rPr lang="ko-KR" altLang="en-US" smtClean="0"/>
-              <a:t>2023-11-14</a:t>
+              <a:t>2024-01-22</a:t>
             </a:fld>
             <a:endParaRPr lang="ko-KR" altLang="en-US"/>
           </a:p>
@@ -1144,7 +1144,7 @@
           <a:p>
             <a:fld id="{2BD9FA74-BDC4-474D-9A42-59EE67DE1B02}" type="datetimeFigureOut">
               <a:rPr lang="ko-KR" altLang="en-US" smtClean="0"/>
-              <a:t>2023-11-14</a:t>
+              <a:t>2024-01-22</a:t>
             </a:fld>
             <a:endParaRPr lang="ko-KR" altLang="en-US"/>
           </a:p>
@@ -1409,7 +1409,7 @@
           <a:p>
             <a:fld id="{2BD9FA74-BDC4-474D-9A42-59EE67DE1B02}" type="datetimeFigureOut">
               <a:rPr lang="ko-KR" altLang="en-US" smtClean="0"/>
-              <a:t>2023-11-14</a:t>
+              <a:t>2024-01-22</a:t>
             </a:fld>
             <a:endParaRPr lang="ko-KR" altLang="en-US"/>
           </a:p>
@@ -1821,7 +1821,7 @@
           <a:p>
             <a:fld id="{2BD9FA74-BDC4-474D-9A42-59EE67DE1B02}" type="datetimeFigureOut">
               <a:rPr lang="ko-KR" altLang="en-US" smtClean="0"/>
-              <a:t>2023-11-14</a:t>
+              <a:t>2024-01-22</a:t>
             </a:fld>
             <a:endParaRPr lang="ko-KR" altLang="en-US"/>
           </a:p>
@@ -1962,7 +1962,7 @@
           <a:p>
             <a:fld id="{2BD9FA74-BDC4-474D-9A42-59EE67DE1B02}" type="datetimeFigureOut">
               <a:rPr lang="ko-KR" altLang="en-US" smtClean="0"/>
-              <a:t>2023-11-14</a:t>
+              <a:t>2024-01-22</a:t>
             </a:fld>
             <a:endParaRPr lang="ko-KR" altLang="en-US"/>
           </a:p>
@@ -2075,7 +2075,7 @@
           <a:p>
             <a:fld id="{2BD9FA74-BDC4-474D-9A42-59EE67DE1B02}" type="datetimeFigureOut">
               <a:rPr lang="ko-KR" altLang="en-US" smtClean="0"/>
-              <a:t>2023-11-14</a:t>
+              <a:t>2024-01-22</a:t>
             </a:fld>
             <a:endParaRPr lang="ko-KR" altLang="en-US"/>
           </a:p>
@@ -2386,7 +2386,7 @@
           <a:p>
             <a:fld id="{2BD9FA74-BDC4-474D-9A42-59EE67DE1B02}" type="datetimeFigureOut">
               <a:rPr lang="ko-KR" altLang="en-US" smtClean="0"/>
-              <a:t>2023-11-14</a:t>
+              <a:t>2024-01-22</a:t>
             </a:fld>
             <a:endParaRPr lang="ko-KR" altLang="en-US"/>
           </a:p>
@@ -2674,7 +2674,7 @@
           <a:p>
             <a:fld id="{2BD9FA74-BDC4-474D-9A42-59EE67DE1B02}" type="datetimeFigureOut">
               <a:rPr lang="ko-KR" altLang="en-US" smtClean="0"/>
-              <a:t>2023-11-14</a:t>
+              <a:t>2024-01-22</a:t>
             </a:fld>
             <a:endParaRPr lang="ko-KR" altLang="en-US"/>
           </a:p>
@@ -2915,7 +2915,7 @@
           <a:p>
             <a:fld id="{2BD9FA74-BDC4-474D-9A42-59EE67DE1B02}" type="datetimeFigureOut">
               <a:rPr lang="ko-KR" altLang="en-US" smtClean="0"/>
-              <a:t>2023-11-14</a:t>
+              <a:t>2024-01-22</a:t>
             </a:fld>
             <a:endParaRPr lang="ko-KR" altLang="en-US"/>
           </a:p>
@@ -6283,6 +6283,574 @@
           <a:chExt cx="0" cy="0"/>
         </a:xfrm>
       </p:grpSpPr>
+      <p:sp>
+        <p:nvSpPr>
+          <p:cNvPr id="30" name="직사각형 29">
+            <a:extLst>
+              <a:ext uri="{FF2B5EF4-FFF2-40B4-BE49-F238E27FC236}">
+                <a16:creationId xmlns:a16="http://schemas.microsoft.com/office/drawing/2014/main" id="{164B5361-78CB-59C0-10B6-32B55687A109}"/>
+              </a:ext>
+            </a:extLst>
+          </p:cNvPr>
+          <p:cNvSpPr/>
+          <p:nvPr/>
+        </p:nvSpPr>
+        <p:spPr>
+          <a:xfrm>
+            <a:off x="2522104" y="5977"/>
+            <a:ext cx="6852023" cy="6852023"/>
+          </a:xfrm>
+          <a:prstGeom prst="rect">
+            <a:avLst/>
+          </a:prstGeom>
+          <a:solidFill>
+            <a:schemeClr val="bg1"/>
+          </a:solidFill>
+          <a:ln>
+            <a:noFill/>
+          </a:ln>
+        </p:spPr>
+        <p:style>
+          <a:lnRef idx="2">
+            <a:schemeClr val="accent1">
+              <a:shade val="15000"/>
+            </a:schemeClr>
+          </a:lnRef>
+          <a:fillRef idx="1">
+            <a:schemeClr val="accent1"/>
+          </a:fillRef>
+          <a:effectRef idx="0">
+            <a:schemeClr val="accent1"/>
+          </a:effectRef>
+          <a:fontRef idx="minor">
+            <a:schemeClr val="lt1"/>
+          </a:fontRef>
+        </p:style>
+        <p:txBody>
+          <a:bodyPr rtlCol="0" anchor="ctr"/>
+          <a:lstStyle/>
+          <a:p>
+            <a:pPr algn="ctr"/>
+            <a:endParaRPr lang="ko-KR" altLang="en-US"/>
+          </a:p>
+        </p:txBody>
+      </p:sp>
+      <p:pic>
+        <p:nvPicPr>
+          <p:cNvPr id="3" name="그림 2">
+            <a:extLst>
+              <a:ext uri="{FF2B5EF4-FFF2-40B4-BE49-F238E27FC236}">
+                <a16:creationId xmlns:a16="http://schemas.microsoft.com/office/drawing/2014/main" id="{13C8AFFB-9141-33D4-AD44-DC803F3C6E32}"/>
+              </a:ext>
+            </a:extLst>
+          </p:cNvPr>
+          <p:cNvPicPr>
+            <a:picLocks noChangeAspect="1"/>
+          </p:cNvPicPr>
+          <p:nvPr/>
+        </p:nvPicPr>
+        <p:blipFill>
+          <a:blip r:embed="rId2"/>
+          <a:stretch>
+            <a:fillRect/>
+          </a:stretch>
+        </p:blipFill>
+        <p:spPr>
+          <a:xfrm>
+            <a:off x="3557233" y="1418944"/>
+            <a:ext cx="5077534" cy="4020111"/>
+          </a:xfrm>
+          <a:prstGeom prst="rect">
+            <a:avLst/>
+          </a:prstGeom>
+        </p:spPr>
+      </p:pic>
+      <p:sp>
+        <p:nvSpPr>
+          <p:cNvPr id="4" name="TextBox 3">
+            <a:extLst>
+              <a:ext uri="{FF2B5EF4-FFF2-40B4-BE49-F238E27FC236}">
+                <a16:creationId xmlns:a16="http://schemas.microsoft.com/office/drawing/2014/main" id="{B32ABF09-FCFC-2E29-6F8A-2DC0710FF7FE}"/>
+              </a:ext>
+            </a:extLst>
+          </p:cNvPr>
+          <p:cNvSpPr txBox="1"/>
+          <p:nvPr/>
+        </p:nvSpPr>
+        <p:spPr>
+          <a:xfrm>
+            <a:off x="3089424" y="1257369"/>
+            <a:ext cx="4377754" cy="1200329"/>
+          </a:xfrm>
+          <a:prstGeom prst="rect">
+            <a:avLst/>
+          </a:prstGeom>
+          <a:noFill/>
+        </p:spPr>
+        <p:txBody>
+          <a:bodyPr wrap="square" rtlCol="0">
+            <a:spAutoFit/>
+          </a:bodyPr>
+          <a:lstStyle/>
+          <a:p>
+            <a:r>
+              <a:rPr lang="en-US" altLang="ko-KR" sz="3600" b="1" dirty="0">
+                <a:solidFill>
+                  <a:srgbClr val="FF00FF"/>
+                </a:solidFill>
+                <a:latin typeface="현대 LOGO" panose="02020603020101020101" pitchFamily="18" charset="-127"/>
+                <a:ea typeface="현대 LOGO" panose="02020603020101020101" pitchFamily="18" charset="-127"/>
+              </a:rPr>
+              <a:t>bidding Room Size</a:t>
+            </a:r>
+            <a:endParaRPr lang="ko-KR" altLang="en-US" sz="3600" b="1" dirty="0">
+              <a:solidFill>
+                <a:srgbClr val="FF00FF"/>
+              </a:solidFill>
+              <a:latin typeface="현대 LOGO" panose="02020603020101020101" pitchFamily="18" charset="-127"/>
+              <a:ea typeface="현대 LOGO" panose="02020603020101020101" pitchFamily="18" charset="-127"/>
+            </a:endParaRPr>
+          </a:p>
+        </p:txBody>
+      </p:sp>
+      <p:sp>
+        <p:nvSpPr>
+          <p:cNvPr id="5" name="TextBox 4">
+            <a:extLst>
+              <a:ext uri="{FF2B5EF4-FFF2-40B4-BE49-F238E27FC236}">
+                <a16:creationId xmlns:a16="http://schemas.microsoft.com/office/drawing/2014/main" id="{A83FD589-09F2-DB0B-2648-172922612D4E}"/>
+              </a:ext>
+            </a:extLst>
+          </p:cNvPr>
+          <p:cNvSpPr txBox="1"/>
+          <p:nvPr/>
+        </p:nvSpPr>
+        <p:spPr>
+          <a:xfrm>
+            <a:off x="5398994" y="5498029"/>
+            <a:ext cx="3431727" cy="707886"/>
+          </a:xfrm>
+          <a:prstGeom prst="rect">
+            <a:avLst/>
+          </a:prstGeom>
+          <a:noFill/>
+        </p:spPr>
+        <p:txBody>
+          <a:bodyPr wrap="square" rtlCol="0">
+            <a:spAutoFit/>
+          </a:bodyPr>
+          <a:lstStyle/>
+          <a:p>
+            <a:r>
+              <a:rPr lang="en-US" altLang="ko-KR" sz="4000" b="1" dirty="0">
+                <a:solidFill>
+                  <a:srgbClr val="0000FF"/>
+                </a:solidFill>
+                <a:latin typeface="현대 LOGO" panose="02020603020101020101" pitchFamily="18" charset="-127"/>
+                <a:ea typeface="현대 LOGO" panose="02020603020101020101" pitchFamily="18" charset="-127"/>
+              </a:rPr>
+              <a:t>injection</a:t>
+            </a:r>
+            <a:endParaRPr lang="ko-KR" altLang="en-US" sz="4000" b="1" dirty="0">
+              <a:solidFill>
+                <a:srgbClr val="0000FF"/>
+              </a:solidFill>
+              <a:latin typeface="현대 LOGO" panose="02020603020101020101" pitchFamily="18" charset="-127"/>
+              <a:ea typeface="현대 LOGO" panose="02020603020101020101" pitchFamily="18" charset="-127"/>
+            </a:endParaRPr>
+          </a:p>
+        </p:txBody>
+      </p:sp>
+      <p:grpSp>
+        <p:nvGrpSpPr>
+          <p:cNvPr id="16" name="그룹 15">
+            <a:extLst>
+              <a:ext uri="{FF2B5EF4-FFF2-40B4-BE49-F238E27FC236}">
+                <a16:creationId xmlns:a16="http://schemas.microsoft.com/office/drawing/2014/main" id="{D6BBE5ED-FC6B-2A1F-F25C-F54C3544676F}"/>
+              </a:ext>
+            </a:extLst>
+          </p:cNvPr>
+          <p:cNvGrpSpPr/>
+          <p:nvPr/>
+        </p:nvGrpSpPr>
+        <p:grpSpPr>
+          <a:xfrm>
+            <a:off x="3094166" y="4537195"/>
+            <a:ext cx="2385674" cy="1006873"/>
+            <a:chOff x="2679385" y="4646543"/>
+            <a:chExt cx="2385674" cy="1006873"/>
+          </a:xfrm>
+        </p:grpSpPr>
+        <p:cxnSp>
+          <p:nvCxnSpPr>
+            <p:cNvPr id="7" name="직선 연결선 6">
+              <a:extLst>
+                <a:ext uri="{FF2B5EF4-FFF2-40B4-BE49-F238E27FC236}">
+                  <a16:creationId xmlns:a16="http://schemas.microsoft.com/office/drawing/2014/main" id="{194A9DBB-2E32-A092-04E0-C7BF3EE63405}"/>
+                </a:ext>
+              </a:extLst>
+            </p:cNvPr>
+            <p:cNvCxnSpPr>
+              <a:cxnSpLocks/>
+            </p:cNvCxnSpPr>
+            <p:nvPr/>
+          </p:nvCxnSpPr>
+          <p:spPr>
+            <a:xfrm flipH="1">
+              <a:off x="4329113" y="5400885"/>
+              <a:ext cx="735946" cy="252531"/>
+            </a:xfrm>
+            <a:prstGeom prst="line">
+              <a:avLst/>
+            </a:prstGeom>
+            <a:ln w="19050">
+              <a:solidFill>
+                <a:schemeClr val="tx1"/>
+              </a:solidFill>
+              <a:prstDash val="dash"/>
+            </a:ln>
+          </p:spPr>
+          <p:style>
+            <a:lnRef idx="1">
+              <a:schemeClr val="accent1"/>
+            </a:lnRef>
+            <a:fillRef idx="0">
+              <a:schemeClr val="accent1"/>
+            </a:fillRef>
+            <a:effectRef idx="0">
+              <a:schemeClr val="accent1"/>
+            </a:effectRef>
+            <a:fontRef idx="minor">
+              <a:schemeClr val="tx1"/>
+            </a:fontRef>
+          </p:style>
+        </p:cxnSp>
+        <p:cxnSp>
+          <p:nvCxnSpPr>
+            <p:cNvPr id="8" name="직선 연결선 7">
+              <a:extLst>
+                <a:ext uri="{FF2B5EF4-FFF2-40B4-BE49-F238E27FC236}">
+                  <a16:creationId xmlns:a16="http://schemas.microsoft.com/office/drawing/2014/main" id="{06133586-3323-AE7A-1012-7DE38E4B67C2}"/>
+                </a:ext>
+              </a:extLst>
+            </p:cNvPr>
+            <p:cNvCxnSpPr>
+              <a:cxnSpLocks/>
+            </p:cNvCxnSpPr>
+            <p:nvPr/>
+          </p:nvCxnSpPr>
+          <p:spPr>
+            <a:xfrm flipH="1">
+              <a:off x="2679385" y="4646543"/>
+              <a:ext cx="735328" cy="252319"/>
+            </a:xfrm>
+            <a:prstGeom prst="line">
+              <a:avLst/>
+            </a:prstGeom>
+            <a:ln w="19050">
+              <a:solidFill>
+                <a:schemeClr val="tx1"/>
+              </a:solidFill>
+              <a:prstDash val="dash"/>
+            </a:ln>
+          </p:spPr>
+          <p:style>
+            <a:lnRef idx="1">
+              <a:schemeClr val="accent1"/>
+            </a:lnRef>
+            <a:fillRef idx="0">
+              <a:schemeClr val="accent1"/>
+            </a:fillRef>
+            <a:effectRef idx="0">
+              <a:schemeClr val="accent1"/>
+            </a:effectRef>
+            <a:fontRef idx="minor">
+              <a:schemeClr val="tx1"/>
+            </a:fontRef>
+          </p:style>
+        </p:cxnSp>
+        <p:cxnSp>
+          <p:nvCxnSpPr>
+            <p:cNvPr id="9" name="직선 연결선 8">
+              <a:extLst>
+                <a:ext uri="{FF2B5EF4-FFF2-40B4-BE49-F238E27FC236}">
+                  <a16:creationId xmlns:a16="http://schemas.microsoft.com/office/drawing/2014/main" id="{FE90F162-7E63-0EE3-974A-3CFFB03E5D0E}"/>
+                </a:ext>
+              </a:extLst>
+            </p:cNvPr>
+            <p:cNvCxnSpPr>
+              <a:cxnSpLocks/>
+            </p:cNvCxnSpPr>
+            <p:nvPr/>
+          </p:nvCxnSpPr>
+          <p:spPr>
+            <a:xfrm flipH="1" flipV="1">
+              <a:off x="2755664" y="4678164"/>
+              <a:ext cx="2196565" cy="957951"/>
+            </a:xfrm>
+            <a:prstGeom prst="line">
+              <a:avLst/>
+            </a:prstGeom>
+            <a:ln w="19050">
+              <a:solidFill>
+                <a:schemeClr val="tx1"/>
+              </a:solidFill>
+              <a:prstDash val="dash"/>
+            </a:ln>
+          </p:spPr>
+          <p:style>
+            <a:lnRef idx="1">
+              <a:schemeClr val="accent1"/>
+            </a:lnRef>
+            <a:fillRef idx="0">
+              <a:schemeClr val="accent1"/>
+            </a:fillRef>
+            <a:effectRef idx="0">
+              <a:schemeClr val="accent1"/>
+            </a:effectRef>
+            <a:fontRef idx="minor">
+              <a:schemeClr val="tx1"/>
+            </a:fontRef>
+          </p:style>
+        </p:cxnSp>
+      </p:grpSp>
+      <p:grpSp>
+        <p:nvGrpSpPr>
+          <p:cNvPr id="29" name="그룹 28">
+            <a:extLst>
+              <a:ext uri="{FF2B5EF4-FFF2-40B4-BE49-F238E27FC236}">
+                <a16:creationId xmlns:a16="http://schemas.microsoft.com/office/drawing/2014/main" id="{5232DAA8-B563-12CC-3873-B16CC60536C9}"/>
+              </a:ext>
+            </a:extLst>
+          </p:cNvPr>
+          <p:cNvGrpSpPr/>
+          <p:nvPr/>
+        </p:nvGrpSpPr>
+        <p:grpSpPr>
+          <a:xfrm>
+            <a:off x="6096000" y="4204618"/>
+            <a:ext cx="2930675" cy="1196267"/>
+            <a:chOff x="6096000" y="4204618"/>
+            <a:chExt cx="2930675" cy="1196267"/>
+          </a:xfrm>
+        </p:grpSpPr>
+        <p:cxnSp>
+          <p:nvCxnSpPr>
+            <p:cNvPr id="21" name="직선 연결선 20">
+              <a:extLst>
+                <a:ext uri="{FF2B5EF4-FFF2-40B4-BE49-F238E27FC236}">
+                  <a16:creationId xmlns:a16="http://schemas.microsoft.com/office/drawing/2014/main" id="{27E5417F-A2B1-143D-B848-6CC9CDD9EFD4}"/>
+                </a:ext>
+              </a:extLst>
+            </p:cNvPr>
+            <p:cNvCxnSpPr>
+              <a:cxnSpLocks/>
+            </p:cNvCxnSpPr>
+            <p:nvPr/>
+          </p:nvCxnSpPr>
+          <p:spPr>
+            <a:xfrm flipH="1" flipV="1">
+              <a:off x="6096000" y="5100165"/>
+              <a:ext cx="689546" cy="300720"/>
+            </a:xfrm>
+            <a:prstGeom prst="line">
+              <a:avLst/>
+            </a:prstGeom>
+            <a:ln w="19050">
+              <a:solidFill>
+                <a:schemeClr val="tx1"/>
+              </a:solidFill>
+              <a:prstDash val="dash"/>
+            </a:ln>
+          </p:spPr>
+          <p:style>
+            <a:lnRef idx="1">
+              <a:schemeClr val="accent1"/>
+            </a:lnRef>
+            <a:fillRef idx="0">
+              <a:schemeClr val="accent1"/>
+            </a:fillRef>
+            <a:effectRef idx="0">
+              <a:schemeClr val="accent1"/>
+            </a:effectRef>
+            <a:fontRef idx="minor">
+              <a:schemeClr val="tx1"/>
+            </a:fontRef>
+          </p:style>
+        </p:cxnSp>
+        <p:cxnSp>
+          <p:nvCxnSpPr>
+            <p:cNvPr id="23" name="직선 연결선 22">
+              <a:extLst>
+                <a:ext uri="{FF2B5EF4-FFF2-40B4-BE49-F238E27FC236}">
+                  <a16:creationId xmlns:a16="http://schemas.microsoft.com/office/drawing/2014/main" id="{3566CF7A-1F5C-AD60-4F22-1E37290E3473}"/>
+                </a:ext>
+              </a:extLst>
+            </p:cNvPr>
+            <p:cNvCxnSpPr>
+              <a:cxnSpLocks/>
+            </p:cNvCxnSpPr>
+            <p:nvPr/>
+          </p:nvCxnSpPr>
+          <p:spPr>
+            <a:xfrm flipH="1" flipV="1">
+              <a:off x="8337129" y="4204618"/>
+              <a:ext cx="689546" cy="300720"/>
+            </a:xfrm>
+            <a:prstGeom prst="line">
+              <a:avLst/>
+            </a:prstGeom>
+            <a:ln w="19050">
+              <a:solidFill>
+                <a:schemeClr val="tx1"/>
+              </a:solidFill>
+              <a:prstDash val="dash"/>
+            </a:ln>
+          </p:spPr>
+          <p:style>
+            <a:lnRef idx="1">
+              <a:schemeClr val="accent1"/>
+            </a:lnRef>
+            <a:fillRef idx="0">
+              <a:schemeClr val="accent1"/>
+            </a:fillRef>
+            <a:effectRef idx="0">
+              <a:schemeClr val="accent1"/>
+            </a:effectRef>
+            <a:fontRef idx="minor">
+              <a:schemeClr val="tx1"/>
+            </a:fontRef>
+          </p:style>
+        </p:cxnSp>
+        <p:cxnSp>
+          <p:nvCxnSpPr>
+            <p:cNvPr id="24" name="직선 연결선 23">
+              <a:extLst>
+                <a:ext uri="{FF2B5EF4-FFF2-40B4-BE49-F238E27FC236}">
+                  <a16:creationId xmlns:a16="http://schemas.microsoft.com/office/drawing/2014/main" id="{44957821-ADFE-5BCD-C1A0-911B4A5DA36D}"/>
+                </a:ext>
+              </a:extLst>
+            </p:cNvPr>
+            <p:cNvCxnSpPr>
+              <a:cxnSpLocks/>
+            </p:cNvCxnSpPr>
+            <p:nvPr/>
+          </p:nvCxnSpPr>
+          <p:spPr>
+            <a:xfrm flipH="1">
+              <a:off x="6213094" y="4204618"/>
+              <a:ext cx="2723516" cy="1090195"/>
+            </a:xfrm>
+            <a:prstGeom prst="line">
+              <a:avLst/>
+            </a:prstGeom>
+            <a:ln w="19050">
+              <a:solidFill>
+                <a:schemeClr val="tx1"/>
+              </a:solidFill>
+              <a:prstDash val="dash"/>
+            </a:ln>
+          </p:spPr>
+          <p:style>
+            <a:lnRef idx="1">
+              <a:schemeClr val="accent1"/>
+            </a:lnRef>
+            <a:fillRef idx="0">
+              <a:schemeClr val="accent1"/>
+            </a:fillRef>
+            <a:effectRef idx="0">
+              <a:schemeClr val="accent1"/>
+            </a:effectRef>
+            <a:fontRef idx="minor">
+              <a:schemeClr val="tx1"/>
+            </a:fontRef>
+          </p:style>
+        </p:cxnSp>
+      </p:grpSp>
+      <p:sp>
+        <p:nvSpPr>
+          <p:cNvPr id="26" name="TextBox 25">
+            <a:extLst>
+              <a:ext uri="{FF2B5EF4-FFF2-40B4-BE49-F238E27FC236}">
+                <a16:creationId xmlns:a16="http://schemas.microsoft.com/office/drawing/2014/main" id="{4C6FB975-83E2-9189-B43A-42302EBAF597}"/>
+              </a:ext>
+            </a:extLst>
+          </p:cNvPr>
+          <p:cNvSpPr txBox="1"/>
+          <p:nvPr/>
+        </p:nvSpPr>
+        <p:spPr>
+          <a:xfrm>
+            <a:off x="3533399" y="4959691"/>
+            <a:ext cx="735328" cy="523220"/>
+          </a:xfrm>
+          <a:prstGeom prst="rect">
+            <a:avLst/>
+          </a:prstGeom>
+          <a:noFill/>
+        </p:spPr>
+        <p:txBody>
+          <a:bodyPr wrap="square" rtlCol="0">
+            <a:spAutoFit/>
+          </a:bodyPr>
+          <a:lstStyle/>
+          <a:p>
+            <a:r>
+              <a:rPr lang="en-US" altLang="ko-KR" sz="2800" b="1" dirty="0">
+                <a:latin typeface="현대 LOGO" panose="02020603020101020101" pitchFamily="18" charset="-127"/>
+                <a:ea typeface="현대 LOGO" panose="02020603020101020101" pitchFamily="18" charset="-127"/>
+              </a:rPr>
+              <a:t>w</a:t>
+            </a:r>
+            <a:endParaRPr lang="ko-KR" altLang="en-US" sz="2800" b="1" dirty="0">
+              <a:latin typeface="현대 LOGO" panose="02020603020101020101" pitchFamily="18" charset="-127"/>
+              <a:ea typeface="현대 LOGO" panose="02020603020101020101" pitchFamily="18" charset="-127"/>
+            </a:endParaRPr>
+          </a:p>
+        </p:txBody>
+      </p:sp>
+      <p:sp>
+        <p:nvSpPr>
+          <p:cNvPr id="28" name="TextBox 27">
+            <a:extLst>
+              <a:ext uri="{FF2B5EF4-FFF2-40B4-BE49-F238E27FC236}">
+                <a16:creationId xmlns:a16="http://schemas.microsoft.com/office/drawing/2014/main" id="{A29AACF2-20F2-A323-C077-6CFDCDD86ECC}"/>
+              </a:ext>
+            </a:extLst>
+          </p:cNvPr>
+          <p:cNvSpPr txBox="1"/>
+          <p:nvPr/>
+        </p:nvSpPr>
+        <p:spPr>
+          <a:xfrm>
+            <a:off x="7517064" y="4761092"/>
+            <a:ext cx="735328" cy="523220"/>
+          </a:xfrm>
+          <a:prstGeom prst="rect">
+            <a:avLst/>
+          </a:prstGeom>
+          <a:noFill/>
+        </p:spPr>
+        <p:txBody>
+          <a:bodyPr wrap="square" rtlCol="0">
+            <a:spAutoFit/>
+          </a:bodyPr>
+          <a:lstStyle/>
+          <a:p>
+            <a:r>
+              <a:rPr lang="en-US" altLang="ko-KR" sz="2800" b="1" dirty="0">
+                <a:latin typeface="현대 LOGO" panose="02020603020101020101" pitchFamily="18" charset="-127"/>
+                <a:ea typeface="현대 LOGO" panose="02020603020101020101" pitchFamily="18" charset="-127"/>
+              </a:rPr>
+              <a:t>l</a:t>
+            </a:r>
+            <a:endParaRPr lang="ko-KR" altLang="en-US" sz="2800" b="1" dirty="0">
+              <a:latin typeface="현대 LOGO" panose="02020603020101020101" pitchFamily="18" charset="-127"/>
+              <a:ea typeface="현대 LOGO" panose="02020603020101020101" pitchFamily="18" charset="-127"/>
+            </a:endParaRPr>
+          </a:p>
+        </p:txBody>
+      </p:sp>
     </p:spTree>
     <p:extLst>
       <p:ext uri="{BB962C8B-B14F-4D97-AF65-F5344CB8AC3E}">

--- a/hecCalc/2023/documentum/logo/logo.pptx
+++ b/hecCalc/2023/documentum/logo/logo.pptx
@@ -12,6 +12,7 @@
     <p:sldId id="260" r:id="rId6"/>
     <p:sldId id="261" r:id="rId7"/>
     <p:sldId id="262" r:id="rId8"/>
+    <p:sldId id="263" r:id="rId9"/>
   </p:sldIdLst>
   <p:sldSz cx="12192000" cy="6858000"/>
   <p:notesSz cx="6858000" cy="9144000"/>
@@ -265,7 +266,7 @@
           <a:p>
             <a:fld id="{2BD9FA74-BDC4-474D-9A42-59EE67DE1B02}" type="datetimeFigureOut">
               <a:rPr lang="ko-KR" altLang="en-US" smtClean="0"/>
-              <a:t>2024-01-22</a:t>
+              <a:t>2024-01-30</a:t>
             </a:fld>
             <a:endParaRPr lang="ko-KR" altLang="en-US"/>
           </a:p>
@@ -463,7 +464,7 @@
           <a:p>
             <a:fld id="{2BD9FA74-BDC4-474D-9A42-59EE67DE1B02}" type="datetimeFigureOut">
               <a:rPr lang="ko-KR" altLang="en-US" smtClean="0"/>
-              <a:t>2024-01-22</a:t>
+              <a:t>2024-01-30</a:t>
             </a:fld>
             <a:endParaRPr lang="ko-KR" altLang="en-US"/>
           </a:p>
@@ -671,7 +672,7 @@
           <a:p>
             <a:fld id="{2BD9FA74-BDC4-474D-9A42-59EE67DE1B02}" type="datetimeFigureOut">
               <a:rPr lang="ko-KR" altLang="en-US" smtClean="0"/>
-              <a:t>2024-01-22</a:t>
+              <a:t>2024-01-30</a:t>
             </a:fld>
             <a:endParaRPr lang="ko-KR" altLang="en-US"/>
           </a:p>
@@ -869,7 +870,7 @@
           <a:p>
             <a:fld id="{2BD9FA74-BDC4-474D-9A42-59EE67DE1B02}" type="datetimeFigureOut">
               <a:rPr lang="ko-KR" altLang="en-US" smtClean="0"/>
-              <a:t>2024-01-22</a:t>
+              <a:t>2024-01-30</a:t>
             </a:fld>
             <a:endParaRPr lang="ko-KR" altLang="en-US"/>
           </a:p>
@@ -1144,7 +1145,7 @@
           <a:p>
             <a:fld id="{2BD9FA74-BDC4-474D-9A42-59EE67DE1B02}" type="datetimeFigureOut">
               <a:rPr lang="ko-KR" altLang="en-US" smtClean="0"/>
-              <a:t>2024-01-22</a:t>
+              <a:t>2024-01-30</a:t>
             </a:fld>
             <a:endParaRPr lang="ko-KR" altLang="en-US"/>
           </a:p>
@@ -1409,7 +1410,7 @@
           <a:p>
             <a:fld id="{2BD9FA74-BDC4-474D-9A42-59EE67DE1B02}" type="datetimeFigureOut">
               <a:rPr lang="ko-KR" altLang="en-US" smtClean="0"/>
-              <a:t>2024-01-22</a:t>
+              <a:t>2024-01-30</a:t>
             </a:fld>
             <a:endParaRPr lang="ko-KR" altLang="en-US"/>
           </a:p>
@@ -1821,7 +1822,7 @@
           <a:p>
             <a:fld id="{2BD9FA74-BDC4-474D-9A42-59EE67DE1B02}" type="datetimeFigureOut">
               <a:rPr lang="ko-KR" altLang="en-US" smtClean="0"/>
-              <a:t>2024-01-22</a:t>
+              <a:t>2024-01-30</a:t>
             </a:fld>
             <a:endParaRPr lang="ko-KR" altLang="en-US"/>
           </a:p>
@@ -1962,7 +1963,7 @@
           <a:p>
             <a:fld id="{2BD9FA74-BDC4-474D-9A42-59EE67DE1B02}" type="datetimeFigureOut">
               <a:rPr lang="ko-KR" altLang="en-US" smtClean="0"/>
-              <a:t>2024-01-22</a:t>
+              <a:t>2024-01-30</a:t>
             </a:fld>
             <a:endParaRPr lang="ko-KR" altLang="en-US"/>
           </a:p>
@@ -2075,7 +2076,7 @@
           <a:p>
             <a:fld id="{2BD9FA74-BDC4-474D-9A42-59EE67DE1B02}" type="datetimeFigureOut">
               <a:rPr lang="ko-KR" altLang="en-US" smtClean="0"/>
-              <a:t>2024-01-22</a:t>
+              <a:t>2024-01-30</a:t>
             </a:fld>
             <a:endParaRPr lang="ko-KR" altLang="en-US"/>
           </a:p>
@@ -2386,7 +2387,7 @@
           <a:p>
             <a:fld id="{2BD9FA74-BDC4-474D-9A42-59EE67DE1B02}" type="datetimeFigureOut">
               <a:rPr lang="ko-KR" altLang="en-US" smtClean="0"/>
-              <a:t>2024-01-22</a:t>
+              <a:t>2024-01-30</a:t>
             </a:fld>
             <a:endParaRPr lang="ko-KR" altLang="en-US"/>
           </a:p>
@@ -2674,7 +2675,7 @@
           <a:p>
             <a:fld id="{2BD9FA74-BDC4-474D-9A42-59EE67DE1B02}" type="datetimeFigureOut">
               <a:rPr lang="ko-KR" altLang="en-US" smtClean="0"/>
-              <a:t>2024-01-22</a:t>
+              <a:t>2024-01-30</a:t>
             </a:fld>
             <a:endParaRPr lang="ko-KR" altLang="en-US"/>
           </a:p>
@@ -2915,7 +2916,7 @@
           <a:p>
             <a:fld id="{2BD9FA74-BDC4-474D-9A42-59EE67DE1B02}" type="datetimeFigureOut">
               <a:rPr lang="ko-KR" altLang="en-US" smtClean="0"/>
-              <a:t>2024-01-22</a:t>
+              <a:t>2024-01-30</a:t>
             </a:fld>
             <a:endParaRPr lang="ko-KR" altLang="en-US"/>
           </a:p>
@@ -6864,6 +6865,274 @@
 </p:sld>
 </file>
 
+<file path=ppt/slides/slide8.xml><?xml version="1.0" encoding="utf-8"?>
+<p:sld xmlns:a="http://schemas.openxmlformats.org/drawingml/2006/main" xmlns:r="http://schemas.openxmlformats.org/officeDocument/2006/relationships" xmlns:p="http://schemas.openxmlformats.org/presentationml/2006/main">
+  <p:cSld>
+    <p:spTree>
+      <p:nvGrpSpPr>
+        <p:cNvPr id="1" name=""/>
+        <p:cNvGrpSpPr/>
+        <p:nvPr/>
+      </p:nvGrpSpPr>
+      <p:grpSpPr>
+        <a:xfrm>
+          <a:off x="0" y="0"/>
+          <a:ext cx="0" cy="0"/>
+          <a:chOff x="0" y="0"/>
+          <a:chExt cx="0" cy="0"/>
+        </a:xfrm>
+      </p:grpSpPr>
+      <p:sp>
+        <p:nvSpPr>
+          <p:cNvPr id="4" name="직사각형 3">
+            <a:extLst>
+              <a:ext uri="{FF2B5EF4-FFF2-40B4-BE49-F238E27FC236}">
+                <a16:creationId xmlns:a16="http://schemas.microsoft.com/office/drawing/2014/main" id="{5B59021A-5962-76D9-86E9-230448F20ECC}"/>
+              </a:ext>
+            </a:extLst>
+          </p:cNvPr>
+          <p:cNvSpPr/>
+          <p:nvPr/>
+        </p:nvSpPr>
+        <p:spPr>
+          <a:xfrm>
+            <a:off x="2522104" y="5977"/>
+            <a:ext cx="6852023" cy="6852023"/>
+          </a:xfrm>
+          <a:prstGeom prst="rect">
+            <a:avLst/>
+          </a:prstGeom>
+          <a:solidFill>
+            <a:schemeClr val="bg1"/>
+          </a:solidFill>
+          <a:ln>
+            <a:noFill/>
+          </a:ln>
+        </p:spPr>
+        <p:style>
+          <a:lnRef idx="2">
+            <a:schemeClr val="accent1">
+              <a:shade val="15000"/>
+            </a:schemeClr>
+          </a:lnRef>
+          <a:fillRef idx="1">
+            <a:schemeClr val="accent1"/>
+          </a:fillRef>
+          <a:effectRef idx="0">
+            <a:schemeClr val="accent1"/>
+          </a:effectRef>
+          <a:fontRef idx="minor">
+            <a:schemeClr val="lt1"/>
+          </a:fontRef>
+        </p:style>
+        <p:txBody>
+          <a:bodyPr rtlCol="0" anchor="ctr"/>
+          <a:lstStyle/>
+          <a:p>
+            <a:pPr algn="ctr"/>
+            <a:endParaRPr lang="ko-KR" altLang="en-US"/>
+          </a:p>
+        </p:txBody>
+      </p:sp>
+      <p:pic>
+        <p:nvPicPr>
+          <p:cNvPr id="1026" name="Picture 2" descr="(A) Wall material area when the wall is outside the column. (B) Wall material area when drawing the wall through the column. (C) Wall material area decreased after using the Join Geometry tool. The red line shows the areas of the finish layers that are missing from the model. Bečvarovská and Matějka [3] suggested that BIM models need to be made as close to the real construction as possible in order to perform an accurate quantity takeoff. Nevertheless, editing the model or creating each wall layer separately is time-consuming and impractical for the early stages of the design as the design will change many times.">
+            <a:extLst>
+              <a:ext uri="{FF2B5EF4-FFF2-40B4-BE49-F238E27FC236}">
+                <a16:creationId xmlns:a16="http://schemas.microsoft.com/office/drawing/2014/main" id="{42FECEA5-5020-C4E4-68C9-0A973F461D69}"/>
+              </a:ext>
+            </a:extLst>
+          </p:cNvPr>
+          <p:cNvPicPr>
+            <a:picLocks noChangeAspect="1" noChangeArrowheads="1"/>
+          </p:cNvPicPr>
+          <p:nvPr/>
+        </p:nvPicPr>
+        <p:blipFill rotWithShape="1">
+          <a:blip r:embed="rId2">
+            <a:extLst>
+              <a:ext uri="{28A0092B-C50C-407E-A947-70E740481C1C}">
+                <a14:useLocalDpi xmlns:a14="http://schemas.microsoft.com/office/drawing/2010/main" val="0"/>
+              </a:ext>
+            </a:extLst>
+          </a:blip>
+          <a:srcRect l="39211" t="8822" r="5134" b="36038"/>
+          <a:stretch/>
+        </p:blipFill>
+        <p:spPr bwMode="auto">
+          <a:xfrm>
+            <a:off x="2751208" y="2042918"/>
+            <a:ext cx="6393813" cy="3130024"/>
+          </a:xfrm>
+          <a:prstGeom prst="rect">
+            <a:avLst/>
+          </a:prstGeom>
+          <a:noFill/>
+          <a:extLst>
+            <a:ext uri="{909E8E84-426E-40DD-AFC4-6F175D3DCCD1}">
+              <a14:hiddenFill xmlns:a14="http://schemas.microsoft.com/office/drawing/2010/main">
+                <a:solidFill>
+                  <a:srgbClr val="FFFFFF"/>
+                </a:solidFill>
+              </a14:hiddenFill>
+            </a:ext>
+          </a:extLst>
+        </p:spPr>
+      </p:pic>
+      <p:sp>
+        <p:nvSpPr>
+          <p:cNvPr id="5" name="TextBox 4">
+            <a:extLst>
+              <a:ext uri="{FF2B5EF4-FFF2-40B4-BE49-F238E27FC236}">
+                <a16:creationId xmlns:a16="http://schemas.microsoft.com/office/drawing/2014/main" id="{90EDAB6A-8DBA-1061-DD6F-7D278A327BF3}"/>
+              </a:ext>
+            </a:extLst>
+          </p:cNvPr>
+          <p:cNvSpPr txBox="1"/>
+          <p:nvPr/>
+        </p:nvSpPr>
+        <p:spPr>
+          <a:xfrm>
+            <a:off x="3089424" y="842589"/>
+            <a:ext cx="4377754" cy="1200329"/>
+          </a:xfrm>
+          <a:prstGeom prst="rect">
+            <a:avLst/>
+          </a:prstGeom>
+          <a:noFill/>
+        </p:spPr>
+        <p:txBody>
+          <a:bodyPr wrap="square" rtlCol="0">
+            <a:spAutoFit/>
+          </a:bodyPr>
+          <a:lstStyle/>
+          <a:p>
+            <a:r>
+              <a:rPr lang="en-US" altLang="ko-KR" sz="3600" b="1" dirty="0">
+                <a:solidFill>
+                  <a:srgbClr val="FF00FF"/>
+                </a:solidFill>
+                <a:latin typeface="현대 LOGO" panose="02020603020101020101" pitchFamily="18" charset="-127"/>
+                <a:ea typeface="현대 LOGO" panose="02020603020101020101" pitchFamily="18" charset="-127"/>
+              </a:rPr>
+              <a:t>Element join order</a:t>
+            </a:r>
+            <a:endParaRPr lang="ko-KR" altLang="en-US" sz="3600" b="1" dirty="0">
+              <a:solidFill>
+                <a:srgbClr val="FF00FF"/>
+              </a:solidFill>
+              <a:latin typeface="현대 LOGO" panose="02020603020101020101" pitchFamily="18" charset="-127"/>
+              <a:ea typeface="현대 LOGO" panose="02020603020101020101" pitchFamily="18" charset="-127"/>
+            </a:endParaRPr>
+          </a:p>
+        </p:txBody>
+      </p:sp>
+      <p:sp>
+        <p:nvSpPr>
+          <p:cNvPr id="6" name="TextBox 5">
+            <a:extLst>
+              <a:ext uri="{FF2B5EF4-FFF2-40B4-BE49-F238E27FC236}">
+                <a16:creationId xmlns:a16="http://schemas.microsoft.com/office/drawing/2014/main" id="{1DCC03C5-1EEA-8337-DD35-C6EAAF778896}"/>
+              </a:ext>
+            </a:extLst>
+          </p:cNvPr>
+          <p:cNvSpPr txBox="1"/>
+          <p:nvPr/>
+        </p:nvSpPr>
+        <p:spPr>
+          <a:xfrm>
+            <a:off x="4911366" y="5498029"/>
+            <a:ext cx="3919356" cy="707886"/>
+          </a:xfrm>
+          <a:prstGeom prst="rect">
+            <a:avLst/>
+          </a:prstGeom>
+          <a:noFill/>
+        </p:spPr>
+        <p:txBody>
+          <a:bodyPr wrap="square" rtlCol="0">
+            <a:spAutoFit/>
+          </a:bodyPr>
+          <a:lstStyle/>
+          <a:p>
+            <a:r>
+              <a:rPr lang="en-US" altLang="ko-KR" sz="4000" b="1" dirty="0">
+                <a:solidFill>
+                  <a:srgbClr val="0000FF"/>
+                </a:solidFill>
+                <a:latin typeface="현대 LOGO" panose="02020603020101020101" pitchFamily="18" charset="-127"/>
+                <a:ea typeface="현대 LOGO" panose="02020603020101020101" pitchFamily="18" charset="-127"/>
+              </a:rPr>
+              <a:t>organizer</a:t>
+            </a:r>
+            <a:endParaRPr lang="ko-KR" altLang="en-US" sz="4000" b="1" dirty="0">
+              <a:solidFill>
+                <a:srgbClr val="0000FF"/>
+              </a:solidFill>
+              <a:latin typeface="현대 LOGO" panose="02020603020101020101" pitchFamily="18" charset="-127"/>
+              <a:ea typeface="현대 LOGO" panose="02020603020101020101" pitchFamily="18" charset="-127"/>
+            </a:endParaRPr>
+          </a:p>
+        </p:txBody>
+      </p:sp>
+      <p:cxnSp>
+        <p:nvCxnSpPr>
+          <p:cNvPr id="8" name="직선 화살표 연결선 7">
+            <a:extLst>
+              <a:ext uri="{FF2B5EF4-FFF2-40B4-BE49-F238E27FC236}">
+                <a16:creationId xmlns:a16="http://schemas.microsoft.com/office/drawing/2014/main" id="{694967BE-EB8A-07C4-0390-F3B9B5FD5B65}"/>
+              </a:ext>
+            </a:extLst>
+          </p:cNvPr>
+          <p:cNvCxnSpPr>
+            <a:cxnSpLocks/>
+          </p:cNvCxnSpPr>
+          <p:nvPr/>
+        </p:nvCxnSpPr>
+        <p:spPr>
+          <a:xfrm>
+            <a:off x="5733143" y="3607930"/>
+            <a:ext cx="580571" cy="0"/>
+          </a:xfrm>
+          <a:prstGeom prst="straightConnector1">
+            <a:avLst/>
+          </a:prstGeom>
+          <a:ln w="63500">
+            <a:solidFill>
+              <a:schemeClr val="tx1"/>
+            </a:solidFill>
+            <a:headEnd w="med" len="med"/>
+            <a:tailEnd type="triangle" w="lg" len="med"/>
+          </a:ln>
+        </p:spPr>
+        <p:style>
+          <a:lnRef idx="1">
+            <a:schemeClr val="accent1"/>
+          </a:lnRef>
+          <a:fillRef idx="0">
+            <a:schemeClr val="accent1"/>
+          </a:fillRef>
+          <a:effectRef idx="0">
+            <a:schemeClr val="accent1"/>
+          </a:effectRef>
+          <a:fontRef idx="minor">
+            <a:schemeClr val="tx1"/>
+          </a:fontRef>
+        </p:style>
+      </p:cxnSp>
+    </p:spTree>
+    <p:extLst>
+      <p:ext uri="{BB962C8B-B14F-4D97-AF65-F5344CB8AC3E}">
+        <p14:creationId xmlns:p14="http://schemas.microsoft.com/office/powerpoint/2010/main" val="3660026086"/>
+      </p:ext>
+    </p:extLst>
+  </p:cSld>
+  <p:clrMapOvr>
+    <a:masterClrMapping/>
+  </p:clrMapOvr>
+</p:sld>
+</file>
+
 <file path=ppt/theme/theme1.xml><?xml version="1.0" encoding="utf-8"?>
 <a:theme xmlns:a="http://schemas.openxmlformats.org/drawingml/2006/main" name="Office 테마">
   <a:themeElements>

--- a/hecCalc/2023/documentum/logo/logo.pptx
+++ b/hecCalc/2023/documentum/logo/logo.pptx
@@ -13,6 +13,8 @@
     <p:sldId id="261" r:id="rId7"/>
     <p:sldId id="262" r:id="rId8"/>
     <p:sldId id="263" r:id="rId9"/>
+    <p:sldId id="264" r:id="rId10"/>
+    <p:sldId id="265" r:id="rId11"/>
   </p:sldIdLst>
   <p:sldSz cx="12192000" cy="6858000"/>
   <p:notesSz cx="6858000" cy="9144000"/>
@@ -266,7 +268,7 @@
           <a:p>
             <a:fld id="{2BD9FA74-BDC4-474D-9A42-59EE67DE1B02}" type="datetimeFigureOut">
               <a:rPr lang="ko-KR" altLang="en-US" smtClean="0"/>
-              <a:t>2024-01-30</a:t>
+              <a:t>2024-02-06</a:t>
             </a:fld>
             <a:endParaRPr lang="ko-KR" altLang="en-US"/>
           </a:p>
@@ -464,7 +466,7 @@
           <a:p>
             <a:fld id="{2BD9FA74-BDC4-474D-9A42-59EE67DE1B02}" type="datetimeFigureOut">
               <a:rPr lang="ko-KR" altLang="en-US" smtClean="0"/>
-              <a:t>2024-01-30</a:t>
+              <a:t>2024-02-06</a:t>
             </a:fld>
             <a:endParaRPr lang="ko-KR" altLang="en-US"/>
           </a:p>
@@ -672,7 +674,7 @@
           <a:p>
             <a:fld id="{2BD9FA74-BDC4-474D-9A42-59EE67DE1B02}" type="datetimeFigureOut">
               <a:rPr lang="ko-KR" altLang="en-US" smtClean="0"/>
-              <a:t>2024-01-30</a:t>
+              <a:t>2024-02-06</a:t>
             </a:fld>
             <a:endParaRPr lang="ko-KR" altLang="en-US"/>
           </a:p>
@@ -870,7 +872,7 @@
           <a:p>
             <a:fld id="{2BD9FA74-BDC4-474D-9A42-59EE67DE1B02}" type="datetimeFigureOut">
               <a:rPr lang="ko-KR" altLang="en-US" smtClean="0"/>
-              <a:t>2024-01-30</a:t>
+              <a:t>2024-02-06</a:t>
             </a:fld>
             <a:endParaRPr lang="ko-KR" altLang="en-US"/>
           </a:p>
@@ -1145,7 +1147,7 @@
           <a:p>
             <a:fld id="{2BD9FA74-BDC4-474D-9A42-59EE67DE1B02}" type="datetimeFigureOut">
               <a:rPr lang="ko-KR" altLang="en-US" smtClean="0"/>
-              <a:t>2024-01-30</a:t>
+              <a:t>2024-02-06</a:t>
             </a:fld>
             <a:endParaRPr lang="ko-KR" altLang="en-US"/>
           </a:p>
@@ -1410,7 +1412,7 @@
           <a:p>
             <a:fld id="{2BD9FA74-BDC4-474D-9A42-59EE67DE1B02}" type="datetimeFigureOut">
               <a:rPr lang="ko-KR" altLang="en-US" smtClean="0"/>
-              <a:t>2024-01-30</a:t>
+              <a:t>2024-02-06</a:t>
             </a:fld>
             <a:endParaRPr lang="ko-KR" altLang="en-US"/>
           </a:p>
@@ -1822,7 +1824,7 @@
           <a:p>
             <a:fld id="{2BD9FA74-BDC4-474D-9A42-59EE67DE1B02}" type="datetimeFigureOut">
               <a:rPr lang="ko-KR" altLang="en-US" smtClean="0"/>
-              <a:t>2024-01-30</a:t>
+              <a:t>2024-02-06</a:t>
             </a:fld>
             <a:endParaRPr lang="ko-KR" altLang="en-US"/>
           </a:p>
@@ -1963,7 +1965,7 @@
           <a:p>
             <a:fld id="{2BD9FA74-BDC4-474D-9A42-59EE67DE1B02}" type="datetimeFigureOut">
               <a:rPr lang="ko-KR" altLang="en-US" smtClean="0"/>
-              <a:t>2024-01-30</a:t>
+              <a:t>2024-02-06</a:t>
             </a:fld>
             <a:endParaRPr lang="ko-KR" altLang="en-US"/>
           </a:p>
@@ -2076,7 +2078,7 @@
           <a:p>
             <a:fld id="{2BD9FA74-BDC4-474D-9A42-59EE67DE1B02}" type="datetimeFigureOut">
               <a:rPr lang="ko-KR" altLang="en-US" smtClean="0"/>
-              <a:t>2024-01-30</a:t>
+              <a:t>2024-02-06</a:t>
             </a:fld>
             <a:endParaRPr lang="ko-KR" altLang="en-US"/>
           </a:p>
@@ -2387,7 +2389,7 @@
           <a:p>
             <a:fld id="{2BD9FA74-BDC4-474D-9A42-59EE67DE1B02}" type="datetimeFigureOut">
               <a:rPr lang="ko-KR" altLang="en-US" smtClean="0"/>
-              <a:t>2024-01-30</a:t>
+              <a:t>2024-02-06</a:t>
             </a:fld>
             <a:endParaRPr lang="ko-KR" altLang="en-US"/>
           </a:p>
@@ -2675,7 +2677,7 @@
           <a:p>
             <a:fld id="{2BD9FA74-BDC4-474D-9A42-59EE67DE1B02}" type="datetimeFigureOut">
               <a:rPr lang="ko-KR" altLang="en-US" smtClean="0"/>
-              <a:t>2024-01-30</a:t>
+              <a:t>2024-02-06</a:t>
             </a:fld>
             <a:endParaRPr lang="ko-KR" altLang="en-US"/>
           </a:p>
@@ -2916,7 +2918,7 @@
           <a:p>
             <a:fld id="{2BD9FA74-BDC4-474D-9A42-59EE67DE1B02}" type="datetimeFigureOut">
               <a:rPr lang="ko-KR" altLang="en-US" smtClean="0"/>
-              <a:t>2024-01-30</a:t>
+              <a:t>2024-02-06</a:t>
             </a:fld>
             <a:endParaRPr lang="ko-KR" altLang="en-US"/>
           </a:p>
@@ -3486,6 +3488,71 @@
     <p:extLst>
       <p:ext uri="{BB962C8B-B14F-4D97-AF65-F5344CB8AC3E}">
         <p14:creationId xmlns:p14="http://schemas.microsoft.com/office/powerpoint/2010/main" val="3235557996"/>
+      </p:ext>
+    </p:extLst>
+  </p:cSld>
+  <p:clrMapOvr>
+    <a:masterClrMapping/>
+  </p:clrMapOvr>
+</p:sld>
+</file>
+
+<file path=ppt/slides/slide10.xml><?xml version="1.0" encoding="utf-8"?>
+<p:sld xmlns:a="http://schemas.openxmlformats.org/drawingml/2006/main" xmlns:r="http://schemas.openxmlformats.org/officeDocument/2006/relationships" xmlns:p="http://schemas.openxmlformats.org/presentationml/2006/main">
+  <p:cSld>
+    <p:spTree>
+      <p:nvGrpSpPr>
+        <p:cNvPr id="1" name=""/>
+        <p:cNvGrpSpPr/>
+        <p:nvPr/>
+      </p:nvGrpSpPr>
+      <p:grpSpPr>
+        <a:xfrm>
+          <a:off x="0" y="0"/>
+          <a:ext cx="0" cy="0"/>
+          <a:chOff x="0" y="0"/>
+          <a:chExt cx="0" cy="0"/>
+        </a:xfrm>
+      </p:grpSpPr>
+      <p:pic>
+        <p:nvPicPr>
+          <p:cNvPr id="5" name="그림 4" descr="텍스트, 스크린샷, 폰트, 디자인이(가) 표시된 사진&#10;&#10;자동 생성된 설명">
+            <a:extLst>
+              <a:ext uri="{FF2B5EF4-FFF2-40B4-BE49-F238E27FC236}">
+                <a16:creationId xmlns:a16="http://schemas.microsoft.com/office/drawing/2014/main" id="{32C43BAB-9333-961E-9E95-F591F1BDB3AD}"/>
+              </a:ext>
+            </a:extLst>
+          </p:cNvPr>
+          <p:cNvPicPr>
+            <a:picLocks noChangeAspect="1"/>
+          </p:cNvPicPr>
+          <p:nvPr/>
+        </p:nvPicPr>
+        <p:blipFill rotWithShape="1">
+          <a:blip r:embed="rId2">
+            <a:extLst>
+              <a:ext uri="{28A0092B-C50C-407E-A947-70E740481C1C}">
+                <a14:useLocalDpi xmlns:a14="http://schemas.microsoft.com/office/drawing/2010/main" val="0"/>
+              </a:ext>
+            </a:extLst>
+          </a:blip>
+          <a:srcRect b="2037"/>
+          <a:stretch/>
+        </p:blipFill>
+        <p:spPr>
+          <a:xfrm>
+            <a:off x="2720236" y="0"/>
+            <a:ext cx="6751527" cy="6718300"/>
+          </a:xfrm>
+          <a:prstGeom prst="rect">
+            <a:avLst/>
+          </a:prstGeom>
+        </p:spPr>
+      </p:pic>
+    </p:spTree>
+    <p:extLst>
+      <p:ext uri="{BB962C8B-B14F-4D97-AF65-F5344CB8AC3E}">
+        <p14:creationId xmlns:p14="http://schemas.microsoft.com/office/powerpoint/2010/main" val="1232787252"/>
       </p:ext>
     </p:extLst>
   </p:cSld>
@@ -7133,6 +7200,770 @@
 </p:sld>
 </file>
 
+<file path=ppt/slides/slide9.xml><?xml version="1.0" encoding="utf-8"?>
+<p:sld xmlns:a="http://schemas.openxmlformats.org/drawingml/2006/main" xmlns:r="http://schemas.openxmlformats.org/officeDocument/2006/relationships" xmlns:p="http://schemas.openxmlformats.org/presentationml/2006/main">
+  <p:cSld>
+    <p:spTree>
+      <p:nvGrpSpPr>
+        <p:cNvPr id="1" name="">
+          <a:extLst>
+            <a:ext uri="{FF2B5EF4-FFF2-40B4-BE49-F238E27FC236}">
+              <a16:creationId xmlns:a16="http://schemas.microsoft.com/office/drawing/2014/main" id="{A07695AA-59E8-FB3A-204B-140C1FC9D097}"/>
+            </a:ext>
+          </a:extLst>
+        </p:cNvPr>
+        <p:cNvGrpSpPr/>
+        <p:nvPr/>
+      </p:nvGrpSpPr>
+      <p:grpSpPr>
+        <a:xfrm>
+          <a:off x="0" y="0"/>
+          <a:ext cx="0" cy="0"/>
+          <a:chOff x="0" y="0"/>
+          <a:chExt cx="0" cy="0"/>
+        </a:xfrm>
+      </p:grpSpPr>
+      <p:sp>
+        <p:nvSpPr>
+          <p:cNvPr id="4" name="직사각형 3">
+            <a:extLst>
+              <a:ext uri="{FF2B5EF4-FFF2-40B4-BE49-F238E27FC236}">
+                <a16:creationId xmlns:a16="http://schemas.microsoft.com/office/drawing/2014/main" id="{C36A8427-2B88-672B-78B0-DFA26CCF7412}"/>
+              </a:ext>
+            </a:extLst>
+          </p:cNvPr>
+          <p:cNvSpPr/>
+          <p:nvPr/>
+        </p:nvSpPr>
+        <p:spPr>
+          <a:xfrm>
+            <a:off x="2522104" y="5977"/>
+            <a:ext cx="6852023" cy="6852023"/>
+          </a:xfrm>
+          <a:prstGeom prst="rect">
+            <a:avLst/>
+          </a:prstGeom>
+          <a:solidFill>
+            <a:schemeClr val="bg1"/>
+          </a:solidFill>
+          <a:ln>
+            <a:noFill/>
+          </a:ln>
+        </p:spPr>
+        <p:style>
+          <a:lnRef idx="2">
+            <a:schemeClr val="accent1">
+              <a:shade val="15000"/>
+            </a:schemeClr>
+          </a:lnRef>
+          <a:fillRef idx="1">
+            <a:schemeClr val="accent1"/>
+          </a:fillRef>
+          <a:effectRef idx="0">
+            <a:schemeClr val="accent1"/>
+          </a:effectRef>
+          <a:fontRef idx="minor">
+            <a:schemeClr val="lt1"/>
+          </a:fontRef>
+        </p:style>
+        <p:txBody>
+          <a:bodyPr rtlCol="0" anchor="ctr"/>
+          <a:lstStyle/>
+          <a:p>
+            <a:pPr algn="ctr"/>
+            <a:endParaRPr lang="ko-KR" altLang="en-US"/>
+          </a:p>
+        </p:txBody>
+      </p:sp>
+      <p:grpSp>
+        <p:nvGrpSpPr>
+          <p:cNvPr id="10" name="그룹 9">
+            <a:extLst>
+              <a:ext uri="{FF2B5EF4-FFF2-40B4-BE49-F238E27FC236}">
+                <a16:creationId xmlns:a16="http://schemas.microsoft.com/office/drawing/2014/main" id="{F5554AC5-BBF1-0A13-7452-292F66C3BDFA}"/>
+              </a:ext>
+            </a:extLst>
+          </p:cNvPr>
+          <p:cNvGrpSpPr/>
+          <p:nvPr/>
+        </p:nvGrpSpPr>
+        <p:grpSpPr>
+          <a:xfrm>
+            <a:off x="3062514" y="1010103"/>
+            <a:ext cx="4964656" cy="5103481"/>
+            <a:chOff x="3742048" y="1941615"/>
+            <a:chExt cx="3622797" cy="3724100"/>
+          </a:xfrm>
+        </p:grpSpPr>
+        <p:pic>
+          <p:nvPicPr>
+            <p:cNvPr id="7" name="Picture 2" descr="Excel Darius Dan Lineal Color icon">
+              <a:extLst>
+                <a:ext uri="{FF2B5EF4-FFF2-40B4-BE49-F238E27FC236}">
+                  <a16:creationId xmlns:a16="http://schemas.microsoft.com/office/drawing/2014/main" id="{483E864C-54FE-5146-1CFD-59473177DD4A}"/>
+                </a:ext>
+              </a:extLst>
+            </p:cNvPr>
+            <p:cNvPicPr>
+              <a:picLocks noChangeAspect="1" noChangeArrowheads="1"/>
+            </p:cNvPicPr>
+            <p:nvPr/>
+          </p:nvPicPr>
+          <p:blipFill>
+            <a:blip r:embed="rId2">
+              <a:extLst>
+                <a:ext uri="{28A0092B-C50C-407E-A947-70E740481C1C}">
+                  <a14:useLocalDpi xmlns:a14="http://schemas.microsoft.com/office/drawing/2010/main" val="0"/>
+                </a:ext>
+              </a:extLst>
+            </a:blip>
+            <a:srcRect/>
+            <a:stretch>
+              <a:fillRect/>
+            </a:stretch>
+          </p:blipFill>
+          <p:spPr bwMode="auto">
+            <a:xfrm>
+              <a:off x="3742048" y="2042918"/>
+              <a:ext cx="3622797" cy="3622797"/>
+            </a:xfrm>
+            <a:prstGeom prst="rect">
+              <a:avLst/>
+            </a:prstGeom>
+            <a:noFill/>
+            <a:extLst>
+              <a:ext uri="{909E8E84-426E-40DD-AFC4-6F175D3DCCD1}">
+                <a14:hiddenFill xmlns:a14="http://schemas.microsoft.com/office/drawing/2010/main">
+                  <a:solidFill>
+                    <a:srgbClr val="FFFFFF"/>
+                  </a:solidFill>
+                </a14:hiddenFill>
+              </a:ext>
+            </a:extLst>
+          </p:spPr>
+        </p:pic>
+        <p:sp>
+          <p:nvSpPr>
+            <p:cNvPr id="2" name="TextBox 1">
+              <a:extLst>
+                <a:ext uri="{FF2B5EF4-FFF2-40B4-BE49-F238E27FC236}">
+                  <a16:creationId xmlns:a16="http://schemas.microsoft.com/office/drawing/2014/main" id="{89006000-6F2F-9522-6A78-4950FBCB0D90}"/>
+                </a:ext>
+              </a:extLst>
+            </p:cNvPr>
+            <p:cNvSpPr txBox="1"/>
+            <p:nvPr/>
+          </p:nvSpPr>
+          <p:spPr>
+            <a:xfrm>
+              <a:off x="5197935" y="2213080"/>
+              <a:ext cx="898065" cy="584775"/>
+            </a:xfrm>
+            <a:prstGeom prst="rect">
+              <a:avLst/>
+            </a:prstGeom>
+            <a:noFill/>
+          </p:spPr>
+          <p:txBody>
+            <a:bodyPr wrap="square" rtlCol="0">
+              <a:spAutoFit/>
+            </a:bodyPr>
+            <a:lstStyle/>
+            <a:p>
+              <a:pPr algn="ctr"/>
+              <a:r>
+                <a:rPr lang="en-US" altLang="ko-KR" sz="1600" b="1" dirty="0">
+                  <a:solidFill>
+                    <a:schemeClr val="bg1"/>
+                  </a:solidFill>
+                  <a:latin typeface="Pretendard Variable SemiBold" panose="00000500000000000000" pitchFamily="2" charset="-127"/>
+                  <a:ea typeface="Pretendard Variable SemiBold" panose="00000500000000000000" pitchFamily="2" charset="-127"/>
+                </a:rPr>
+                <a:t>Revit</a:t>
+              </a:r>
+            </a:p>
+            <a:p>
+              <a:pPr algn="ctr"/>
+              <a:r>
+                <a:rPr lang="en-US" altLang="ko-KR" sz="1600" b="1" dirty="0">
+                  <a:solidFill>
+                    <a:schemeClr val="bg1"/>
+                  </a:solidFill>
+                  <a:latin typeface="Pretendard Variable SemiBold" panose="00000500000000000000" pitchFamily="2" charset="-127"/>
+                  <a:ea typeface="Pretendard Variable SemiBold" panose="00000500000000000000" pitchFamily="2" charset="-127"/>
+                </a:rPr>
+                <a:t>only</a:t>
+              </a:r>
+              <a:endParaRPr lang="ko-KR" altLang="en-US" sz="1600" b="1" dirty="0">
+                <a:solidFill>
+                  <a:schemeClr val="bg1"/>
+                </a:solidFill>
+                <a:latin typeface="Pretendard Variable SemiBold" panose="00000500000000000000" pitchFamily="2" charset="-127"/>
+                <a:ea typeface="Pretendard Variable SemiBold" panose="00000500000000000000" pitchFamily="2" charset="-127"/>
+              </a:endParaRPr>
+            </a:p>
+          </p:txBody>
+        </p:sp>
+        <p:sp>
+          <p:nvSpPr>
+            <p:cNvPr id="9" name="TextBox 8">
+              <a:extLst>
+                <a:ext uri="{FF2B5EF4-FFF2-40B4-BE49-F238E27FC236}">
+                  <a16:creationId xmlns:a16="http://schemas.microsoft.com/office/drawing/2014/main" id="{8B2886C8-BC86-D319-1B95-6F8164BC3E98}"/>
+                </a:ext>
+              </a:extLst>
+            </p:cNvPr>
+            <p:cNvSpPr txBox="1"/>
+            <p:nvPr/>
+          </p:nvSpPr>
+          <p:spPr>
+            <a:xfrm>
+              <a:off x="6281390" y="2213080"/>
+              <a:ext cx="898065" cy="584775"/>
+            </a:xfrm>
+            <a:prstGeom prst="rect">
+              <a:avLst/>
+            </a:prstGeom>
+            <a:noFill/>
+          </p:spPr>
+          <p:txBody>
+            <a:bodyPr wrap="square" rtlCol="0">
+              <a:spAutoFit/>
+            </a:bodyPr>
+            <a:lstStyle/>
+            <a:p>
+              <a:pPr algn="ctr"/>
+              <a:r>
+                <a:rPr lang="en-US" altLang="ko-KR" sz="1600" b="1" dirty="0">
+                  <a:solidFill>
+                    <a:schemeClr val="bg1"/>
+                  </a:solidFill>
+                  <a:latin typeface="Pretendard Variable SemiBold" panose="00000500000000000000" pitchFamily="2" charset="-127"/>
+                  <a:ea typeface="Pretendard Variable SemiBold" panose="00000500000000000000" pitchFamily="2" charset="-127"/>
+                </a:rPr>
+                <a:t>Revit</a:t>
+              </a:r>
+            </a:p>
+            <a:p>
+              <a:pPr algn="ctr"/>
+              <a:r>
+                <a:rPr lang="en-US" altLang="ko-KR" sz="1600" b="1" dirty="0">
+                  <a:solidFill>
+                    <a:schemeClr val="bg1"/>
+                  </a:solidFill>
+                  <a:latin typeface="Pretendard Variable SemiBold" panose="00000500000000000000" pitchFamily="2" charset="-127"/>
+                  <a:ea typeface="Pretendard Variable SemiBold" panose="00000500000000000000" pitchFamily="2" charset="-127"/>
+                </a:rPr>
+                <a:t>&amp; Excel</a:t>
+              </a:r>
+              <a:endParaRPr lang="ko-KR" altLang="en-US" sz="1600" b="1" dirty="0">
+                <a:solidFill>
+                  <a:schemeClr val="bg1"/>
+                </a:solidFill>
+                <a:latin typeface="Pretendard Variable SemiBold" panose="00000500000000000000" pitchFamily="2" charset="-127"/>
+                <a:ea typeface="Pretendard Variable SemiBold" panose="00000500000000000000" pitchFamily="2" charset="-127"/>
+              </a:endParaRPr>
+            </a:p>
+          </p:txBody>
+        </p:sp>
+        <p:sp>
+          <p:nvSpPr>
+            <p:cNvPr id="11" name="TextBox 10">
+              <a:extLst>
+                <a:ext uri="{FF2B5EF4-FFF2-40B4-BE49-F238E27FC236}">
+                  <a16:creationId xmlns:a16="http://schemas.microsoft.com/office/drawing/2014/main" id="{16BE8C96-8C5E-E6A2-7963-32A5B6D24505}"/>
+                </a:ext>
+              </a:extLst>
+            </p:cNvPr>
+            <p:cNvSpPr txBox="1"/>
+            <p:nvPr/>
+          </p:nvSpPr>
+          <p:spPr>
+            <a:xfrm>
+              <a:off x="5240351" y="2800874"/>
+              <a:ext cx="898065" cy="247049"/>
+            </a:xfrm>
+            <a:prstGeom prst="rect">
+              <a:avLst/>
+            </a:prstGeom>
+            <a:noFill/>
+          </p:spPr>
+          <p:txBody>
+            <a:bodyPr wrap="square" rtlCol="0">
+              <a:spAutoFit/>
+            </a:bodyPr>
+            <a:lstStyle/>
+            <a:p>
+              <a:pPr algn="ctr"/>
+              <a:r>
+                <a:rPr lang="en-US" altLang="ko-KR" sz="1600" b="1" dirty="0">
+                  <a:solidFill>
+                    <a:srgbClr val="FF0000"/>
+                  </a:solidFill>
+                  <a:latin typeface="Pretendard Variable SemiBold" panose="00000500000000000000" pitchFamily="2" charset="-127"/>
+                  <a:ea typeface="Pretendard Variable SemiBold" panose="00000500000000000000" pitchFamily="2" charset="-127"/>
+                </a:rPr>
+                <a:t>A type</a:t>
+              </a:r>
+            </a:p>
+          </p:txBody>
+        </p:sp>
+        <p:sp>
+          <p:nvSpPr>
+            <p:cNvPr id="15" name="TextBox 14">
+              <a:extLst>
+                <a:ext uri="{FF2B5EF4-FFF2-40B4-BE49-F238E27FC236}">
+                  <a16:creationId xmlns:a16="http://schemas.microsoft.com/office/drawing/2014/main" id="{61FECEC6-22EF-74E2-77DB-12DE14A4AC96}"/>
+                </a:ext>
+              </a:extLst>
+            </p:cNvPr>
+            <p:cNvSpPr txBox="1"/>
+            <p:nvPr/>
+          </p:nvSpPr>
+          <p:spPr>
+            <a:xfrm>
+              <a:off x="5240351" y="3237944"/>
+              <a:ext cx="898065" cy="247049"/>
+            </a:xfrm>
+            <a:prstGeom prst="rect">
+              <a:avLst/>
+            </a:prstGeom>
+            <a:noFill/>
+          </p:spPr>
+          <p:txBody>
+            <a:bodyPr wrap="square" rtlCol="0">
+              <a:spAutoFit/>
+            </a:bodyPr>
+            <a:lstStyle/>
+            <a:p>
+              <a:pPr algn="ctr"/>
+              <a:r>
+                <a:rPr lang="en-US" altLang="ko-KR" sz="1600" b="1" dirty="0">
+                  <a:solidFill>
+                    <a:srgbClr val="FF0000"/>
+                  </a:solidFill>
+                  <a:latin typeface="Pretendard Variable SemiBold" panose="00000500000000000000" pitchFamily="2" charset="-127"/>
+                  <a:ea typeface="Pretendard Variable SemiBold" panose="00000500000000000000" pitchFamily="2" charset="-127"/>
+                </a:rPr>
+                <a:t>B type</a:t>
+              </a:r>
+            </a:p>
+          </p:txBody>
+        </p:sp>
+        <p:sp>
+          <p:nvSpPr>
+            <p:cNvPr id="16" name="TextBox 15">
+              <a:extLst>
+                <a:ext uri="{FF2B5EF4-FFF2-40B4-BE49-F238E27FC236}">
+                  <a16:creationId xmlns:a16="http://schemas.microsoft.com/office/drawing/2014/main" id="{6E30F3ED-D91E-47FB-4722-2B34B318C23D}"/>
+                </a:ext>
+              </a:extLst>
+            </p:cNvPr>
+            <p:cNvSpPr txBox="1"/>
+            <p:nvPr/>
+          </p:nvSpPr>
+          <p:spPr>
+            <a:xfrm>
+              <a:off x="5240351" y="3626308"/>
+              <a:ext cx="898065" cy="247049"/>
+            </a:xfrm>
+            <a:prstGeom prst="rect">
+              <a:avLst/>
+            </a:prstGeom>
+            <a:noFill/>
+          </p:spPr>
+          <p:txBody>
+            <a:bodyPr wrap="square" rtlCol="0">
+              <a:spAutoFit/>
+            </a:bodyPr>
+            <a:lstStyle/>
+            <a:p>
+              <a:pPr algn="ctr"/>
+              <a:r>
+                <a:rPr lang="en-US" altLang="ko-KR" sz="1600" b="1" dirty="0">
+                  <a:solidFill>
+                    <a:srgbClr val="FF0000"/>
+                  </a:solidFill>
+                  <a:latin typeface="Pretendard Variable SemiBold" panose="00000500000000000000" pitchFamily="2" charset="-127"/>
+                  <a:ea typeface="Pretendard Variable SemiBold" panose="00000500000000000000" pitchFamily="2" charset="-127"/>
+                </a:rPr>
+                <a:t>C type</a:t>
+              </a:r>
+            </a:p>
+          </p:txBody>
+        </p:sp>
+        <p:sp>
+          <p:nvSpPr>
+            <p:cNvPr id="17" name="TextBox 16">
+              <a:extLst>
+                <a:ext uri="{FF2B5EF4-FFF2-40B4-BE49-F238E27FC236}">
+                  <a16:creationId xmlns:a16="http://schemas.microsoft.com/office/drawing/2014/main" id="{7A5F1B67-DD19-D53F-08B1-279A10E4236F}"/>
+                </a:ext>
+              </a:extLst>
+            </p:cNvPr>
+            <p:cNvSpPr txBox="1"/>
+            <p:nvPr/>
+          </p:nvSpPr>
+          <p:spPr>
+            <a:xfrm>
+              <a:off x="6280909" y="2800874"/>
+              <a:ext cx="898065" cy="247049"/>
+            </a:xfrm>
+            <a:prstGeom prst="rect">
+              <a:avLst/>
+            </a:prstGeom>
+            <a:noFill/>
+          </p:spPr>
+          <p:txBody>
+            <a:bodyPr wrap="square" rtlCol="0">
+              <a:spAutoFit/>
+            </a:bodyPr>
+            <a:lstStyle/>
+            <a:p>
+              <a:pPr algn="ctr"/>
+              <a:r>
+                <a:rPr lang="en-US" altLang="ko-KR" sz="1600" b="1" dirty="0">
+                  <a:solidFill>
+                    <a:srgbClr val="00B050"/>
+                  </a:solidFill>
+                  <a:latin typeface="Pretendard Variable SemiBold" panose="00000500000000000000" pitchFamily="2" charset="-127"/>
+                  <a:ea typeface="Pretendard Variable SemiBold" panose="00000500000000000000" pitchFamily="2" charset="-127"/>
+                </a:rPr>
+                <a:t>D type</a:t>
+              </a:r>
+            </a:p>
+          </p:txBody>
+        </p:sp>
+        <p:sp>
+          <p:nvSpPr>
+            <p:cNvPr id="18" name="TextBox 17">
+              <a:extLst>
+                <a:ext uri="{FF2B5EF4-FFF2-40B4-BE49-F238E27FC236}">
+                  <a16:creationId xmlns:a16="http://schemas.microsoft.com/office/drawing/2014/main" id="{05B289ED-7451-7AF6-F022-72A96924B569}"/>
+                </a:ext>
+              </a:extLst>
+            </p:cNvPr>
+            <p:cNvSpPr txBox="1"/>
+            <p:nvPr/>
+          </p:nvSpPr>
+          <p:spPr>
+            <a:xfrm>
+              <a:off x="6280909" y="3237944"/>
+              <a:ext cx="898065" cy="247049"/>
+            </a:xfrm>
+            <a:prstGeom prst="rect">
+              <a:avLst/>
+            </a:prstGeom>
+            <a:noFill/>
+          </p:spPr>
+          <p:txBody>
+            <a:bodyPr wrap="square" rtlCol="0">
+              <a:spAutoFit/>
+            </a:bodyPr>
+            <a:lstStyle/>
+            <a:p>
+              <a:pPr algn="ctr"/>
+              <a:r>
+                <a:rPr lang="en-US" altLang="ko-KR" sz="1600" b="1" dirty="0">
+                  <a:solidFill>
+                    <a:srgbClr val="00B050"/>
+                  </a:solidFill>
+                  <a:latin typeface="Pretendard Variable SemiBold" panose="00000500000000000000" pitchFamily="2" charset="-127"/>
+                  <a:ea typeface="Pretendard Variable SemiBold" panose="00000500000000000000" pitchFamily="2" charset="-127"/>
+                </a:rPr>
+                <a:t>E type</a:t>
+              </a:r>
+            </a:p>
+          </p:txBody>
+        </p:sp>
+        <p:sp>
+          <p:nvSpPr>
+            <p:cNvPr id="19" name="TextBox 18">
+              <a:extLst>
+                <a:ext uri="{FF2B5EF4-FFF2-40B4-BE49-F238E27FC236}">
+                  <a16:creationId xmlns:a16="http://schemas.microsoft.com/office/drawing/2014/main" id="{1272A9FD-E5C0-77F5-E27D-5BD373566747}"/>
+                </a:ext>
+              </a:extLst>
+            </p:cNvPr>
+            <p:cNvSpPr txBox="1"/>
+            <p:nvPr/>
+          </p:nvSpPr>
+          <p:spPr>
+            <a:xfrm>
+              <a:off x="6280909" y="3626308"/>
+              <a:ext cx="898065" cy="247049"/>
+            </a:xfrm>
+            <a:prstGeom prst="rect">
+              <a:avLst/>
+            </a:prstGeom>
+            <a:noFill/>
+          </p:spPr>
+          <p:txBody>
+            <a:bodyPr wrap="square" rtlCol="0">
+              <a:spAutoFit/>
+            </a:bodyPr>
+            <a:lstStyle/>
+            <a:p>
+              <a:pPr algn="ctr"/>
+              <a:r>
+                <a:rPr lang="en-US" altLang="ko-KR" sz="1600" b="1" dirty="0">
+                  <a:solidFill>
+                    <a:srgbClr val="00B050"/>
+                  </a:solidFill>
+                  <a:latin typeface="Pretendard Variable SemiBold" panose="00000500000000000000" pitchFamily="2" charset="-127"/>
+                  <a:ea typeface="Pretendard Variable SemiBold" panose="00000500000000000000" pitchFamily="2" charset="-127"/>
+                </a:rPr>
+                <a:t>F type</a:t>
+              </a:r>
+            </a:p>
+          </p:txBody>
+        </p:sp>
+        <p:sp>
+          <p:nvSpPr>
+            <p:cNvPr id="20" name="TextBox 19">
+              <a:extLst>
+                <a:ext uri="{FF2B5EF4-FFF2-40B4-BE49-F238E27FC236}">
+                  <a16:creationId xmlns:a16="http://schemas.microsoft.com/office/drawing/2014/main" id="{337A1E78-2A0E-F184-2387-417D331BEF5C}"/>
+                </a:ext>
+              </a:extLst>
+            </p:cNvPr>
+            <p:cNvSpPr txBox="1"/>
+            <p:nvPr/>
+          </p:nvSpPr>
+          <p:spPr>
+            <a:xfrm>
+              <a:off x="6280909" y="4026123"/>
+              <a:ext cx="898065" cy="247049"/>
+            </a:xfrm>
+            <a:prstGeom prst="rect">
+              <a:avLst/>
+            </a:prstGeom>
+            <a:noFill/>
+          </p:spPr>
+          <p:txBody>
+            <a:bodyPr wrap="square" rtlCol="0">
+              <a:spAutoFit/>
+            </a:bodyPr>
+            <a:lstStyle/>
+            <a:p>
+              <a:pPr algn="ctr"/>
+              <a:r>
+                <a:rPr lang="en-US" altLang="ko-KR" sz="1600" b="1" dirty="0">
+                  <a:solidFill>
+                    <a:srgbClr val="00B050"/>
+                  </a:solidFill>
+                  <a:latin typeface="Pretendard Variable SemiBold" panose="00000500000000000000" pitchFamily="2" charset="-127"/>
+                  <a:ea typeface="Pretendard Variable SemiBold" panose="00000500000000000000" pitchFamily="2" charset="-127"/>
+                </a:rPr>
+                <a:t>G type</a:t>
+              </a:r>
+            </a:p>
+          </p:txBody>
+        </p:sp>
+        <p:sp>
+          <p:nvSpPr>
+            <p:cNvPr id="21" name="TextBox 20">
+              <a:extLst>
+                <a:ext uri="{FF2B5EF4-FFF2-40B4-BE49-F238E27FC236}">
+                  <a16:creationId xmlns:a16="http://schemas.microsoft.com/office/drawing/2014/main" id="{A27C8A61-035F-46A3-A604-AE1236627BB9}"/>
+                </a:ext>
+              </a:extLst>
+            </p:cNvPr>
+            <p:cNvSpPr txBox="1"/>
+            <p:nvPr/>
+          </p:nvSpPr>
+          <p:spPr>
+            <a:xfrm rot="6848194">
+              <a:off x="4305458" y="1711263"/>
+              <a:ext cx="898065" cy="1358769"/>
+            </a:xfrm>
+            <a:prstGeom prst="rect">
+              <a:avLst/>
+            </a:prstGeom>
+            <a:noFill/>
+          </p:spPr>
+          <p:txBody>
+            <a:bodyPr wrap="square" rtlCol="0">
+              <a:spAutoFit/>
+            </a:bodyPr>
+            <a:lstStyle/>
+            <a:p>
+              <a:pPr algn="ctr"/>
+              <a:r>
+                <a:rPr lang="en-US" altLang="ko-KR" sz="11500" b="1" dirty="0">
+                  <a:ln w="34925">
+                    <a:solidFill>
+                      <a:schemeClr val="bg1"/>
+                    </a:solidFill>
+                  </a:ln>
+                  <a:solidFill>
+                    <a:srgbClr val="0000FF"/>
+                  </a:solidFill>
+                  <a:latin typeface="Pretendard Variable SemiBold" panose="00000500000000000000" pitchFamily="2" charset="-127"/>
+                  <a:ea typeface="Pretendard Variable SemiBold" panose="00000500000000000000" pitchFamily="2" charset="-127"/>
+                </a:rPr>
+                <a:t>‘</a:t>
+              </a:r>
+            </a:p>
+          </p:txBody>
+        </p:sp>
+        <p:sp>
+          <p:nvSpPr>
+            <p:cNvPr id="22" name="TextBox 21">
+              <a:extLst>
+                <a:ext uri="{FF2B5EF4-FFF2-40B4-BE49-F238E27FC236}">
+                  <a16:creationId xmlns:a16="http://schemas.microsoft.com/office/drawing/2014/main" id="{47DA4658-6F29-AEDD-81BF-E0B35E05CBE8}"/>
+                </a:ext>
+              </a:extLst>
+            </p:cNvPr>
+            <p:cNvSpPr txBox="1"/>
+            <p:nvPr/>
+          </p:nvSpPr>
+          <p:spPr>
+            <a:xfrm rot="3009771">
+              <a:off x="4226529" y="2650028"/>
+              <a:ext cx="898065" cy="1358769"/>
+            </a:xfrm>
+            <a:prstGeom prst="rect">
+              <a:avLst/>
+            </a:prstGeom>
+            <a:noFill/>
+          </p:spPr>
+          <p:txBody>
+            <a:bodyPr wrap="square" rtlCol="0">
+              <a:spAutoFit/>
+            </a:bodyPr>
+            <a:lstStyle/>
+            <a:p>
+              <a:pPr algn="ctr"/>
+              <a:r>
+                <a:rPr lang="en-US" altLang="ko-KR" sz="11500" b="1" dirty="0">
+                  <a:ln w="34925">
+                    <a:solidFill>
+                      <a:schemeClr val="bg1"/>
+                    </a:solidFill>
+                  </a:ln>
+                  <a:solidFill>
+                    <a:srgbClr val="0000FF"/>
+                  </a:solidFill>
+                  <a:latin typeface="Pretendard Variable SemiBold" panose="00000500000000000000" pitchFamily="2" charset="-127"/>
+                  <a:ea typeface="Pretendard Variable SemiBold" panose="00000500000000000000" pitchFamily="2" charset="-127"/>
+                </a:rPr>
+                <a:t>‘</a:t>
+              </a:r>
+            </a:p>
+          </p:txBody>
+        </p:sp>
+      </p:grpSp>
+      <p:sp>
+        <p:nvSpPr>
+          <p:cNvPr id="6" name="TextBox 5">
+            <a:extLst>
+              <a:ext uri="{FF2B5EF4-FFF2-40B4-BE49-F238E27FC236}">
+                <a16:creationId xmlns:a16="http://schemas.microsoft.com/office/drawing/2014/main" id="{6187C54D-9657-D93A-27BE-148B794D9DF8}"/>
+              </a:ext>
+            </a:extLst>
+          </p:cNvPr>
+          <p:cNvSpPr txBox="1"/>
+          <p:nvPr/>
+        </p:nvSpPr>
+        <p:spPr>
+          <a:xfrm>
+            <a:off x="5295900" y="6005863"/>
+            <a:ext cx="3078843" cy="707886"/>
+          </a:xfrm>
+          <a:prstGeom prst="rect">
+            <a:avLst/>
+          </a:prstGeom>
+          <a:noFill/>
+        </p:spPr>
+        <p:txBody>
+          <a:bodyPr wrap="square" rtlCol="0">
+            <a:spAutoFit/>
+          </a:bodyPr>
+          <a:lstStyle/>
+          <a:p>
+            <a:r>
+              <a:rPr lang="en-US" altLang="ko-KR" sz="4000" b="1" dirty="0">
+                <a:solidFill>
+                  <a:srgbClr val="0000FF"/>
+                </a:solidFill>
+                <a:latin typeface="현대 LOGO" panose="02020603020101020101" pitchFamily="18" charset="-127"/>
+                <a:ea typeface="현대 LOGO" panose="02020603020101020101" pitchFamily="18" charset="-127"/>
+              </a:rPr>
+              <a:t>CHECKER</a:t>
+            </a:r>
+            <a:endParaRPr lang="ko-KR" altLang="en-US" sz="4000" b="1" dirty="0">
+              <a:solidFill>
+                <a:srgbClr val="0000FF"/>
+              </a:solidFill>
+              <a:latin typeface="현대 LOGO" panose="02020603020101020101" pitchFamily="18" charset="-127"/>
+              <a:ea typeface="현대 LOGO" panose="02020603020101020101" pitchFamily="18" charset="-127"/>
+            </a:endParaRPr>
+          </a:p>
+        </p:txBody>
+      </p:sp>
+      <p:sp>
+        <p:nvSpPr>
+          <p:cNvPr id="5" name="TextBox 4">
+            <a:extLst>
+              <a:ext uri="{FF2B5EF4-FFF2-40B4-BE49-F238E27FC236}">
+                <a16:creationId xmlns:a16="http://schemas.microsoft.com/office/drawing/2014/main" id="{C2AE6126-146B-BACD-2F22-C77AA9420C75}"/>
+              </a:ext>
+            </a:extLst>
+          </p:cNvPr>
+          <p:cNvSpPr txBox="1"/>
+          <p:nvPr/>
+        </p:nvSpPr>
+        <p:spPr>
+          <a:xfrm>
+            <a:off x="2779348" y="318448"/>
+            <a:ext cx="4377754" cy="646331"/>
+          </a:xfrm>
+          <a:prstGeom prst="rect">
+            <a:avLst/>
+          </a:prstGeom>
+          <a:noFill/>
+        </p:spPr>
+        <p:txBody>
+          <a:bodyPr wrap="square" rtlCol="0">
+            <a:spAutoFit/>
+          </a:bodyPr>
+          <a:lstStyle/>
+          <a:p>
+            <a:r>
+              <a:rPr lang="en-US" altLang="ko-KR" sz="3600" b="1" dirty="0" err="1">
+                <a:solidFill>
+                  <a:srgbClr val="FF00FF"/>
+                </a:solidFill>
+                <a:latin typeface="현대 LOGO" panose="02020603020101020101" pitchFamily="18" charset="-127"/>
+                <a:ea typeface="현대 LOGO" panose="02020603020101020101" pitchFamily="18" charset="-127"/>
+              </a:rPr>
+              <a:t>Familytype</a:t>
+            </a:r>
+            <a:endParaRPr lang="en-US" altLang="ko-KR" sz="3600" b="1" dirty="0">
+              <a:solidFill>
+                <a:srgbClr val="FF00FF"/>
+              </a:solidFill>
+              <a:latin typeface="현대 LOGO" panose="02020603020101020101" pitchFamily="18" charset="-127"/>
+              <a:ea typeface="현대 LOGO" panose="02020603020101020101" pitchFamily="18" charset="-127"/>
+            </a:endParaRPr>
+          </a:p>
+        </p:txBody>
+      </p:sp>
+    </p:spTree>
+    <p:extLst>
+      <p:ext uri="{BB962C8B-B14F-4D97-AF65-F5344CB8AC3E}">
+        <p14:creationId xmlns:p14="http://schemas.microsoft.com/office/powerpoint/2010/main" val="1772253001"/>
+      </p:ext>
+    </p:extLst>
+  </p:cSld>
+  <p:clrMapOvr>
+    <a:masterClrMapping/>
+  </p:clrMapOvr>
+</p:sld>
+</file>
+
 <file path=ppt/theme/theme1.xml><?xml version="1.0" encoding="utf-8"?>
 <a:theme xmlns:a="http://schemas.openxmlformats.org/drawingml/2006/main" name="Office 테마">
   <a:themeElements>

--- a/hecCalc/2023/documentum/logo/logo.pptx
+++ b/hecCalc/2023/documentum/logo/logo.pptx
@@ -15,6 +15,7 @@
     <p:sldId id="263" r:id="rId9"/>
     <p:sldId id="264" r:id="rId10"/>
     <p:sldId id="265" r:id="rId11"/>
+    <p:sldId id="266" r:id="rId12"/>
   </p:sldIdLst>
   <p:sldSz cx="12192000" cy="6858000"/>
   <p:notesSz cx="6858000" cy="9144000"/>
@@ -268,7 +269,7 @@
           <a:p>
             <a:fld id="{2BD9FA74-BDC4-474D-9A42-59EE67DE1B02}" type="datetimeFigureOut">
               <a:rPr lang="ko-KR" altLang="en-US" smtClean="0"/>
-              <a:t>2024-02-06</a:t>
+              <a:t>2024-02-25</a:t>
             </a:fld>
             <a:endParaRPr lang="ko-KR" altLang="en-US"/>
           </a:p>
@@ -466,7 +467,7 @@
           <a:p>
             <a:fld id="{2BD9FA74-BDC4-474D-9A42-59EE67DE1B02}" type="datetimeFigureOut">
               <a:rPr lang="ko-KR" altLang="en-US" smtClean="0"/>
-              <a:t>2024-02-06</a:t>
+              <a:t>2024-02-25</a:t>
             </a:fld>
             <a:endParaRPr lang="ko-KR" altLang="en-US"/>
           </a:p>
@@ -674,7 +675,7 @@
           <a:p>
             <a:fld id="{2BD9FA74-BDC4-474D-9A42-59EE67DE1B02}" type="datetimeFigureOut">
               <a:rPr lang="ko-KR" altLang="en-US" smtClean="0"/>
-              <a:t>2024-02-06</a:t>
+              <a:t>2024-02-25</a:t>
             </a:fld>
             <a:endParaRPr lang="ko-KR" altLang="en-US"/>
           </a:p>
@@ -872,7 +873,7 @@
           <a:p>
             <a:fld id="{2BD9FA74-BDC4-474D-9A42-59EE67DE1B02}" type="datetimeFigureOut">
               <a:rPr lang="ko-KR" altLang="en-US" smtClean="0"/>
-              <a:t>2024-02-06</a:t>
+              <a:t>2024-02-25</a:t>
             </a:fld>
             <a:endParaRPr lang="ko-KR" altLang="en-US"/>
           </a:p>
@@ -1147,7 +1148,7 @@
           <a:p>
             <a:fld id="{2BD9FA74-BDC4-474D-9A42-59EE67DE1B02}" type="datetimeFigureOut">
               <a:rPr lang="ko-KR" altLang="en-US" smtClean="0"/>
-              <a:t>2024-02-06</a:t>
+              <a:t>2024-02-25</a:t>
             </a:fld>
             <a:endParaRPr lang="ko-KR" altLang="en-US"/>
           </a:p>
@@ -1412,7 +1413,7 @@
           <a:p>
             <a:fld id="{2BD9FA74-BDC4-474D-9A42-59EE67DE1B02}" type="datetimeFigureOut">
               <a:rPr lang="ko-KR" altLang="en-US" smtClean="0"/>
-              <a:t>2024-02-06</a:t>
+              <a:t>2024-02-25</a:t>
             </a:fld>
             <a:endParaRPr lang="ko-KR" altLang="en-US"/>
           </a:p>
@@ -1824,7 +1825,7 @@
           <a:p>
             <a:fld id="{2BD9FA74-BDC4-474D-9A42-59EE67DE1B02}" type="datetimeFigureOut">
               <a:rPr lang="ko-KR" altLang="en-US" smtClean="0"/>
-              <a:t>2024-02-06</a:t>
+              <a:t>2024-02-25</a:t>
             </a:fld>
             <a:endParaRPr lang="ko-KR" altLang="en-US"/>
           </a:p>
@@ -1965,7 +1966,7 @@
           <a:p>
             <a:fld id="{2BD9FA74-BDC4-474D-9A42-59EE67DE1B02}" type="datetimeFigureOut">
               <a:rPr lang="ko-KR" altLang="en-US" smtClean="0"/>
-              <a:t>2024-02-06</a:t>
+              <a:t>2024-02-25</a:t>
             </a:fld>
             <a:endParaRPr lang="ko-KR" altLang="en-US"/>
           </a:p>
@@ -2078,7 +2079,7 @@
           <a:p>
             <a:fld id="{2BD9FA74-BDC4-474D-9A42-59EE67DE1B02}" type="datetimeFigureOut">
               <a:rPr lang="ko-KR" altLang="en-US" smtClean="0"/>
-              <a:t>2024-02-06</a:t>
+              <a:t>2024-02-25</a:t>
             </a:fld>
             <a:endParaRPr lang="ko-KR" altLang="en-US"/>
           </a:p>
@@ -2389,7 +2390,7 @@
           <a:p>
             <a:fld id="{2BD9FA74-BDC4-474D-9A42-59EE67DE1B02}" type="datetimeFigureOut">
               <a:rPr lang="ko-KR" altLang="en-US" smtClean="0"/>
-              <a:t>2024-02-06</a:t>
+              <a:t>2024-02-25</a:t>
             </a:fld>
             <a:endParaRPr lang="ko-KR" altLang="en-US"/>
           </a:p>
@@ -2677,7 +2678,7 @@
           <a:p>
             <a:fld id="{2BD9FA74-BDC4-474D-9A42-59EE67DE1B02}" type="datetimeFigureOut">
               <a:rPr lang="ko-KR" altLang="en-US" smtClean="0"/>
-              <a:t>2024-02-06</a:t>
+              <a:t>2024-02-25</a:t>
             </a:fld>
             <a:endParaRPr lang="ko-KR" altLang="en-US"/>
           </a:p>
@@ -2918,7 +2919,7 @@
           <a:p>
             <a:fld id="{2BD9FA74-BDC4-474D-9A42-59EE67DE1B02}" type="datetimeFigureOut">
               <a:rPr lang="ko-KR" altLang="en-US" smtClean="0"/>
-              <a:t>2024-02-06</a:t>
+              <a:t>2024-02-25</a:t>
             </a:fld>
             <a:endParaRPr lang="ko-KR" altLang="en-US"/>
           </a:p>
@@ -3553,6 +3554,135 @@
     <p:extLst>
       <p:ext uri="{BB962C8B-B14F-4D97-AF65-F5344CB8AC3E}">
         <p14:creationId xmlns:p14="http://schemas.microsoft.com/office/powerpoint/2010/main" val="1232787252"/>
+      </p:ext>
+    </p:extLst>
+  </p:cSld>
+  <p:clrMapOvr>
+    <a:masterClrMapping/>
+  </p:clrMapOvr>
+</p:sld>
+</file>
+
+<file path=ppt/slides/slide11.xml><?xml version="1.0" encoding="utf-8"?>
+<p:sld xmlns:a="http://schemas.openxmlformats.org/drawingml/2006/main" xmlns:r="http://schemas.openxmlformats.org/officeDocument/2006/relationships" xmlns:p="http://schemas.openxmlformats.org/presentationml/2006/main">
+  <p:cSld>
+    <p:spTree>
+      <p:nvGrpSpPr>
+        <p:cNvPr id="1" name=""/>
+        <p:cNvGrpSpPr/>
+        <p:nvPr/>
+      </p:nvGrpSpPr>
+      <p:grpSpPr>
+        <a:xfrm>
+          <a:off x="0" y="0"/>
+          <a:ext cx="0" cy="0"/>
+          <a:chOff x="0" y="0"/>
+          <a:chExt cx="0" cy="0"/>
+        </a:xfrm>
+      </p:grpSpPr>
+      <p:sp>
+        <p:nvSpPr>
+          <p:cNvPr id="5" name="직사각형 4">
+            <a:extLst>
+              <a:ext uri="{FF2B5EF4-FFF2-40B4-BE49-F238E27FC236}">
+                <a16:creationId xmlns:a16="http://schemas.microsoft.com/office/drawing/2014/main" id="{6731109E-0D38-F7C2-D733-217E75751902}"/>
+              </a:ext>
+            </a:extLst>
+          </p:cNvPr>
+          <p:cNvSpPr/>
+          <p:nvPr/>
+        </p:nvSpPr>
+        <p:spPr>
+          <a:xfrm>
+            <a:off x="1584371" y="0"/>
+            <a:ext cx="6852023" cy="6852023"/>
+          </a:xfrm>
+          <a:prstGeom prst="rect">
+            <a:avLst/>
+          </a:prstGeom>
+          <a:solidFill>
+            <a:schemeClr val="bg1"/>
+          </a:solidFill>
+          <a:ln>
+            <a:noFill/>
+          </a:ln>
+        </p:spPr>
+        <p:style>
+          <a:lnRef idx="2">
+            <a:schemeClr val="accent1">
+              <a:shade val="15000"/>
+            </a:schemeClr>
+          </a:lnRef>
+          <a:fillRef idx="1">
+            <a:schemeClr val="accent1"/>
+          </a:fillRef>
+          <a:effectRef idx="0">
+            <a:schemeClr val="accent1"/>
+          </a:effectRef>
+          <a:fontRef idx="minor">
+            <a:schemeClr val="lt1"/>
+          </a:fontRef>
+        </p:style>
+        <p:txBody>
+          <a:bodyPr rtlCol="0" anchor="ctr"/>
+          <a:lstStyle/>
+          <a:p>
+            <a:pPr algn="ctr"/>
+            <a:endParaRPr lang="ko-KR" altLang="en-US" dirty="0"/>
+          </a:p>
+        </p:txBody>
+      </p:sp>
+      <p:pic>
+        <p:nvPicPr>
+          <p:cNvPr id="1026" name="Picture 2" descr="Summary Icon #427386 - Free Icons Library">
+            <a:extLst>
+              <a:ext uri="{FF2B5EF4-FFF2-40B4-BE49-F238E27FC236}">
+                <a16:creationId xmlns:a16="http://schemas.microsoft.com/office/drawing/2014/main" id="{33A2B36A-5AA6-0D1F-A2B6-13ECDCB0438A}"/>
+              </a:ext>
+            </a:extLst>
+          </p:cNvPr>
+          <p:cNvPicPr>
+            <a:picLocks noChangeAspect="1" noChangeArrowheads="1"/>
+          </p:cNvPicPr>
+          <p:nvPr/>
+        </p:nvPicPr>
+        <p:blipFill>
+          <a:blip r:embed="rId2">
+            <a:extLst>
+              <a:ext uri="{28A0092B-C50C-407E-A947-70E740481C1C}">
+                <a14:useLocalDpi xmlns:a14="http://schemas.microsoft.com/office/drawing/2010/main" val="0"/>
+              </a:ext>
+            </a:extLst>
+          </a:blip>
+          <a:srcRect/>
+          <a:stretch>
+            <a:fillRect/>
+          </a:stretch>
+        </p:blipFill>
+        <p:spPr bwMode="auto">
+          <a:xfrm>
+            <a:off x="2815199" y="781291"/>
+            <a:ext cx="4615102" cy="5295418"/>
+          </a:xfrm>
+          <a:prstGeom prst="rect">
+            <a:avLst/>
+          </a:prstGeom>
+          <a:noFill/>
+          <a:extLst>
+            <a:ext uri="{909E8E84-426E-40DD-AFC4-6F175D3DCCD1}">
+              <a14:hiddenFill xmlns:a14="http://schemas.microsoft.com/office/drawing/2010/main">
+                <a:solidFill>
+                  <a:srgbClr val="FFFFFF"/>
+                </a:solidFill>
+              </a14:hiddenFill>
+            </a:ext>
+          </a:extLst>
+        </p:spPr>
+      </p:pic>
+    </p:spTree>
+    <p:extLst>
+      <p:ext uri="{BB962C8B-B14F-4D97-AF65-F5344CB8AC3E}">
+        <p14:creationId xmlns:p14="http://schemas.microsoft.com/office/powerpoint/2010/main" val="2531006615"/>
       </p:ext>
     </p:extLst>
   </p:cSld>
@@ -7061,7 +7191,7 @@
         <p:spPr>
           <a:xfrm>
             <a:off x="3089424" y="842589"/>
-            <a:ext cx="4377754" cy="1200329"/>
+            <a:ext cx="4377754" cy="646331"/>
           </a:xfrm>
           <a:prstGeom prst="rect">
             <a:avLst/>
@@ -7080,7 +7210,7 @@
                   <a:srgbClr val="FF00FF"/>
                 </a:solidFill>
                 <a:latin typeface="현대 LOGO" panose="02020603020101020101" pitchFamily="18" charset="-127"/>
-                <a:ea typeface="현대 LOGO" panose="02020603020101020101" pitchFamily="18" charset="-127"/>
+                <a:ea typeface="현대 LOGO" panose="02020603020101020101"/>
               </a:rPr>
               <a:t>Element join order</a:t>
             </a:r>
@@ -7089,7 +7219,7 @@
                 <a:srgbClr val="FF00FF"/>
               </a:solidFill>
               <a:latin typeface="현대 LOGO" panose="02020603020101020101" pitchFamily="18" charset="-127"/>
-              <a:ea typeface="현대 LOGO" panose="02020603020101020101" pitchFamily="18" charset="-127"/>
+              <a:ea typeface="현대 LOGO" panose="02020603020101020101"/>
             </a:endParaRPr>
           </a:p>
         </p:txBody>
